--- a/doc/ppt/读书笔记/写给大忙人看的Java SE 8.pptx
+++ b/doc/ppt/读书笔记/写给大忙人看的Java SE 8.pptx
@@ -156,6 +156,11 @@
       </a:defRPr>
     </a:lvl9pPr>
   </p:defaultTextStyle>
+  <p:extLst>
+    <p:ext uri="{EFAFB233-063F-42B5-8137-9DF3F51BA10A}">
+      <p15:sldGuideLst xmlns:p15="http://schemas.microsoft.com/office/powerpoint/2012/main"/>
+    </p:ext>
+  </p:extLst>
 </p:presentation>
 </file>
 
@@ -290,7 +295,7 @@
           <a:p>
             <a:fld id="{154F6CDB-FEDC-4F65-A880-1F008A66C43B}" type="datetimeFigureOut">
               <a:rPr lang="zh-CN" altLang="en-US" smtClean="0"/>
-              <a:t>2019/7/8</a:t>
+              <a:t>2019/7/12</a:t>
             </a:fld>
             <a:endParaRPr lang="zh-CN" altLang="en-US"/>
           </a:p>
@@ -460,7 +465,7 @@
           <a:p>
             <a:fld id="{154F6CDB-FEDC-4F65-A880-1F008A66C43B}" type="datetimeFigureOut">
               <a:rPr lang="zh-CN" altLang="en-US" smtClean="0"/>
-              <a:t>2019/7/8</a:t>
+              <a:t>2019/7/12</a:t>
             </a:fld>
             <a:endParaRPr lang="zh-CN" altLang="en-US"/>
           </a:p>
@@ -640,7 +645,7 @@
           <a:p>
             <a:fld id="{154F6CDB-FEDC-4F65-A880-1F008A66C43B}" type="datetimeFigureOut">
               <a:rPr lang="zh-CN" altLang="en-US" smtClean="0"/>
-              <a:t>2019/7/8</a:t>
+              <a:t>2019/7/12</a:t>
             </a:fld>
             <a:endParaRPr lang="zh-CN" altLang="en-US"/>
           </a:p>
@@ -810,7 +815,7 @@
           <a:p>
             <a:fld id="{154F6CDB-FEDC-4F65-A880-1F008A66C43B}" type="datetimeFigureOut">
               <a:rPr lang="zh-CN" altLang="en-US" smtClean="0"/>
-              <a:t>2019/7/8</a:t>
+              <a:t>2019/7/12</a:t>
             </a:fld>
             <a:endParaRPr lang="zh-CN" altLang="en-US"/>
           </a:p>
@@ -1056,7 +1061,7 @@
           <a:p>
             <a:fld id="{154F6CDB-FEDC-4F65-A880-1F008A66C43B}" type="datetimeFigureOut">
               <a:rPr lang="zh-CN" altLang="en-US" smtClean="0"/>
-              <a:t>2019/7/8</a:t>
+              <a:t>2019/7/12</a:t>
             </a:fld>
             <a:endParaRPr lang="zh-CN" altLang="en-US"/>
           </a:p>
@@ -1288,7 +1293,7 @@
           <a:p>
             <a:fld id="{154F6CDB-FEDC-4F65-A880-1F008A66C43B}" type="datetimeFigureOut">
               <a:rPr lang="zh-CN" altLang="en-US" smtClean="0"/>
-              <a:t>2019/7/8</a:t>
+              <a:t>2019/7/12</a:t>
             </a:fld>
             <a:endParaRPr lang="zh-CN" altLang="en-US"/>
           </a:p>
@@ -1655,7 +1660,7 @@
           <a:p>
             <a:fld id="{154F6CDB-FEDC-4F65-A880-1F008A66C43B}" type="datetimeFigureOut">
               <a:rPr lang="zh-CN" altLang="en-US" smtClean="0"/>
-              <a:t>2019/7/8</a:t>
+              <a:t>2019/7/12</a:t>
             </a:fld>
             <a:endParaRPr lang="zh-CN" altLang="en-US"/>
           </a:p>
@@ -1773,7 +1778,7 @@
           <a:p>
             <a:fld id="{154F6CDB-FEDC-4F65-A880-1F008A66C43B}" type="datetimeFigureOut">
               <a:rPr lang="zh-CN" altLang="en-US" smtClean="0"/>
-              <a:t>2019/7/8</a:t>
+              <a:t>2019/7/12</a:t>
             </a:fld>
             <a:endParaRPr lang="zh-CN" altLang="en-US"/>
           </a:p>
@@ -1868,7 +1873,7 @@
           <a:p>
             <a:fld id="{154F6CDB-FEDC-4F65-A880-1F008A66C43B}" type="datetimeFigureOut">
               <a:rPr lang="zh-CN" altLang="en-US" smtClean="0"/>
-              <a:t>2019/7/8</a:t>
+              <a:t>2019/7/12</a:t>
             </a:fld>
             <a:endParaRPr lang="zh-CN" altLang="en-US"/>
           </a:p>
@@ -2145,7 +2150,7 @@
           <a:p>
             <a:fld id="{154F6CDB-FEDC-4F65-A880-1F008A66C43B}" type="datetimeFigureOut">
               <a:rPr lang="zh-CN" altLang="en-US" smtClean="0"/>
-              <a:t>2019/7/8</a:t>
+              <a:t>2019/7/12</a:t>
             </a:fld>
             <a:endParaRPr lang="zh-CN" altLang="en-US"/>
           </a:p>
@@ -2398,7 +2403,7 @@
           <a:p>
             <a:fld id="{154F6CDB-FEDC-4F65-A880-1F008A66C43B}" type="datetimeFigureOut">
               <a:rPr lang="zh-CN" altLang="en-US" smtClean="0"/>
-              <a:t>2019/7/8</a:t>
+              <a:t>2019/7/12</a:t>
             </a:fld>
             <a:endParaRPr lang="zh-CN" altLang="en-US"/>
           </a:p>
@@ -2611,7 +2616,7 @@
           <a:p>
             <a:fld id="{154F6CDB-FEDC-4F65-A880-1F008A66C43B}" type="datetimeFigureOut">
               <a:rPr lang="zh-CN" altLang="en-US" smtClean="0"/>
-              <a:t>2019/7/8</a:t>
+              <a:t>2019/7/12</a:t>
             </a:fld>
             <a:endParaRPr lang="zh-CN" altLang="en-US"/>
           </a:p>
@@ -5286,10 +5291,6 @@
               </a:rPr>
               <a:t>不是一个函数式接口。</a:t>
             </a:r>
-            <a:endParaRPr lang="zh-CN" altLang="en-US" sz="2000" dirty="0" smtClean="0">
-              <a:latin typeface="华文楷体" panose="02010600040101010101" pitchFamily="2" charset="-122"/>
-              <a:ea typeface="华文楷体" panose="02010600040101010101" pitchFamily="2" charset="-122"/>
-            </a:endParaRPr>
           </a:p>
           <a:p>
             <a:endParaRPr lang="zh-CN" altLang="en-US" sz="2000" dirty="0" smtClean="0">
@@ -5377,21 +5378,7 @@
                 <a:latin typeface="华文楷体" panose="02010600040101010101" pitchFamily="2" charset="-122"/>
                 <a:ea typeface="华文楷体" panose="02010600040101010101" pitchFamily="2" charset="-122"/>
               </a:rPr>
-              <a:t>包中定义了许多非常通用的函数式接口</a:t>
-            </a:r>
-            <a:r>
-              <a:rPr lang="zh-CN" altLang="en-US" sz="2000" dirty="0" smtClean="0">
-                <a:latin typeface="华文楷体" panose="02010600040101010101" pitchFamily="2" charset="-122"/>
-                <a:ea typeface="华文楷体" panose="02010600040101010101" pitchFamily="2" charset="-122"/>
-              </a:rPr>
-              <a:t>。</a:t>
-            </a:r>
-            <a:r>
-              <a:rPr lang="zh-CN" altLang="en-US" sz="2000" dirty="0" smtClean="0">
-                <a:latin typeface="华文楷体" panose="02010600040101010101" pitchFamily="2" charset="-122"/>
-                <a:ea typeface="华文楷体" panose="02010600040101010101" pitchFamily="2" charset="-122"/>
-              </a:rPr>
-              <a:t>（我们将在第</a:t>
+              <a:t>包中定义了许多非常通用的函数式接口。（我们将在第</a:t>
             </a:r>
             <a:r>
               <a:rPr lang="en-US" altLang="zh-CN" sz="2000" dirty="0" smtClean="0">
@@ -8093,14 +8080,7 @@
                 <a:latin typeface="华文楷体" panose="02010600040101010101" pitchFamily="2" charset="-122"/>
                 <a:ea typeface="华文楷体" panose="02010600040101010101" pitchFamily="2" charset="-122"/>
               </a:rPr>
-              <a:t>Super</a:t>
-            </a:r>
-            <a:r>
-              <a:rPr lang="en-US" altLang="zh-CN" sz="2000" dirty="0" smtClean="0">
-                <a:latin typeface="华文楷体" panose="02010600040101010101" pitchFamily="2" charset="-122"/>
-                <a:ea typeface="华文楷体" panose="02010600040101010101" pitchFamily="2" charset="-122"/>
-              </a:rPr>
-              <a:t>::</a:t>
+              <a:t>Super::</a:t>
             </a:r>
             <a:r>
               <a:rPr lang="zh-CN" altLang="en-US" sz="2000" dirty="0" smtClean="0">
@@ -8254,14 +8234,7 @@
                 <a:latin typeface="华文楷体" panose="02010600040101010101" pitchFamily="2" charset="-122"/>
                 <a:ea typeface="华文楷体" panose="02010600040101010101" pitchFamily="2" charset="-122"/>
               </a:rPr>
-              <a:t>.this</a:t>
-            </a:r>
-            <a:r>
-              <a:rPr lang="en-US" altLang="zh-CN" sz="2000" dirty="0" smtClean="0">
-                <a:latin typeface="华文楷体" panose="02010600040101010101" pitchFamily="2" charset="-122"/>
-                <a:ea typeface="华文楷体" panose="02010600040101010101" pitchFamily="2" charset="-122"/>
-              </a:rPr>
-              <a:t>::</a:t>
+              <a:t>.this::</a:t>
             </a:r>
             <a:r>
               <a:rPr lang="zh-CN" altLang="en-US" sz="2000" dirty="0" smtClean="0">
@@ -9697,7 +9670,7 @@
         </p:spPr>
         <p:txBody>
           <a:bodyPr>
-            <a:normAutofit lnSpcReduction="10000"/>
+            <a:normAutofit/>
           </a:bodyPr>
           <a:lstStyle/>
           <a:p>
@@ -9968,31 +9941,17 @@
                 <a:latin typeface="华文楷体" panose="02010600040101010101" pitchFamily="2" charset="-122"/>
                 <a:ea typeface="华文楷体" panose="02010600040101010101" pitchFamily="2" charset="-122"/>
               </a:rPr>
-              <a:t>new T [ </a:t>
+              <a:t>new T [ n ]</a:t>
+            </a:r>
+            <a:r>
+              <a:rPr lang="zh-CN" altLang="en-US" sz="2000" dirty="0" smtClean="0">
+                <a:latin typeface="华文楷体" panose="02010600040101010101" pitchFamily="2" charset="-122"/>
+                <a:ea typeface="华文楷体" panose="02010600040101010101" pitchFamily="2" charset="-122"/>
+              </a:rPr>
+              <a:t>是错误的，因为它会被擦除为</a:t>
             </a:r>
             <a:r>
               <a:rPr lang="en-US" altLang="zh-CN" sz="2000" dirty="0" smtClean="0">
-                <a:latin typeface="华文楷体" panose="02010600040101010101" pitchFamily="2" charset="-122"/>
-                <a:ea typeface="华文楷体" panose="02010600040101010101" pitchFamily="2" charset="-122"/>
-              </a:rPr>
-              <a:t>n </a:t>
-            </a:r>
-            <a:r>
-              <a:rPr lang="en-US" altLang="zh-CN" sz="2000" dirty="0" smtClean="0">
-                <a:latin typeface="华文楷体" panose="02010600040101010101" pitchFamily="2" charset="-122"/>
-                <a:ea typeface="华文楷体" panose="02010600040101010101" pitchFamily="2" charset="-122"/>
-              </a:rPr>
-              <a:t>]</a:t>
-            </a:r>
-            <a:r>
-              <a:rPr lang="zh-CN" altLang="en-US" sz="2000" dirty="0" smtClean="0">
-                <a:latin typeface="华文楷体" panose="02010600040101010101" pitchFamily="2" charset="-122"/>
-                <a:ea typeface="华文楷体" panose="02010600040101010101" pitchFamily="2" charset="-122"/>
-              </a:rPr>
-              <a:t>是错误的，因为它会被擦除为</a:t>
-            </a:r>
-            <a:r>
-              <a:rPr lang="en-US" altLang="zh-CN" sz="2000" smtClean="0">
                 <a:latin typeface="华文楷体" panose="02010600040101010101" pitchFamily="2" charset="-122"/>
                 <a:ea typeface="华文楷体" panose="02010600040101010101" pitchFamily="2" charset="-122"/>
               </a:rPr>
@@ -10254,7 +10213,24 @@
           <a:bodyPr/>
           <a:lstStyle/>
           <a:p>
-            <a:endParaRPr lang="zh-CN" altLang="en-US" dirty="0"/>
+            <a:r>
+              <a:rPr lang="en-US" altLang="zh-CN" dirty="0">
+                <a:latin typeface="华文楷体" panose="02010600040101010101" pitchFamily="2" charset="-122"/>
+                <a:ea typeface="华文楷体" panose="02010600040101010101" pitchFamily="2" charset="-122"/>
+              </a:rPr>
+              <a:t>1.6	</a:t>
+            </a:r>
+            <a:r>
+              <a:rPr lang="zh-CN" altLang="en-US" dirty="0">
+                <a:latin typeface="华文楷体" panose="02010600040101010101" pitchFamily="2" charset="-122"/>
+                <a:ea typeface="华文楷体" panose="02010600040101010101" pitchFamily="2" charset="-122"/>
+              </a:rPr>
+              <a:t>变量作用域</a:t>
+            </a:r>
+            <a:endParaRPr lang="zh-CN" altLang="en-US" dirty="0">
+              <a:latin typeface="华文楷体" panose="02010600040101010101" pitchFamily="2" charset="-122"/>
+              <a:ea typeface="华文楷体" panose="02010600040101010101" pitchFamily="2" charset="-122"/>
+            </a:endParaRPr>
           </a:p>
         </p:txBody>
       </p:sp>
@@ -10268,14 +10244,1017 @@
             <p:ph idx="1"/>
           </p:nvPr>
         </p:nvSpPr>
-        <p:spPr/>
+        <p:spPr>
+          <a:xfrm>
+            <a:off x="838200" y="1569041"/>
+            <a:ext cx="10515600" cy="451044"/>
+          </a:xfrm>
+        </p:spPr>
         <p:txBody>
           <a:bodyPr>
             <a:normAutofit/>
           </a:bodyPr>
           <a:lstStyle/>
           <a:p>
-            <a:endParaRPr lang="zh-CN" altLang="en-US" sz="2000" dirty="0"/>
+            <a:r>
+              <a:rPr lang="zh-CN" altLang="en-US" sz="2000" dirty="0">
+                <a:latin typeface="华文楷体" panose="02010600040101010101" pitchFamily="2" charset="-122"/>
+                <a:ea typeface="华文楷体" panose="02010600040101010101" pitchFamily="2" charset="-122"/>
+              </a:rPr>
+              <a:t>通常，我们希望能够在</a:t>
+            </a:r>
+            <a:r>
+              <a:rPr lang="en-US" altLang="zh-CN" sz="2000" dirty="0" err="1">
+                <a:latin typeface="华文楷体" panose="02010600040101010101" pitchFamily="2" charset="-122"/>
+                <a:ea typeface="华文楷体" panose="02010600040101010101" pitchFamily="2" charset="-122"/>
+              </a:rPr>
+              <a:t>lamba</a:t>
+            </a:r>
+            <a:r>
+              <a:rPr lang="zh-CN" altLang="en-US" sz="2000" dirty="0">
+                <a:latin typeface="华文楷体" panose="02010600040101010101" pitchFamily="2" charset="-122"/>
+                <a:ea typeface="华文楷体" panose="02010600040101010101" pitchFamily="2" charset="-122"/>
+              </a:rPr>
+              <a:t>表达式的闭合方法或类中访问其他的变量，例如：</a:t>
+            </a:r>
+            <a:endParaRPr lang="zh-CN" altLang="en-US" sz="2000" dirty="0">
+              <a:latin typeface="华文楷体" panose="02010600040101010101" pitchFamily="2" charset="-122"/>
+              <a:ea typeface="华文楷体" panose="02010600040101010101" pitchFamily="2" charset="-122"/>
+            </a:endParaRPr>
+          </a:p>
+        </p:txBody>
+      </p:sp>
+      <p:sp>
+        <p:nvSpPr>
+          <p:cNvPr id="4" name="Rectangle 1"/>
+          <p:cNvSpPr>
+            <a:spLocks noChangeArrowheads="1"/>
+          </p:cNvSpPr>
+          <p:nvPr/>
+        </p:nvSpPr>
+        <p:spPr bwMode="auto">
+          <a:xfrm>
+            <a:off x="2505270" y="2339488"/>
+            <a:ext cx="4767942" cy="2308324"/>
+          </a:xfrm>
+          <a:prstGeom prst="rect">
+            <a:avLst/>
+          </a:prstGeom>
+          <a:solidFill>
+            <a:srgbClr val="FFFFFF"/>
+          </a:solidFill>
+          <a:ln>
+            <a:noFill/>
+          </a:ln>
+          <a:effectLst/>
+          <a:extLst>
+            <a:ext uri="{91240B29-F687-4F45-9708-019B960494DF}">
+              <a14:hiddenLine xmlns:a14="http://schemas.microsoft.com/office/drawing/2010/main" w="9525">
+                <a:solidFill>
+                  <a:schemeClr val="tx1"/>
+                </a:solidFill>
+                <a:miter lim="800000"/>
+                <a:headEnd/>
+                <a:tailEnd/>
+              </a14:hiddenLine>
+            </a:ext>
+            <a:ext uri="{AF507438-7753-43E0-B8FC-AC1667EBCBE1}">
+              <a14:hiddenEffects xmlns:a14="http://schemas.microsoft.com/office/drawing/2010/main">
+                <a:effectLst>
+                  <a:outerShdw dist="35921" dir="2700000" algn="ctr" rotWithShape="0">
+                    <a:schemeClr val="bg2"/>
+                  </a:outerShdw>
+                </a:effectLst>
+              </a14:hiddenEffects>
+            </a:ext>
+          </a:extLst>
+        </p:spPr>
+        <p:txBody>
+          <a:bodyPr vert="horz" wrap="square" lIns="91440" tIns="45720" rIns="91440" bIns="45720" numCol="1" anchor="ctr" anchorCtr="0" compatLnSpc="1">
+            <a:prstTxWarp prst="textNoShape">
+              <a:avLst/>
+            </a:prstTxWarp>
+            <a:spAutoFit/>
+          </a:bodyPr>
+          <a:lstStyle/>
+          <a:p>
+            <a:pPr marL="0" marR="0" lvl="0" indent="0" algn="l" defTabSz="914400" rtl="0" eaLnBrk="0" fontAlgn="base" latinLnBrk="0" hangingPunct="0">
+              <a:lnSpc>
+                <a:spcPct val="100000"/>
+              </a:lnSpc>
+              <a:spcBef>
+                <a:spcPct val="0"/>
+              </a:spcBef>
+              <a:spcAft>
+                <a:spcPct val="0"/>
+              </a:spcAft>
+              <a:buClrTx/>
+              <a:buSzTx/>
+              <a:buFontTx/>
+              <a:buNone/>
+              <a:tabLst/>
+            </a:pPr>
+            <a:r>
+              <a:rPr kumimoji="0" lang="zh-CN" altLang="zh-CN" sz="1600" b="1" i="0" u="none" strike="noStrike" cap="none" normalizeH="0" baseline="0" dirty="0" smtClean="0">
+                <a:ln>
+                  <a:noFill/>
+                </a:ln>
+                <a:solidFill>
+                  <a:srgbClr val="000080"/>
+                </a:solidFill>
+                <a:effectLst/>
+                <a:latin typeface="华文楷体" panose="02010600040101010101" pitchFamily="2" charset="-122"/>
+                <a:ea typeface="华文楷体" panose="02010600040101010101" pitchFamily="2" charset="-122"/>
+              </a:rPr>
+              <a:t>public static void </a:t>
+            </a:r>
+            <a:r>
+              <a:rPr kumimoji="0" lang="zh-CN" altLang="zh-CN" sz="1600" b="0" i="0" u="none" strike="noStrike" cap="none" normalizeH="0" baseline="0" dirty="0" smtClean="0">
+                <a:ln>
+                  <a:noFill/>
+                </a:ln>
+                <a:solidFill>
+                  <a:srgbClr val="000000"/>
+                </a:solidFill>
+                <a:effectLst/>
+                <a:latin typeface="华文楷体" panose="02010600040101010101" pitchFamily="2" charset="-122"/>
+                <a:ea typeface="华文楷体" panose="02010600040101010101" pitchFamily="2" charset="-122"/>
+              </a:rPr>
+              <a:t>repeatMessage(String text, </a:t>
+            </a:r>
+            <a:r>
+              <a:rPr kumimoji="0" lang="zh-CN" altLang="zh-CN" sz="1600" b="1" i="0" u="none" strike="noStrike" cap="none" normalizeH="0" baseline="0" dirty="0" smtClean="0">
+                <a:ln>
+                  <a:noFill/>
+                </a:ln>
+                <a:solidFill>
+                  <a:srgbClr val="000080"/>
+                </a:solidFill>
+                <a:effectLst/>
+                <a:latin typeface="华文楷体" panose="02010600040101010101" pitchFamily="2" charset="-122"/>
+                <a:ea typeface="华文楷体" panose="02010600040101010101" pitchFamily="2" charset="-122"/>
+              </a:rPr>
+              <a:t>int </a:t>
+            </a:r>
+            <a:r>
+              <a:rPr kumimoji="0" lang="zh-CN" altLang="zh-CN" sz="1600" b="0" i="0" u="none" strike="noStrike" cap="none" normalizeH="0" baseline="0" dirty="0" smtClean="0">
+                <a:ln>
+                  <a:noFill/>
+                </a:ln>
+                <a:solidFill>
+                  <a:srgbClr val="000000"/>
+                </a:solidFill>
+                <a:effectLst/>
+                <a:latin typeface="华文楷体" panose="02010600040101010101" pitchFamily="2" charset="-122"/>
+                <a:ea typeface="华文楷体" panose="02010600040101010101" pitchFamily="2" charset="-122"/>
+              </a:rPr>
+              <a:t>count) {</a:t>
+            </a:r>
+            <a:br>
+              <a:rPr kumimoji="0" lang="zh-CN" altLang="zh-CN" sz="1600" b="0" i="0" u="none" strike="noStrike" cap="none" normalizeH="0" baseline="0" dirty="0" smtClean="0">
+                <a:ln>
+                  <a:noFill/>
+                </a:ln>
+                <a:solidFill>
+                  <a:srgbClr val="000000"/>
+                </a:solidFill>
+                <a:effectLst/>
+                <a:latin typeface="华文楷体" panose="02010600040101010101" pitchFamily="2" charset="-122"/>
+                <a:ea typeface="华文楷体" panose="02010600040101010101" pitchFamily="2" charset="-122"/>
+              </a:rPr>
+            </a:br>
+            <a:r>
+              <a:rPr kumimoji="0" lang="zh-CN" altLang="zh-CN" sz="1600" b="0" i="0" u="none" strike="noStrike" cap="none" normalizeH="0" baseline="0" dirty="0" smtClean="0">
+                <a:ln>
+                  <a:noFill/>
+                </a:ln>
+                <a:solidFill>
+                  <a:srgbClr val="000000"/>
+                </a:solidFill>
+                <a:effectLst/>
+                <a:latin typeface="华文楷体" panose="02010600040101010101" pitchFamily="2" charset="-122"/>
+                <a:ea typeface="华文楷体" panose="02010600040101010101" pitchFamily="2" charset="-122"/>
+              </a:rPr>
+              <a:t>    Runnable r = () -&gt; {</a:t>
+            </a:r>
+            <a:br>
+              <a:rPr kumimoji="0" lang="zh-CN" altLang="zh-CN" sz="1600" b="0" i="0" u="none" strike="noStrike" cap="none" normalizeH="0" baseline="0" dirty="0" smtClean="0">
+                <a:ln>
+                  <a:noFill/>
+                </a:ln>
+                <a:solidFill>
+                  <a:srgbClr val="000000"/>
+                </a:solidFill>
+                <a:effectLst/>
+                <a:latin typeface="华文楷体" panose="02010600040101010101" pitchFamily="2" charset="-122"/>
+                <a:ea typeface="华文楷体" panose="02010600040101010101" pitchFamily="2" charset="-122"/>
+              </a:rPr>
+            </a:br>
+            <a:r>
+              <a:rPr kumimoji="0" lang="zh-CN" altLang="zh-CN" sz="1600" b="0" i="0" u="none" strike="noStrike" cap="none" normalizeH="0" baseline="0" dirty="0" smtClean="0">
+                <a:ln>
+                  <a:noFill/>
+                </a:ln>
+                <a:solidFill>
+                  <a:srgbClr val="000000"/>
+                </a:solidFill>
+                <a:effectLst/>
+                <a:latin typeface="华文楷体" panose="02010600040101010101" pitchFamily="2" charset="-122"/>
+                <a:ea typeface="华文楷体" panose="02010600040101010101" pitchFamily="2" charset="-122"/>
+              </a:rPr>
+              <a:t>        </a:t>
+            </a:r>
+            <a:r>
+              <a:rPr kumimoji="0" lang="zh-CN" altLang="zh-CN" sz="1600" b="1" i="0" u="none" strike="noStrike" cap="none" normalizeH="0" baseline="0" dirty="0" smtClean="0">
+                <a:ln>
+                  <a:noFill/>
+                </a:ln>
+                <a:solidFill>
+                  <a:srgbClr val="000080"/>
+                </a:solidFill>
+                <a:effectLst/>
+                <a:latin typeface="华文楷体" panose="02010600040101010101" pitchFamily="2" charset="-122"/>
+                <a:ea typeface="华文楷体" panose="02010600040101010101" pitchFamily="2" charset="-122"/>
+              </a:rPr>
+              <a:t>for </a:t>
+            </a:r>
+            <a:r>
+              <a:rPr kumimoji="0" lang="zh-CN" altLang="zh-CN" sz="1600" b="0" i="0" u="none" strike="noStrike" cap="none" normalizeH="0" baseline="0" dirty="0" smtClean="0">
+                <a:ln>
+                  <a:noFill/>
+                </a:ln>
+                <a:solidFill>
+                  <a:srgbClr val="000000"/>
+                </a:solidFill>
+                <a:effectLst/>
+                <a:latin typeface="华文楷体" panose="02010600040101010101" pitchFamily="2" charset="-122"/>
+                <a:ea typeface="华文楷体" panose="02010600040101010101" pitchFamily="2" charset="-122"/>
+              </a:rPr>
+              <a:t>(</a:t>
+            </a:r>
+            <a:r>
+              <a:rPr kumimoji="0" lang="zh-CN" altLang="zh-CN" sz="1600" b="1" i="0" u="none" strike="noStrike" cap="none" normalizeH="0" baseline="0" dirty="0" smtClean="0">
+                <a:ln>
+                  <a:noFill/>
+                </a:ln>
+                <a:solidFill>
+                  <a:srgbClr val="000080"/>
+                </a:solidFill>
+                <a:effectLst/>
+                <a:latin typeface="华文楷体" panose="02010600040101010101" pitchFamily="2" charset="-122"/>
+                <a:ea typeface="华文楷体" panose="02010600040101010101" pitchFamily="2" charset="-122"/>
+              </a:rPr>
+              <a:t>int </a:t>
+            </a:r>
+            <a:r>
+              <a:rPr kumimoji="0" lang="zh-CN" altLang="zh-CN" sz="1600" b="0" i="0" u="none" strike="noStrike" cap="none" normalizeH="0" baseline="0" dirty="0" smtClean="0">
+                <a:ln>
+                  <a:noFill/>
+                </a:ln>
+                <a:solidFill>
+                  <a:srgbClr val="000000"/>
+                </a:solidFill>
+                <a:effectLst/>
+                <a:latin typeface="华文楷体" panose="02010600040101010101" pitchFamily="2" charset="-122"/>
+                <a:ea typeface="华文楷体" panose="02010600040101010101" pitchFamily="2" charset="-122"/>
+              </a:rPr>
+              <a:t>i = </a:t>
+            </a:r>
+            <a:r>
+              <a:rPr kumimoji="0" lang="zh-CN" altLang="zh-CN" sz="1600" b="0" i="0" u="none" strike="noStrike" cap="none" normalizeH="0" baseline="0" dirty="0" smtClean="0">
+                <a:ln>
+                  <a:noFill/>
+                </a:ln>
+                <a:solidFill>
+                  <a:srgbClr val="0000FF"/>
+                </a:solidFill>
+                <a:effectLst/>
+                <a:latin typeface="华文楷体" panose="02010600040101010101" pitchFamily="2" charset="-122"/>
+                <a:ea typeface="华文楷体" panose="02010600040101010101" pitchFamily="2" charset="-122"/>
+              </a:rPr>
+              <a:t>0</a:t>
+            </a:r>
+            <a:r>
+              <a:rPr kumimoji="0" lang="zh-CN" altLang="zh-CN" sz="1600" b="0" i="0" u="none" strike="noStrike" cap="none" normalizeH="0" baseline="0" dirty="0" smtClean="0">
+                <a:ln>
+                  <a:noFill/>
+                </a:ln>
+                <a:solidFill>
+                  <a:srgbClr val="000000"/>
+                </a:solidFill>
+                <a:effectLst/>
+                <a:latin typeface="华文楷体" panose="02010600040101010101" pitchFamily="2" charset="-122"/>
+                <a:ea typeface="华文楷体" panose="02010600040101010101" pitchFamily="2" charset="-122"/>
+              </a:rPr>
+              <a:t>; i &lt; </a:t>
+            </a:r>
+            <a:r>
+              <a:rPr kumimoji="0" lang="zh-CN" altLang="zh-CN" sz="1600" b="0" i="0" u="none" strike="noStrike" cap="none" normalizeH="0" baseline="0" dirty="0" smtClean="0">
+                <a:ln>
+                  <a:noFill/>
+                </a:ln>
+                <a:solidFill>
+                  <a:srgbClr val="660E7A"/>
+                </a:solidFill>
+                <a:effectLst/>
+                <a:latin typeface="华文楷体" panose="02010600040101010101" pitchFamily="2" charset="-122"/>
+                <a:ea typeface="华文楷体" panose="02010600040101010101" pitchFamily="2" charset="-122"/>
+              </a:rPr>
+              <a:t>count</a:t>
+            </a:r>
+            <a:r>
+              <a:rPr kumimoji="0" lang="zh-CN" altLang="zh-CN" sz="1600" b="0" i="0" u="none" strike="noStrike" cap="none" normalizeH="0" baseline="0" dirty="0" smtClean="0">
+                <a:ln>
+                  <a:noFill/>
+                </a:ln>
+                <a:solidFill>
+                  <a:srgbClr val="000000"/>
+                </a:solidFill>
+                <a:effectLst/>
+                <a:latin typeface="华文楷体" panose="02010600040101010101" pitchFamily="2" charset="-122"/>
+                <a:ea typeface="华文楷体" panose="02010600040101010101" pitchFamily="2" charset="-122"/>
+              </a:rPr>
+              <a:t>; i++) {</a:t>
+            </a:r>
+            <a:br>
+              <a:rPr kumimoji="0" lang="zh-CN" altLang="zh-CN" sz="1600" b="0" i="0" u="none" strike="noStrike" cap="none" normalizeH="0" baseline="0" dirty="0" smtClean="0">
+                <a:ln>
+                  <a:noFill/>
+                </a:ln>
+                <a:solidFill>
+                  <a:srgbClr val="000000"/>
+                </a:solidFill>
+                <a:effectLst/>
+                <a:latin typeface="华文楷体" panose="02010600040101010101" pitchFamily="2" charset="-122"/>
+                <a:ea typeface="华文楷体" panose="02010600040101010101" pitchFamily="2" charset="-122"/>
+              </a:rPr>
+            </a:br>
+            <a:r>
+              <a:rPr kumimoji="0" lang="zh-CN" altLang="zh-CN" sz="1600" b="0" i="0" u="none" strike="noStrike" cap="none" normalizeH="0" baseline="0" dirty="0" smtClean="0">
+                <a:ln>
+                  <a:noFill/>
+                </a:ln>
+                <a:solidFill>
+                  <a:srgbClr val="000000"/>
+                </a:solidFill>
+                <a:effectLst/>
+                <a:latin typeface="华文楷体" panose="02010600040101010101" pitchFamily="2" charset="-122"/>
+                <a:ea typeface="华文楷体" panose="02010600040101010101" pitchFamily="2" charset="-122"/>
+              </a:rPr>
+              <a:t>            System.</a:t>
+            </a:r>
+            <a:r>
+              <a:rPr kumimoji="0" lang="zh-CN" altLang="zh-CN" sz="1600" b="1" i="1" u="none" strike="noStrike" cap="none" normalizeH="0" baseline="0" dirty="0" smtClean="0">
+                <a:ln>
+                  <a:noFill/>
+                </a:ln>
+                <a:solidFill>
+                  <a:srgbClr val="660E7A"/>
+                </a:solidFill>
+                <a:effectLst/>
+                <a:latin typeface="华文楷体" panose="02010600040101010101" pitchFamily="2" charset="-122"/>
+                <a:ea typeface="华文楷体" panose="02010600040101010101" pitchFamily="2" charset="-122"/>
+              </a:rPr>
+              <a:t>out</a:t>
+            </a:r>
+            <a:r>
+              <a:rPr kumimoji="0" lang="zh-CN" altLang="zh-CN" sz="1600" b="0" i="0" u="none" strike="noStrike" cap="none" normalizeH="0" baseline="0" dirty="0" smtClean="0">
+                <a:ln>
+                  <a:noFill/>
+                </a:ln>
+                <a:solidFill>
+                  <a:srgbClr val="000000"/>
+                </a:solidFill>
+                <a:effectLst/>
+                <a:latin typeface="华文楷体" panose="02010600040101010101" pitchFamily="2" charset="-122"/>
+                <a:ea typeface="华文楷体" panose="02010600040101010101" pitchFamily="2" charset="-122"/>
+              </a:rPr>
+              <a:t>.println(</a:t>
+            </a:r>
+            <a:r>
+              <a:rPr kumimoji="0" lang="zh-CN" altLang="zh-CN" sz="1600" b="0" i="0" u="none" strike="noStrike" cap="none" normalizeH="0" baseline="0" dirty="0" smtClean="0">
+                <a:ln>
+                  <a:noFill/>
+                </a:ln>
+                <a:solidFill>
+                  <a:srgbClr val="660E7A"/>
+                </a:solidFill>
+                <a:effectLst/>
+                <a:latin typeface="华文楷体" panose="02010600040101010101" pitchFamily="2" charset="-122"/>
+                <a:ea typeface="华文楷体" panose="02010600040101010101" pitchFamily="2" charset="-122"/>
+              </a:rPr>
+              <a:t>text</a:t>
+            </a:r>
+            <a:r>
+              <a:rPr kumimoji="0" lang="zh-CN" altLang="zh-CN" sz="1600" b="0" i="0" u="none" strike="noStrike" cap="none" normalizeH="0" baseline="0" dirty="0" smtClean="0">
+                <a:ln>
+                  <a:noFill/>
+                </a:ln>
+                <a:solidFill>
+                  <a:srgbClr val="000000"/>
+                </a:solidFill>
+                <a:effectLst/>
+                <a:latin typeface="华文楷体" panose="02010600040101010101" pitchFamily="2" charset="-122"/>
+                <a:ea typeface="华文楷体" panose="02010600040101010101" pitchFamily="2" charset="-122"/>
+              </a:rPr>
+              <a:t>);</a:t>
+            </a:r>
+            <a:br>
+              <a:rPr kumimoji="0" lang="zh-CN" altLang="zh-CN" sz="1600" b="0" i="0" u="none" strike="noStrike" cap="none" normalizeH="0" baseline="0" dirty="0" smtClean="0">
+                <a:ln>
+                  <a:noFill/>
+                </a:ln>
+                <a:solidFill>
+                  <a:srgbClr val="000000"/>
+                </a:solidFill>
+                <a:effectLst/>
+                <a:latin typeface="华文楷体" panose="02010600040101010101" pitchFamily="2" charset="-122"/>
+                <a:ea typeface="华文楷体" panose="02010600040101010101" pitchFamily="2" charset="-122"/>
+              </a:rPr>
+            </a:br>
+            <a:r>
+              <a:rPr kumimoji="0" lang="zh-CN" altLang="zh-CN" sz="1600" b="0" i="0" u="none" strike="noStrike" cap="none" normalizeH="0" baseline="0" dirty="0" smtClean="0">
+                <a:ln>
+                  <a:noFill/>
+                </a:ln>
+                <a:solidFill>
+                  <a:srgbClr val="000000"/>
+                </a:solidFill>
+                <a:effectLst/>
+                <a:latin typeface="华文楷体" panose="02010600040101010101" pitchFamily="2" charset="-122"/>
+                <a:ea typeface="华文楷体" panose="02010600040101010101" pitchFamily="2" charset="-122"/>
+              </a:rPr>
+              <a:t>            Thread.</a:t>
+            </a:r>
+            <a:r>
+              <a:rPr kumimoji="0" lang="zh-CN" altLang="zh-CN" sz="1600" b="0" i="1" u="none" strike="noStrike" cap="none" normalizeH="0" baseline="0" dirty="0" smtClean="0">
+                <a:ln>
+                  <a:noFill/>
+                </a:ln>
+                <a:solidFill>
+                  <a:srgbClr val="000000"/>
+                </a:solidFill>
+                <a:effectLst/>
+                <a:latin typeface="华文楷体" panose="02010600040101010101" pitchFamily="2" charset="-122"/>
+                <a:ea typeface="华文楷体" panose="02010600040101010101" pitchFamily="2" charset="-122"/>
+              </a:rPr>
+              <a:t>yield</a:t>
+            </a:r>
+            <a:r>
+              <a:rPr kumimoji="0" lang="zh-CN" altLang="zh-CN" sz="1600" b="0" i="0" u="none" strike="noStrike" cap="none" normalizeH="0" baseline="0" dirty="0" smtClean="0">
+                <a:ln>
+                  <a:noFill/>
+                </a:ln>
+                <a:solidFill>
+                  <a:srgbClr val="000000"/>
+                </a:solidFill>
+                <a:effectLst/>
+                <a:latin typeface="华文楷体" panose="02010600040101010101" pitchFamily="2" charset="-122"/>
+                <a:ea typeface="华文楷体" panose="02010600040101010101" pitchFamily="2" charset="-122"/>
+              </a:rPr>
+              <a:t>();</a:t>
+            </a:r>
+            <a:br>
+              <a:rPr kumimoji="0" lang="zh-CN" altLang="zh-CN" sz="1600" b="0" i="0" u="none" strike="noStrike" cap="none" normalizeH="0" baseline="0" dirty="0" smtClean="0">
+                <a:ln>
+                  <a:noFill/>
+                </a:ln>
+                <a:solidFill>
+                  <a:srgbClr val="000000"/>
+                </a:solidFill>
+                <a:effectLst/>
+                <a:latin typeface="华文楷体" panose="02010600040101010101" pitchFamily="2" charset="-122"/>
+                <a:ea typeface="华文楷体" panose="02010600040101010101" pitchFamily="2" charset="-122"/>
+              </a:rPr>
+            </a:br>
+            <a:r>
+              <a:rPr kumimoji="0" lang="zh-CN" altLang="zh-CN" sz="1600" b="0" i="0" u="none" strike="noStrike" cap="none" normalizeH="0" baseline="0" dirty="0" smtClean="0">
+                <a:ln>
+                  <a:noFill/>
+                </a:ln>
+                <a:solidFill>
+                  <a:srgbClr val="000000"/>
+                </a:solidFill>
+                <a:effectLst/>
+                <a:latin typeface="华文楷体" panose="02010600040101010101" pitchFamily="2" charset="-122"/>
+                <a:ea typeface="华文楷体" panose="02010600040101010101" pitchFamily="2" charset="-122"/>
+              </a:rPr>
+              <a:t>        }</a:t>
+            </a:r>
+            <a:br>
+              <a:rPr kumimoji="0" lang="zh-CN" altLang="zh-CN" sz="1600" b="0" i="0" u="none" strike="noStrike" cap="none" normalizeH="0" baseline="0" dirty="0" smtClean="0">
+                <a:ln>
+                  <a:noFill/>
+                </a:ln>
+                <a:solidFill>
+                  <a:srgbClr val="000000"/>
+                </a:solidFill>
+                <a:effectLst/>
+                <a:latin typeface="华文楷体" panose="02010600040101010101" pitchFamily="2" charset="-122"/>
+                <a:ea typeface="华文楷体" panose="02010600040101010101" pitchFamily="2" charset="-122"/>
+              </a:rPr>
+            </a:br>
+            <a:r>
+              <a:rPr kumimoji="0" lang="zh-CN" altLang="zh-CN" sz="1600" b="0" i="0" u="none" strike="noStrike" cap="none" normalizeH="0" baseline="0" dirty="0" smtClean="0">
+                <a:ln>
+                  <a:noFill/>
+                </a:ln>
+                <a:solidFill>
+                  <a:srgbClr val="000000"/>
+                </a:solidFill>
+                <a:effectLst/>
+                <a:latin typeface="华文楷体" panose="02010600040101010101" pitchFamily="2" charset="-122"/>
+                <a:ea typeface="华文楷体" panose="02010600040101010101" pitchFamily="2" charset="-122"/>
+              </a:rPr>
+              <a:t>    };</a:t>
+            </a:r>
+            <a:br>
+              <a:rPr kumimoji="0" lang="zh-CN" altLang="zh-CN" sz="1600" b="0" i="0" u="none" strike="noStrike" cap="none" normalizeH="0" baseline="0" dirty="0" smtClean="0">
+                <a:ln>
+                  <a:noFill/>
+                </a:ln>
+                <a:solidFill>
+                  <a:srgbClr val="000000"/>
+                </a:solidFill>
+                <a:effectLst/>
+                <a:latin typeface="华文楷体" panose="02010600040101010101" pitchFamily="2" charset="-122"/>
+                <a:ea typeface="华文楷体" panose="02010600040101010101" pitchFamily="2" charset="-122"/>
+              </a:rPr>
+            </a:br>
+            <a:r>
+              <a:rPr kumimoji="0" lang="zh-CN" altLang="zh-CN" sz="1600" b="0" i="0" u="none" strike="noStrike" cap="none" normalizeH="0" baseline="0" dirty="0" smtClean="0">
+                <a:ln>
+                  <a:noFill/>
+                </a:ln>
+                <a:solidFill>
+                  <a:srgbClr val="000000"/>
+                </a:solidFill>
+                <a:effectLst/>
+                <a:latin typeface="华文楷体" panose="02010600040101010101" pitchFamily="2" charset="-122"/>
+                <a:ea typeface="华文楷体" panose="02010600040101010101" pitchFamily="2" charset="-122"/>
+              </a:rPr>
+              <a:t>    </a:t>
+            </a:r>
+            <a:r>
+              <a:rPr kumimoji="0" lang="zh-CN" altLang="zh-CN" sz="1600" b="1" i="0" u="none" strike="noStrike" cap="none" normalizeH="0" baseline="0" dirty="0" smtClean="0">
+                <a:ln>
+                  <a:noFill/>
+                </a:ln>
+                <a:solidFill>
+                  <a:srgbClr val="000080"/>
+                </a:solidFill>
+                <a:effectLst/>
+                <a:latin typeface="华文楷体" panose="02010600040101010101" pitchFamily="2" charset="-122"/>
+                <a:ea typeface="华文楷体" panose="02010600040101010101" pitchFamily="2" charset="-122"/>
+              </a:rPr>
+              <a:t>new </a:t>
+            </a:r>
+            <a:r>
+              <a:rPr kumimoji="0" lang="zh-CN" altLang="zh-CN" sz="1600" b="0" i="0" u="none" strike="noStrike" cap="none" normalizeH="0" baseline="0" dirty="0" smtClean="0">
+                <a:ln>
+                  <a:noFill/>
+                </a:ln>
+                <a:solidFill>
+                  <a:srgbClr val="000000"/>
+                </a:solidFill>
+                <a:effectLst/>
+                <a:latin typeface="华文楷体" panose="02010600040101010101" pitchFamily="2" charset="-122"/>
+                <a:ea typeface="华文楷体" panose="02010600040101010101" pitchFamily="2" charset="-122"/>
+              </a:rPr>
+              <a:t>Thread(r).start();</a:t>
+            </a:r>
+            <a:br>
+              <a:rPr kumimoji="0" lang="zh-CN" altLang="zh-CN" sz="1600" b="0" i="0" u="none" strike="noStrike" cap="none" normalizeH="0" baseline="0" dirty="0" smtClean="0">
+                <a:ln>
+                  <a:noFill/>
+                </a:ln>
+                <a:solidFill>
+                  <a:srgbClr val="000000"/>
+                </a:solidFill>
+                <a:effectLst/>
+                <a:latin typeface="华文楷体" panose="02010600040101010101" pitchFamily="2" charset="-122"/>
+                <a:ea typeface="华文楷体" panose="02010600040101010101" pitchFamily="2" charset="-122"/>
+              </a:rPr>
+            </a:br>
+            <a:r>
+              <a:rPr kumimoji="0" lang="zh-CN" altLang="zh-CN" sz="1600" b="0" i="0" u="none" strike="noStrike" cap="none" normalizeH="0" baseline="0" dirty="0" smtClean="0">
+                <a:ln>
+                  <a:noFill/>
+                </a:ln>
+                <a:solidFill>
+                  <a:srgbClr val="000000"/>
+                </a:solidFill>
+                <a:effectLst/>
+                <a:latin typeface="华文楷体" panose="02010600040101010101" pitchFamily="2" charset="-122"/>
+                <a:ea typeface="华文楷体" panose="02010600040101010101" pitchFamily="2" charset="-122"/>
+              </a:rPr>
+              <a:t>}</a:t>
+            </a:r>
+            <a:endParaRPr kumimoji="0" lang="zh-CN" altLang="zh-CN" sz="1600" b="0" i="0" u="none" strike="noStrike" cap="none" normalizeH="0" baseline="0" dirty="0" smtClean="0">
+              <a:ln>
+                <a:noFill/>
+              </a:ln>
+              <a:solidFill>
+                <a:schemeClr val="tx1"/>
+              </a:solidFill>
+              <a:effectLst/>
+              <a:latin typeface="华文楷体" panose="02010600040101010101" pitchFamily="2" charset="-122"/>
+              <a:ea typeface="华文楷体" panose="02010600040101010101" pitchFamily="2" charset="-122"/>
+            </a:endParaRPr>
+          </a:p>
+        </p:txBody>
+      </p:sp>
+      <p:sp>
+        <p:nvSpPr>
+          <p:cNvPr id="6" name="内容占位符 2"/>
+          <p:cNvSpPr txBox="1">
+            <a:spLocks/>
+          </p:cNvSpPr>
+          <p:nvPr/>
+        </p:nvSpPr>
+        <p:spPr>
+          <a:xfrm>
+            <a:off x="558282" y="5296612"/>
+            <a:ext cx="10515600" cy="1174167"/>
+          </a:xfrm>
+          <a:prstGeom prst="rect">
+            <a:avLst/>
+          </a:prstGeom>
+        </p:spPr>
+        <p:txBody>
+          <a:bodyPr vert="horz" lIns="91440" tIns="45720" rIns="91440" bIns="45720" rtlCol="0">
+            <a:normAutofit/>
+          </a:bodyPr>
+          <a:lstStyle>
+            <a:lvl1pPr marL="228600" indent="-228600" algn="l" defTabSz="914400" rtl="0" eaLnBrk="1" latinLnBrk="0" hangingPunct="1">
+              <a:lnSpc>
+                <a:spcPct val="90000"/>
+              </a:lnSpc>
+              <a:spcBef>
+                <a:spcPts val="1000"/>
+              </a:spcBef>
+              <a:buFont typeface="Arial" panose="020B0604020202020204" pitchFamily="34" charset="0"/>
+              <a:buChar char="•"/>
+              <a:defRPr sz="2800" kern="1200">
+                <a:solidFill>
+                  <a:schemeClr val="tx1"/>
+                </a:solidFill>
+                <a:latin typeface="+mn-lt"/>
+                <a:ea typeface="+mn-ea"/>
+                <a:cs typeface="+mn-cs"/>
+              </a:defRPr>
+            </a:lvl1pPr>
+            <a:lvl2pPr marL="685800" indent="-228600" algn="l" defTabSz="914400" rtl="0" eaLnBrk="1" latinLnBrk="0" hangingPunct="1">
+              <a:lnSpc>
+                <a:spcPct val="90000"/>
+              </a:lnSpc>
+              <a:spcBef>
+                <a:spcPts val="500"/>
+              </a:spcBef>
+              <a:buFont typeface="Arial" panose="020B0604020202020204" pitchFamily="34" charset="0"/>
+              <a:buChar char="•"/>
+              <a:defRPr sz="2400" kern="1200">
+                <a:solidFill>
+                  <a:schemeClr val="tx1"/>
+                </a:solidFill>
+                <a:latin typeface="+mn-lt"/>
+                <a:ea typeface="+mn-ea"/>
+                <a:cs typeface="+mn-cs"/>
+              </a:defRPr>
+            </a:lvl2pPr>
+            <a:lvl3pPr marL="1143000" indent="-228600" algn="l" defTabSz="914400" rtl="0" eaLnBrk="1" latinLnBrk="0" hangingPunct="1">
+              <a:lnSpc>
+                <a:spcPct val="90000"/>
+              </a:lnSpc>
+              <a:spcBef>
+                <a:spcPts val="500"/>
+              </a:spcBef>
+              <a:buFont typeface="Arial" panose="020B0604020202020204" pitchFamily="34" charset="0"/>
+              <a:buChar char="•"/>
+              <a:defRPr sz="2000" kern="1200">
+                <a:solidFill>
+                  <a:schemeClr val="tx1"/>
+                </a:solidFill>
+                <a:latin typeface="+mn-lt"/>
+                <a:ea typeface="+mn-ea"/>
+                <a:cs typeface="+mn-cs"/>
+              </a:defRPr>
+            </a:lvl3pPr>
+            <a:lvl4pPr marL="1600200" indent="-228600" algn="l" defTabSz="914400" rtl="0" eaLnBrk="1" latinLnBrk="0" hangingPunct="1">
+              <a:lnSpc>
+                <a:spcPct val="90000"/>
+              </a:lnSpc>
+              <a:spcBef>
+                <a:spcPts val="500"/>
+              </a:spcBef>
+              <a:buFont typeface="Arial" panose="020B0604020202020204" pitchFamily="34" charset="0"/>
+              <a:buChar char="•"/>
+              <a:defRPr sz="1800" kern="1200">
+                <a:solidFill>
+                  <a:schemeClr val="tx1"/>
+                </a:solidFill>
+                <a:latin typeface="+mn-lt"/>
+                <a:ea typeface="+mn-ea"/>
+                <a:cs typeface="+mn-cs"/>
+              </a:defRPr>
+            </a:lvl4pPr>
+            <a:lvl5pPr marL="2057400" indent="-228600" algn="l" defTabSz="914400" rtl="0" eaLnBrk="1" latinLnBrk="0" hangingPunct="1">
+              <a:lnSpc>
+                <a:spcPct val="90000"/>
+              </a:lnSpc>
+              <a:spcBef>
+                <a:spcPts val="500"/>
+              </a:spcBef>
+              <a:buFont typeface="Arial" panose="020B0604020202020204" pitchFamily="34" charset="0"/>
+              <a:buChar char="•"/>
+              <a:defRPr sz="1800" kern="1200">
+                <a:solidFill>
+                  <a:schemeClr val="tx1"/>
+                </a:solidFill>
+                <a:latin typeface="+mn-lt"/>
+                <a:ea typeface="+mn-ea"/>
+                <a:cs typeface="+mn-cs"/>
+              </a:defRPr>
+            </a:lvl5pPr>
+            <a:lvl6pPr marL="2514600" indent="-228600" algn="l" defTabSz="914400" rtl="0" eaLnBrk="1" latinLnBrk="0" hangingPunct="1">
+              <a:lnSpc>
+                <a:spcPct val="90000"/>
+              </a:lnSpc>
+              <a:spcBef>
+                <a:spcPts val="500"/>
+              </a:spcBef>
+              <a:buFont typeface="Arial" panose="020B0604020202020204" pitchFamily="34" charset="0"/>
+              <a:buChar char="•"/>
+              <a:defRPr sz="1800" kern="1200">
+                <a:solidFill>
+                  <a:schemeClr val="tx1"/>
+                </a:solidFill>
+                <a:latin typeface="+mn-lt"/>
+                <a:ea typeface="+mn-ea"/>
+                <a:cs typeface="+mn-cs"/>
+              </a:defRPr>
+            </a:lvl6pPr>
+            <a:lvl7pPr marL="2971800" indent="-228600" algn="l" defTabSz="914400" rtl="0" eaLnBrk="1" latinLnBrk="0" hangingPunct="1">
+              <a:lnSpc>
+                <a:spcPct val="90000"/>
+              </a:lnSpc>
+              <a:spcBef>
+                <a:spcPts val="500"/>
+              </a:spcBef>
+              <a:buFont typeface="Arial" panose="020B0604020202020204" pitchFamily="34" charset="0"/>
+              <a:buChar char="•"/>
+              <a:defRPr sz="1800" kern="1200">
+                <a:solidFill>
+                  <a:schemeClr val="tx1"/>
+                </a:solidFill>
+                <a:latin typeface="+mn-lt"/>
+                <a:ea typeface="+mn-ea"/>
+                <a:cs typeface="+mn-cs"/>
+              </a:defRPr>
+            </a:lvl7pPr>
+            <a:lvl8pPr marL="3429000" indent="-228600" algn="l" defTabSz="914400" rtl="0" eaLnBrk="1" latinLnBrk="0" hangingPunct="1">
+              <a:lnSpc>
+                <a:spcPct val="90000"/>
+              </a:lnSpc>
+              <a:spcBef>
+                <a:spcPts val="500"/>
+              </a:spcBef>
+              <a:buFont typeface="Arial" panose="020B0604020202020204" pitchFamily="34" charset="0"/>
+              <a:buChar char="•"/>
+              <a:defRPr sz="1800" kern="1200">
+                <a:solidFill>
+                  <a:schemeClr val="tx1"/>
+                </a:solidFill>
+                <a:latin typeface="+mn-lt"/>
+                <a:ea typeface="+mn-ea"/>
+                <a:cs typeface="+mn-cs"/>
+              </a:defRPr>
+            </a:lvl8pPr>
+            <a:lvl9pPr marL="3886200" indent="-228600" algn="l" defTabSz="914400" rtl="0" eaLnBrk="1" latinLnBrk="0" hangingPunct="1">
+              <a:lnSpc>
+                <a:spcPct val="90000"/>
+              </a:lnSpc>
+              <a:spcBef>
+                <a:spcPts val="500"/>
+              </a:spcBef>
+              <a:buFont typeface="Arial" panose="020B0604020202020204" pitchFamily="34" charset="0"/>
+              <a:buChar char="•"/>
+              <a:defRPr sz="1800" kern="1200">
+                <a:solidFill>
+                  <a:schemeClr val="tx1"/>
+                </a:solidFill>
+                <a:latin typeface="+mn-lt"/>
+                <a:ea typeface="+mn-ea"/>
+                <a:cs typeface="+mn-cs"/>
+              </a:defRPr>
+            </a:lvl9pPr>
+          </a:lstStyle>
+          <a:p>
+            <a:r>
+              <a:rPr lang="zh-CN" altLang="en-US" sz="2000" dirty="0">
+                <a:latin typeface="华文楷体" panose="02010600040101010101" pitchFamily="2" charset="-122"/>
+                <a:ea typeface="华文楷体" panose="02010600040101010101" pitchFamily="2" charset="-122"/>
+              </a:rPr>
+              <a:t>假设有以下调用</a:t>
+            </a:r>
+            <a:r>
+              <a:rPr lang="zh-CN" altLang="en-US" sz="2000" dirty="0" smtClean="0">
+                <a:latin typeface="华文楷体" panose="02010600040101010101" pitchFamily="2" charset="-122"/>
+                <a:ea typeface="华文楷体" panose="02010600040101010101" pitchFamily="2" charset="-122"/>
+              </a:rPr>
+              <a:t>：</a:t>
+            </a:r>
+            <a:r>
+              <a:rPr lang="en-US" altLang="zh-CN" sz="2000" dirty="0" err="1">
+                <a:latin typeface="华文楷体" panose="02010600040101010101" pitchFamily="2" charset="-122"/>
+                <a:ea typeface="华文楷体" panose="02010600040101010101" pitchFamily="2" charset="-122"/>
+              </a:rPr>
+              <a:t>repeatMessage</a:t>
+            </a:r>
+            <a:r>
+              <a:rPr lang="en-US" altLang="zh-CN" sz="2000" dirty="0" smtClean="0">
+                <a:latin typeface="华文楷体" panose="02010600040101010101" pitchFamily="2" charset="-122"/>
+                <a:ea typeface="华文楷体" panose="02010600040101010101" pitchFamily="2" charset="-122"/>
+              </a:rPr>
+              <a:t>(“Hello</a:t>
+            </a:r>
+            <a:r>
+              <a:rPr lang="en-US" altLang="zh-CN" sz="2000" dirty="0">
+                <a:latin typeface="华文楷体" panose="02010600040101010101" pitchFamily="2" charset="-122"/>
+                <a:ea typeface="华文楷体" panose="02010600040101010101" pitchFamily="2" charset="-122"/>
+              </a:rPr>
+              <a:t>”</a:t>
+            </a:r>
+            <a:r>
+              <a:rPr lang="zh-CN" altLang="en-US" sz="2000" dirty="0">
+                <a:latin typeface="华文楷体" panose="02010600040101010101" pitchFamily="2" charset="-122"/>
+                <a:ea typeface="华文楷体" panose="02010600040101010101" pitchFamily="2" charset="-122"/>
+              </a:rPr>
+              <a:t>，</a:t>
+            </a:r>
+            <a:r>
+              <a:rPr lang="en-US" altLang="zh-CN" sz="2000" dirty="0">
+                <a:latin typeface="华文楷体" panose="02010600040101010101" pitchFamily="2" charset="-122"/>
+                <a:ea typeface="华文楷体" panose="02010600040101010101" pitchFamily="2" charset="-122"/>
+              </a:rPr>
+              <a:t>1000</a:t>
+            </a:r>
+            <a:r>
+              <a:rPr lang="en-US" altLang="zh-CN" sz="2000" dirty="0" smtClean="0">
+                <a:latin typeface="华文楷体" panose="02010600040101010101" pitchFamily="2" charset="-122"/>
+                <a:ea typeface="华文楷体" panose="02010600040101010101" pitchFamily="2" charset="-122"/>
+              </a:rPr>
+              <a:t>);</a:t>
+            </a:r>
+            <a:r>
+              <a:rPr lang="zh-CN" altLang="en-US" sz="2000" dirty="0">
+                <a:latin typeface="华文楷体" panose="02010600040101010101" pitchFamily="2" charset="-122"/>
+                <a:ea typeface="华文楷体" panose="02010600040101010101" pitchFamily="2" charset="-122"/>
+              </a:rPr>
+              <a:t> </a:t>
+            </a:r>
+            <a:r>
+              <a:rPr lang="en-US" altLang="zh-CN" sz="2000" dirty="0" smtClean="0">
+                <a:latin typeface="华文楷体" panose="02010600040101010101" pitchFamily="2" charset="-122"/>
+                <a:ea typeface="华文楷体" panose="02010600040101010101" pitchFamily="2" charset="-122"/>
+              </a:rPr>
+              <a:t>//</a:t>
+            </a:r>
+            <a:r>
+              <a:rPr lang="zh-CN" altLang="en-US" sz="2000" dirty="0" smtClean="0">
+                <a:latin typeface="华文楷体" panose="02010600040101010101" pitchFamily="2" charset="-122"/>
+                <a:ea typeface="华文楷体" panose="02010600040101010101" pitchFamily="2" charset="-122"/>
+              </a:rPr>
+              <a:t>在</a:t>
+            </a:r>
+            <a:r>
+              <a:rPr lang="zh-CN" altLang="en-US" sz="2000" dirty="0">
+                <a:latin typeface="华文楷体" panose="02010600040101010101" pitchFamily="2" charset="-122"/>
+                <a:ea typeface="华文楷体" panose="02010600040101010101" pitchFamily="2" charset="-122"/>
+              </a:rPr>
+              <a:t>另一个线程中打印</a:t>
+            </a:r>
+            <a:r>
+              <a:rPr lang="en-US" altLang="zh-CN" sz="2000" dirty="0">
+                <a:latin typeface="华文楷体" panose="02010600040101010101" pitchFamily="2" charset="-122"/>
+                <a:ea typeface="华文楷体" panose="02010600040101010101" pitchFamily="2" charset="-122"/>
+              </a:rPr>
+              <a:t>Hello</a:t>
+            </a:r>
+            <a:r>
+              <a:rPr lang="zh-CN" altLang="en-US" sz="2000" dirty="0">
+                <a:latin typeface="华文楷体" panose="02010600040101010101" pitchFamily="2" charset="-122"/>
+                <a:ea typeface="华文楷体" panose="02010600040101010101" pitchFamily="2" charset="-122"/>
+              </a:rPr>
+              <a:t>一千</a:t>
+            </a:r>
+            <a:r>
+              <a:rPr lang="zh-CN" altLang="en-US" sz="2000" dirty="0" smtClean="0">
+                <a:latin typeface="华文楷体" panose="02010600040101010101" pitchFamily="2" charset="-122"/>
+                <a:ea typeface="华文楷体" panose="02010600040101010101" pitchFamily="2" charset="-122"/>
+              </a:rPr>
+              <a:t>次。</a:t>
+            </a:r>
+            <a:endParaRPr lang="en-US" altLang="zh-CN" sz="2000" dirty="0" smtClean="0">
+              <a:latin typeface="华文楷体" panose="02010600040101010101" pitchFamily="2" charset="-122"/>
+              <a:ea typeface="华文楷体" panose="02010600040101010101" pitchFamily="2" charset="-122"/>
+            </a:endParaRPr>
+          </a:p>
+          <a:p>
+            <a:r>
+              <a:rPr lang="zh-CN" altLang="en-US" sz="2000" dirty="0">
+                <a:latin typeface="华文楷体" panose="02010600040101010101" pitchFamily="2" charset="-122"/>
+                <a:ea typeface="华文楷体" panose="02010600040101010101" pitchFamily="2" charset="-122"/>
+              </a:rPr>
+              <a:t>注意看</a:t>
+            </a:r>
+            <a:r>
+              <a:rPr lang="en-US" altLang="zh-CN" sz="2000" dirty="0">
+                <a:latin typeface="华文楷体" panose="02010600040101010101" pitchFamily="2" charset="-122"/>
+                <a:ea typeface="华文楷体" panose="02010600040101010101" pitchFamily="2" charset="-122"/>
+              </a:rPr>
+              <a:t>lambda</a:t>
+            </a:r>
+            <a:r>
+              <a:rPr lang="zh-CN" altLang="en-US" sz="2000" dirty="0">
+                <a:latin typeface="华文楷体" panose="02010600040101010101" pitchFamily="2" charset="-122"/>
+                <a:ea typeface="华文楷体" panose="02010600040101010101" pitchFamily="2" charset="-122"/>
+              </a:rPr>
+              <a:t>表达式中的变量</a:t>
+            </a:r>
+            <a:r>
+              <a:rPr lang="en-US" altLang="zh-CN" sz="2000" dirty="0">
+                <a:latin typeface="华文楷体" panose="02010600040101010101" pitchFamily="2" charset="-122"/>
+                <a:ea typeface="华文楷体" panose="02010600040101010101" pitchFamily="2" charset="-122"/>
+              </a:rPr>
+              <a:t>count</a:t>
+            </a:r>
+            <a:r>
+              <a:rPr lang="zh-CN" altLang="en-US" sz="2000" dirty="0">
+                <a:latin typeface="华文楷体" panose="02010600040101010101" pitchFamily="2" charset="-122"/>
+                <a:ea typeface="华文楷体" panose="02010600040101010101" pitchFamily="2" charset="-122"/>
+              </a:rPr>
+              <a:t>和</a:t>
+            </a:r>
+            <a:r>
+              <a:rPr lang="en-US" altLang="zh-CN" sz="2000" dirty="0">
+                <a:latin typeface="华文楷体" panose="02010600040101010101" pitchFamily="2" charset="-122"/>
+                <a:ea typeface="华文楷体" panose="02010600040101010101" pitchFamily="2" charset="-122"/>
+              </a:rPr>
+              <a:t>text</a:t>
+            </a:r>
+            <a:r>
+              <a:rPr lang="zh-CN" altLang="en-US" sz="2000" dirty="0">
+                <a:latin typeface="华文楷体" panose="02010600040101010101" pitchFamily="2" charset="-122"/>
+                <a:ea typeface="华文楷体" panose="02010600040101010101" pitchFamily="2" charset="-122"/>
+              </a:rPr>
+              <a:t>，它们并没有在</a:t>
+            </a:r>
+            <a:r>
+              <a:rPr lang="en-US" altLang="zh-CN" sz="2000" dirty="0">
+                <a:latin typeface="华文楷体" panose="02010600040101010101" pitchFamily="2" charset="-122"/>
+                <a:ea typeface="华文楷体" panose="02010600040101010101" pitchFamily="2" charset="-122"/>
+              </a:rPr>
+              <a:t>lambda</a:t>
+            </a:r>
+            <a:r>
+              <a:rPr lang="zh-CN" altLang="en-US" sz="2000" dirty="0">
+                <a:latin typeface="华文楷体" panose="02010600040101010101" pitchFamily="2" charset="-122"/>
+                <a:ea typeface="华文楷体" panose="02010600040101010101" pitchFamily="2" charset="-122"/>
+              </a:rPr>
+              <a:t>表达式中被定义，而是方法</a:t>
+            </a:r>
+            <a:r>
+              <a:rPr lang="en-US" altLang="zh-CN" sz="2000" dirty="0" err="1">
+                <a:latin typeface="华文楷体" panose="02010600040101010101" pitchFamily="2" charset="-122"/>
+                <a:ea typeface="华文楷体" panose="02010600040101010101" pitchFamily="2" charset="-122"/>
+              </a:rPr>
+              <a:t>repeatMessage</a:t>
+            </a:r>
+            <a:r>
+              <a:rPr lang="zh-CN" altLang="en-US" sz="2000" dirty="0">
+                <a:latin typeface="华文楷体" panose="02010600040101010101" pitchFamily="2" charset="-122"/>
+                <a:ea typeface="华文楷体" panose="02010600040101010101" pitchFamily="2" charset="-122"/>
+              </a:rPr>
+              <a:t>的参数变量</a:t>
+            </a:r>
+            <a:r>
+              <a:rPr lang="zh-CN" altLang="en-US" sz="2000" dirty="0" smtClean="0">
+                <a:latin typeface="华文楷体" panose="02010600040101010101" pitchFamily="2" charset="-122"/>
+                <a:ea typeface="华文楷体" panose="02010600040101010101" pitchFamily="2" charset="-122"/>
+              </a:rPr>
+              <a:t>。</a:t>
+            </a:r>
+            <a:endParaRPr lang="en-US" altLang="zh-CN" sz="2000" dirty="0" smtClean="0">
+              <a:latin typeface="华文楷体" panose="02010600040101010101" pitchFamily="2" charset="-122"/>
+              <a:ea typeface="华文楷体" panose="02010600040101010101" pitchFamily="2" charset="-122"/>
+            </a:endParaRPr>
+          </a:p>
+          <a:p>
+            <a:endParaRPr lang="zh-CN" altLang="en-US" sz="2000" dirty="0">
+              <a:latin typeface="华文楷体" panose="02010600040101010101" pitchFamily="2" charset="-122"/>
+              <a:ea typeface="华文楷体" panose="02010600040101010101" pitchFamily="2" charset="-122"/>
+            </a:endParaRPr>
           </a:p>
         </p:txBody>
       </p:sp>
@@ -10311,25 +11290,6 @@
       </p:grpSpPr>
       <p:sp>
         <p:nvSpPr>
-          <p:cNvPr id="2" name="标题 1"/>
-          <p:cNvSpPr>
-            <a:spLocks noGrp="1"/>
-          </p:cNvSpPr>
-          <p:nvPr>
-            <p:ph type="title"/>
-          </p:nvPr>
-        </p:nvSpPr>
-        <p:spPr/>
-        <p:txBody>
-          <a:bodyPr/>
-          <a:lstStyle/>
-          <a:p>
-            <a:endParaRPr lang="zh-CN" altLang="en-US" dirty="0"/>
-          </a:p>
-        </p:txBody>
-      </p:sp>
-      <p:sp>
-        <p:nvSpPr>
           <p:cNvPr id="3" name="内容占位符 2"/>
           <p:cNvSpPr>
             <a:spLocks noGrp="1"/>
@@ -10338,14 +11298,1318 @@
             <p:ph idx="1"/>
           </p:nvPr>
         </p:nvSpPr>
-        <p:spPr/>
+        <p:spPr>
+          <a:xfrm>
+            <a:off x="343676" y="216094"/>
+            <a:ext cx="11436221" cy="5149007"/>
+          </a:xfrm>
+        </p:spPr>
         <p:txBody>
           <a:bodyPr>
             <a:normAutofit/>
           </a:bodyPr>
           <a:lstStyle/>
           <a:p>
-            <a:endParaRPr lang="zh-CN" altLang="en-US" sz="2000" dirty="0"/>
+            <a:r>
+              <a:rPr lang="zh-CN" altLang="en-US" sz="2000" dirty="0">
+                <a:latin typeface="华文楷体" panose="02010600040101010101" pitchFamily="2" charset="-122"/>
+                <a:ea typeface="华文楷体" panose="02010600040101010101" pitchFamily="2" charset="-122"/>
+              </a:rPr>
+              <a:t>如果你思考一下，就会发现这里有一些隐含的东西。</a:t>
+            </a:r>
+            <a:r>
+              <a:rPr lang="en-US" altLang="zh-CN" sz="2000" dirty="0">
+                <a:latin typeface="华文楷体" panose="02010600040101010101" pitchFamily="2" charset="-122"/>
+                <a:ea typeface="华文楷体" panose="02010600040101010101" pitchFamily="2" charset="-122"/>
+              </a:rPr>
+              <a:t>lambda</a:t>
+            </a:r>
+            <a:r>
+              <a:rPr lang="zh-CN" altLang="en-US" sz="2000" dirty="0">
+                <a:latin typeface="华文楷体" panose="02010600040101010101" pitchFamily="2" charset="-122"/>
+                <a:ea typeface="华文楷体" panose="02010600040101010101" pitchFamily="2" charset="-122"/>
+              </a:rPr>
+              <a:t>表达式可能会在</a:t>
+            </a:r>
+            <a:r>
+              <a:rPr lang="en-US" altLang="zh-CN" sz="2000" dirty="0">
+                <a:latin typeface="华文楷体" panose="02010600040101010101" pitchFamily="2" charset="-122"/>
+                <a:ea typeface="华文楷体" panose="02010600040101010101" pitchFamily="2" charset="-122"/>
+              </a:rPr>
+              <a:t>repeat</a:t>
+            </a:r>
+          </a:p>
+          <a:p>
+            <a:r>
+              <a:rPr lang="en-US" altLang="zh-CN" sz="2000" dirty="0">
+                <a:latin typeface="华文楷体" panose="02010600040101010101" pitchFamily="2" charset="-122"/>
+                <a:ea typeface="华文楷体" panose="02010600040101010101" pitchFamily="2" charset="-122"/>
+              </a:rPr>
+              <a:t>Message</a:t>
+            </a:r>
+            <a:r>
+              <a:rPr lang="zh-CN" altLang="en-US" sz="2000" dirty="0">
+                <a:latin typeface="华文楷体" panose="02010600040101010101" pitchFamily="2" charset="-122"/>
+                <a:ea typeface="华文楷体" panose="02010600040101010101" pitchFamily="2" charset="-122"/>
+              </a:rPr>
+              <a:t>返回之后才运行，此时参数变量己经消失了。如果保留</a:t>
+            </a:r>
+            <a:r>
+              <a:rPr lang="en-US" altLang="zh-CN" sz="2000" dirty="0">
+                <a:latin typeface="华文楷体" panose="02010600040101010101" pitchFamily="2" charset="-122"/>
+                <a:ea typeface="华文楷体" panose="02010600040101010101" pitchFamily="2" charset="-122"/>
+              </a:rPr>
+              <a:t>text</a:t>
+            </a:r>
+            <a:r>
+              <a:rPr lang="zh-CN" altLang="en-US" sz="2000" dirty="0">
+                <a:latin typeface="华文楷体" panose="02010600040101010101" pitchFamily="2" charset="-122"/>
+                <a:ea typeface="华文楷体" panose="02010600040101010101" pitchFamily="2" charset="-122"/>
+              </a:rPr>
+              <a:t>和</a:t>
+            </a:r>
+            <a:r>
+              <a:rPr lang="en-US" altLang="zh-CN" sz="2000" dirty="0">
+                <a:latin typeface="华文楷体" panose="02010600040101010101" pitchFamily="2" charset="-122"/>
+                <a:ea typeface="华文楷体" panose="02010600040101010101" pitchFamily="2" charset="-122"/>
+              </a:rPr>
+              <a:t>count</a:t>
+            </a:r>
+            <a:r>
+              <a:rPr lang="zh-CN" altLang="en-US" sz="2000" dirty="0">
+                <a:latin typeface="华文楷体" panose="02010600040101010101" pitchFamily="2" charset="-122"/>
+                <a:ea typeface="华文楷体" panose="02010600040101010101" pitchFamily="2" charset="-122"/>
+              </a:rPr>
+              <a:t>变量会怎样呢</a:t>
+            </a:r>
+            <a:r>
+              <a:rPr lang="zh-CN" altLang="en-US" sz="2000" dirty="0" smtClean="0">
+                <a:latin typeface="华文楷体" panose="02010600040101010101" pitchFamily="2" charset="-122"/>
+                <a:ea typeface="华文楷体" panose="02010600040101010101" pitchFamily="2" charset="-122"/>
+              </a:rPr>
+              <a:t>？</a:t>
+            </a:r>
+            <a:endParaRPr lang="en-US" altLang="zh-CN" sz="2000" dirty="0" smtClean="0">
+              <a:latin typeface="华文楷体" panose="02010600040101010101" pitchFamily="2" charset="-122"/>
+              <a:ea typeface="华文楷体" panose="02010600040101010101" pitchFamily="2" charset="-122"/>
+            </a:endParaRPr>
+          </a:p>
+          <a:p>
+            <a:r>
+              <a:rPr lang="zh-CN" altLang="en-US" sz="2000" dirty="0">
+                <a:latin typeface="华文楷体" panose="02010600040101010101" pitchFamily="2" charset="-122"/>
+                <a:ea typeface="华文楷体" panose="02010600040101010101" pitchFamily="2" charset="-122"/>
+              </a:rPr>
+              <a:t>为了理解这一点，我们需要对</a:t>
+            </a:r>
+            <a:r>
+              <a:rPr lang="en-US" altLang="zh-CN" sz="2000" dirty="0">
+                <a:latin typeface="华文楷体" panose="02010600040101010101" pitchFamily="2" charset="-122"/>
+                <a:ea typeface="华文楷体" panose="02010600040101010101" pitchFamily="2" charset="-122"/>
+              </a:rPr>
+              <a:t>lambda</a:t>
+            </a:r>
+            <a:r>
+              <a:rPr lang="zh-CN" altLang="en-US" sz="2000" dirty="0">
+                <a:latin typeface="华文楷体" panose="02010600040101010101" pitchFamily="2" charset="-122"/>
+                <a:ea typeface="华文楷体" panose="02010600040101010101" pitchFamily="2" charset="-122"/>
+              </a:rPr>
+              <a:t>表达式有更深入的理解。一个</a:t>
+            </a:r>
+            <a:r>
+              <a:rPr lang="en-US" altLang="zh-CN" sz="2000" dirty="0">
+                <a:latin typeface="华文楷体" panose="02010600040101010101" pitchFamily="2" charset="-122"/>
+                <a:ea typeface="华文楷体" panose="02010600040101010101" pitchFamily="2" charset="-122"/>
+              </a:rPr>
+              <a:t>lambda</a:t>
+            </a:r>
+            <a:r>
+              <a:rPr lang="zh-CN" altLang="en-US" sz="2000" dirty="0">
+                <a:latin typeface="华文楷体" panose="02010600040101010101" pitchFamily="2" charset="-122"/>
+                <a:ea typeface="华文楷体" panose="02010600040101010101" pitchFamily="2" charset="-122"/>
+              </a:rPr>
+              <a:t>表达式包括三个部分</a:t>
+            </a:r>
+            <a:r>
+              <a:rPr lang="zh-CN" altLang="en-US" sz="2000" dirty="0" smtClean="0">
+                <a:latin typeface="华文楷体" panose="02010600040101010101" pitchFamily="2" charset="-122"/>
+                <a:ea typeface="华文楷体" panose="02010600040101010101" pitchFamily="2" charset="-122"/>
+              </a:rPr>
+              <a:t>：</a:t>
+            </a:r>
+            <a:endParaRPr lang="en-US" altLang="zh-CN" sz="2000" dirty="0" smtClean="0">
+              <a:latin typeface="华文楷体" panose="02010600040101010101" pitchFamily="2" charset="-122"/>
+              <a:ea typeface="华文楷体" panose="02010600040101010101" pitchFamily="2" charset="-122"/>
+            </a:endParaRPr>
+          </a:p>
+          <a:p>
+            <a:pPr lvl="1"/>
+            <a:r>
+              <a:rPr lang="en-US" altLang="zh-CN" sz="1600" dirty="0" smtClean="0">
+                <a:latin typeface="华文楷体" panose="02010600040101010101" pitchFamily="2" charset="-122"/>
+                <a:ea typeface="华文楷体" panose="02010600040101010101" pitchFamily="2" charset="-122"/>
+              </a:rPr>
+              <a:t>1</a:t>
+            </a:r>
+            <a:r>
+              <a:rPr lang="zh-CN" altLang="en-US" sz="1600" dirty="0" smtClean="0">
+                <a:latin typeface="华文楷体" panose="02010600040101010101" pitchFamily="2" charset="-122"/>
+                <a:ea typeface="华文楷体" panose="02010600040101010101" pitchFamily="2" charset="-122"/>
+              </a:rPr>
+              <a:t>：一</a:t>
+            </a:r>
+            <a:r>
+              <a:rPr lang="zh-CN" altLang="en-US" sz="1600" dirty="0">
+                <a:latin typeface="华文楷体" panose="02010600040101010101" pitchFamily="2" charset="-122"/>
+                <a:ea typeface="华文楷体" panose="02010600040101010101" pitchFamily="2" charset="-122"/>
+              </a:rPr>
+              <a:t>段代码。</a:t>
+            </a:r>
+          </a:p>
+          <a:p>
+            <a:pPr lvl="1"/>
+            <a:r>
+              <a:rPr lang="en-US" altLang="zh-CN" sz="1600" dirty="0" smtClean="0">
+                <a:latin typeface="华文楷体" panose="02010600040101010101" pitchFamily="2" charset="-122"/>
+                <a:ea typeface="华文楷体" panose="02010600040101010101" pitchFamily="2" charset="-122"/>
+              </a:rPr>
+              <a:t>2</a:t>
+            </a:r>
+            <a:r>
+              <a:rPr lang="zh-CN" altLang="en-US" sz="1600" dirty="0" smtClean="0">
+                <a:latin typeface="华文楷体" panose="02010600040101010101" pitchFamily="2" charset="-122"/>
+                <a:ea typeface="华文楷体" panose="02010600040101010101" pitchFamily="2" charset="-122"/>
+              </a:rPr>
+              <a:t>：参数</a:t>
+            </a:r>
+            <a:r>
+              <a:rPr lang="zh-CN" altLang="en-US" sz="1600" dirty="0">
+                <a:latin typeface="华文楷体" panose="02010600040101010101" pitchFamily="2" charset="-122"/>
+                <a:ea typeface="华文楷体" panose="02010600040101010101" pitchFamily="2" charset="-122"/>
+              </a:rPr>
+              <a:t>。</a:t>
+            </a:r>
+          </a:p>
+          <a:p>
+            <a:pPr lvl="1"/>
+            <a:r>
+              <a:rPr lang="en-US" altLang="zh-CN" sz="1600" dirty="0" smtClean="0">
+                <a:latin typeface="华文楷体" panose="02010600040101010101" pitchFamily="2" charset="-122"/>
+                <a:ea typeface="华文楷体" panose="02010600040101010101" pitchFamily="2" charset="-122"/>
+              </a:rPr>
+              <a:t>3</a:t>
+            </a:r>
+            <a:r>
+              <a:rPr lang="zh-CN" altLang="en-US" sz="1600" dirty="0" smtClean="0">
+                <a:latin typeface="华文楷体" panose="02010600040101010101" pitchFamily="2" charset="-122"/>
+                <a:ea typeface="华文楷体" panose="02010600040101010101" pitchFamily="2" charset="-122"/>
+              </a:rPr>
+              <a:t>：自由</a:t>
+            </a:r>
+            <a:r>
+              <a:rPr lang="zh-CN" altLang="en-US" sz="1600" dirty="0">
+                <a:latin typeface="华文楷体" panose="02010600040101010101" pitchFamily="2" charset="-122"/>
+                <a:ea typeface="华文楷体" panose="02010600040101010101" pitchFamily="2" charset="-122"/>
+              </a:rPr>
+              <a:t>变量的值，这里的“自由”指的是那些不是参数并且没有在代码中定义的变量</a:t>
+            </a:r>
+            <a:r>
+              <a:rPr lang="zh-CN" altLang="en-US" sz="1600" dirty="0" smtClean="0">
+                <a:latin typeface="华文楷体" panose="02010600040101010101" pitchFamily="2" charset="-122"/>
+                <a:ea typeface="华文楷体" panose="02010600040101010101" pitchFamily="2" charset="-122"/>
+              </a:rPr>
+              <a:t>。</a:t>
+            </a:r>
+            <a:endParaRPr lang="en-US" altLang="zh-CN" sz="1600" dirty="0" smtClean="0">
+              <a:latin typeface="华文楷体" panose="02010600040101010101" pitchFamily="2" charset="-122"/>
+              <a:ea typeface="华文楷体" panose="02010600040101010101" pitchFamily="2" charset="-122"/>
+            </a:endParaRPr>
+          </a:p>
+          <a:p>
+            <a:r>
+              <a:rPr lang="zh-CN" altLang="en-US" sz="2000" dirty="0">
+                <a:latin typeface="华文楷体" panose="02010600040101010101" pitchFamily="2" charset="-122"/>
+                <a:ea typeface="华文楷体" panose="02010600040101010101" pitchFamily="2" charset="-122"/>
+              </a:rPr>
+              <a:t>在我们的示例中，</a:t>
+            </a:r>
+            <a:r>
+              <a:rPr lang="en-US" altLang="zh-CN" sz="2000" dirty="0">
+                <a:latin typeface="华文楷体" panose="02010600040101010101" pitchFamily="2" charset="-122"/>
+                <a:ea typeface="华文楷体" panose="02010600040101010101" pitchFamily="2" charset="-122"/>
+              </a:rPr>
+              <a:t>lambda</a:t>
+            </a:r>
+            <a:r>
+              <a:rPr lang="zh-CN" altLang="en-US" sz="2000" dirty="0">
+                <a:latin typeface="华文楷体" panose="02010600040101010101" pitchFamily="2" charset="-122"/>
+                <a:ea typeface="华文楷体" panose="02010600040101010101" pitchFamily="2" charset="-122"/>
+              </a:rPr>
+              <a:t>表达式有两个自由变量，</a:t>
+            </a:r>
+            <a:r>
+              <a:rPr lang="en-US" altLang="zh-CN" sz="2000" dirty="0">
+                <a:latin typeface="华文楷体" panose="02010600040101010101" pitchFamily="2" charset="-122"/>
+                <a:ea typeface="华文楷体" panose="02010600040101010101" pitchFamily="2" charset="-122"/>
+              </a:rPr>
+              <a:t>text</a:t>
+            </a:r>
+            <a:r>
+              <a:rPr lang="zh-CN" altLang="en-US" sz="2000" dirty="0">
+                <a:latin typeface="华文楷体" panose="02010600040101010101" pitchFamily="2" charset="-122"/>
+                <a:ea typeface="华文楷体" panose="02010600040101010101" pitchFamily="2" charset="-122"/>
+              </a:rPr>
+              <a:t>和</a:t>
+            </a:r>
+            <a:r>
+              <a:rPr lang="en-US" altLang="zh-CN" sz="2000" dirty="0">
+                <a:latin typeface="华文楷体" panose="02010600040101010101" pitchFamily="2" charset="-122"/>
+                <a:ea typeface="华文楷体" panose="02010600040101010101" pitchFamily="2" charset="-122"/>
+              </a:rPr>
+              <a:t>count</a:t>
+            </a:r>
+            <a:r>
+              <a:rPr lang="zh-CN" altLang="en-US" sz="2000" dirty="0">
+                <a:latin typeface="华文楷体" panose="02010600040101010101" pitchFamily="2" charset="-122"/>
+                <a:ea typeface="华文楷体" panose="02010600040101010101" pitchFamily="2" charset="-122"/>
+              </a:rPr>
+              <a:t>。数据结构表示</a:t>
+            </a:r>
+            <a:r>
+              <a:rPr lang="en-US" altLang="zh-CN" sz="2000" dirty="0">
+                <a:latin typeface="华文楷体" panose="02010600040101010101" pitchFamily="2" charset="-122"/>
+                <a:ea typeface="华文楷体" panose="02010600040101010101" pitchFamily="2" charset="-122"/>
+              </a:rPr>
+              <a:t>lambda</a:t>
+            </a:r>
+            <a:r>
+              <a:rPr lang="zh-CN" altLang="en-US" sz="2000" dirty="0">
+                <a:latin typeface="华文楷体" panose="02010600040101010101" pitchFamily="2" charset="-122"/>
+                <a:ea typeface="华文楷体" panose="02010600040101010101" pitchFamily="2" charset="-122"/>
+              </a:rPr>
+              <a:t>表达式必须存储这两个变量的值，即”</a:t>
+            </a:r>
+            <a:r>
+              <a:rPr lang="en-US" altLang="zh-CN" sz="2000" dirty="0">
+                <a:latin typeface="华文楷体" panose="02010600040101010101" pitchFamily="2" charset="-122"/>
+                <a:ea typeface="华文楷体" panose="02010600040101010101" pitchFamily="2" charset="-122"/>
+              </a:rPr>
+              <a:t>Hello”</a:t>
+            </a:r>
+            <a:r>
+              <a:rPr lang="zh-CN" altLang="en-US" sz="2000" dirty="0">
+                <a:latin typeface="华文楷体" panose="02010600040101010101" pitchFamily="2" charset="-122"/>
+                <a:ea typeface="华文楷体" panose="02010600040101010101" pitchFamily="2" charset="-122"/>
+              </a:rPr>
+              <a:t>和</a:t>
+            </a:r>
+            <a:r>
+              <a:rPr lang="en-US" altLang="zh-CN" sz="2000" dirty="0">
+                <a:latin typeface="华文楷体" panose="02010600040101010101" pitchFamily="2" charset="-122"/>
+                <a:ea typeface="华文楷体" panose="02010600040101010101" pitchFamily="2" charset="-122"/>
+              </a:rPr>
+              <a:t>1000</a:t>
+            </a:r>
+            <a:r>
+              <a:rPr lang="zh-CN" altLang="en-US" sz="2000" dirty="0">
+                <a:latin typeface="华文楷体" panose="02010600040101010101" pitchFamily="2" charset="-122"/>
+                <a:ea typeface="华文楷体" panose="02010600040101010101" pitchFamily="2" charset="-122"/>
+              </a:rPr>
+              <a:t>。我们可以说，这些值己经被</a:t>
+            </a:r>
+            <a:r>
+              <a:rPr lang="en-US" altLang="zh-CN" sz="2000" dirty="0">
+                <a:latin typeface="华文楷体" panose="02010600040101010101" pitchFamily="2" charset="-122"/>
+                <a:ea typeface="华文楷体" panose="02010600040101010101" pitchFamily="2" charset="-122"/>
+              </a:rPr>
+              <a:t>lambda</a:t>
+            </a:r>
+            <a:r>
+              <a:rPr lang="zh-CN" altLang="en-US" sz="2000" dirty="0">
+                <a:latin typeface="华文楷体" panose="02010600040101010101" pitchFamily="2" charset="-122"/>
+                <a:ea typeface="华文楷体" panose="02010600040101010101" pitchFamily="2" charset="-122"/>
+              </a:rPr>
+              <a:t>表达式捕获了。（这是一个技术实现的细节。例如，你可以将一个</a:t>
+            </a:r>
+            <a:r>
+              <a:rPr lang="en-US" altLang="zh-CN" sz="2000" dirty="0">
+                <a:latin typeface="华文楷体" panose="02010600040101010101" pitchFamily="2" charset="-122"/>
+                <a:ea typeface="华文楷体" panose="02010600040101010101" pitchFamily="2" charset="-122"/>
+              </a:rPr>
+              <a:t>lambda</a:t>
+            </a:r>
+            <a:r>
+              <a:rPr lang="zh-CN" altLang="en-US" sz="2000" dirty="0">
+                <a:latin typeface="华文楷体" panose="02010600040101010101" pitchFamily="2" charset="-122"/>
+                <a:ea typeface="华文楷体" panose="02010600040101010101" pitchFamily="2" charset="-122"/>
+              </a:rPr>
+              <a:t>表达式转换为一个只含一个方法的对象，这样自由变量的值就会被复制到该对象的实例变量</a:t>
+            </a:r>
+            <a:r>
+              <a:rPr lang="zh-CN" altLang="en-US" sz="2000" dirty="0" smtClean="0">
+                <a:latin typeface="华文楷体" panose="02010600040101010101" pitchFamily="2" charset="-122"/>
+                <a:ea typeface="华文楷体" panose="02010600040101010101" pitchFamily="2" charset="-122"/>
+              </a:rPr>
+              <a:t>中。）</a:t>
+            </a:r>
+            <a:endParaRPr lang="en-US" altLang="zh-CN" sz="2000" dirty="0" smtClean="0">
+              <a:latin typeface="华文楷体" panose="02010600040101010101" pitchFamily="2" charset="-122"/>
+              <a:ea typeface="华文楷体" panose="02010600040101010101" pitchFamily="2" charset="-122"/>
+            </a:endParaRPr>
+          </a:p>
+          <a:p>
+            <a:r>
+              <a:rPr lang="zh-CN" altLang="en-US" sz="2000" dirty="0">
+                <a:latin typeface="华文楷体" panose="02010600040101010101" pitchFamily="2" charset="-122"/>
+                <a:ea typeface="华文楷体" panose="02010600040101010101" pitchFamily="2" charset="-122"/>
+              </a:rPr>
+              <a:t>注意：含有自由变量的代码块被称之为“闭包（</a:t>
+            </a:r>
+            <a:r>
+              <a:rPr lang="en-US" altLang="zh-CN" sz="2000" dirty="0">
+                <a:latin typeface="华文楷体" panose="02010600040101010101" pitchFamily="2" charset="-122"/>
+                <a:ea typeface="华文楷体" panose="02010600040101010101" pitchFamily="2" charset="-122"/>
+              </a:rPr>
+              <a:t>closure</a:t>
+            </a:r>
+            <a:r>
+              <a:rPr lang="zh-CN" altLang="en-US" sz="2000" dirty="0">
+                <a:latin typeface="华文楷体" panose="02010600040101010101" pitchFamily="2" charset="-122"/>
+                <a:ea typeface="华文楷体" panose="02010600040101010101" pitchFamily="2" charset="-122"/>
+              </a:rPr>
+              <a:t>）”。如果有人得意洋洋地宣传他们的语言有闭包，你可以放心，</a:t>
+            </a:r>
+            <a:r>
+              <a:rPr lang="en-US" altLang="zh-CN" sz="2000" dirty="0">
+                <a:latin typeface="华文楷体" panose="02010600040101010101" pitchFamily="2" charset="-122"/>
+                <a:ea typeface="华文楷体" panose="02010600040101010101" pitchFamily="2" charset="-122"/>
+              </a:rPr>
+              <a:t>Java</a:t>
+            </a:r>
+            <a:r>
+              <a:rPr lang="zh-CN" altLang="en-US" sz="2000" dirty="0">
+                <a:latin typeface="华文楷体" panose="02010600040101010101" pitchFamily="2" charset="-122"/>
+                <a:ea typeface="华文楷体" panose="02010600040101010101" pitchFamily="2" charset="-122"/>
+              </a:rPr>
+              <a:t>也有。在</a:t>
+            </a:r>
+            <a:r>
+              <a:rPr lang="en-US" altLang="zh-CN" sz="2000" dirty="0">
+                <a:latin typeface="华文楷体" panose="02010600040101010101" pitchFamily="2" charset="-122"/>
+                <a:ea typeface="华文楷体" panose="02010600040101010101" pitchFamily="2" charset="-122"/>
+              </a:rPr>
+              <a:t>Java</a:t>
+            </a:r>
+            <a:r>
+              <a:rPr lang="zh-CN" altLang="en-US" sz="2000" dirty="0">
+                <a:latin typeface="华文楷体" panose="02010600040101010101" pitchFamily="2" charset="-122"/>
+                <a:ea typeface="华文楷体" panose="02010600040101010101" pitchFamily="2" charset="-122"/>
+              </a:rPr>
+              <a:t>申，</a:t>
+            </a:r>
+            <a:r>
+              <a:rPr lang="en-US" altLang="zh-CN" sz="2000" dirty="0">
+                <a:latin typeface="华文楷体" panose="02010600040101010101" pitchFamily="2" charset="-122"/>
+                <a:ea typeface="华文楷体" panose="02010600040101010101" pitchFamily="2" charset="-122"/>
+              </a:rPr>
+              <a:t>lambda</a:t>
+            </a:r>
+            <a:r>
+              <a:rPr lang="zh-CN" altLang="en-US" sz="2000" dirty="0">
+                <a:latin typeface="华文楷体" panose="02010600040101010101" pitchFamily="2" charset="-122"/>
+                <a:ea typeface="华文楷体" panose="02010600040101010101" pitchFamily="2" charset="-122"/>
+              </a:rPr>
+              <a:t>表达式就是闭包。事实上，内部类直都是闭包。</a:t>
+            </a:r>
+            <a:r>
+              <a:rPr lang="en-US" altLang="zh-CN" sz="2000" dirty="0">
+                <a:latin typeface="华文楷体" panose="02010600040101010101" pitchFamily="2" charset="-122"/>
+                <a:ea typeface="华文楷体" panose="02010600040101010101" pitchFamily="2" charset="-122"/>
+              </a:rPr>
+              <a:t>Java8</a:t>
+            </a:r>
+            <a:r>
+              <a:rPr lang="zh-CN" altLang="en-US" sz="2000" dirty="0">
+                <a:latin typeface="华文楷体" panose="02010600040101010101" pitchFamily="2" charset="-122"/>
+                <a:ea typeface="华文楷体" panose="02010600040101010101" pitchFamily="2" charset="-122"/>
+              </a:rPr>
+              <a:t>中为闭包赋予了更吸引人的语法</a:t>
+            </a:r>
+            <a:r>
+              <a:rPr lang="zh-CN" altLang="en-US" sz="2000" dirty="0" smtClean="0">
+                <a:latin typeface="华文楷体" panose="02010600040101010101" pitchFamily="2" charset="-122"/>
+                <a:ea typeface="华文楷体" panose="02010600040101010101" pitchFamily="2" charset="-122"/>
+              </a:rPr>
+              <a:t>。</a:t>
+            </a:r>
+            <a:endParaRPr lang="en-US" altLang="zh-CN" sz="2000" dirty="0">
+              <a:latin typeface="华文楷体" panose="02010600040101010101" pitchFamily="2" charset="-122"/>
+              <a:ea typeface="华文楷体" panose="02010600040101010101" pitchFamily="2" charset="-122"/>
+            </a:endParaRPr>
+          </a:p>
+        </p:txBody>
+      </p:sp>
+      <p:sp>
+        <p:nvSpPr>
+          <p:cNvPr id="4" name="Rectangle 1"/>
+          <p:cNvSpPr>
+            <a:spLocks noChangeArrowheads="1"/>
+          </p:cNvSpPr>
+          <p:nvPr/>
+        </p:nvSpPr>
+        <p:spPr bwMode="auto">
+          <a:xfrm>
+            <a:off x="7044612" y="4279929"/>
+            <a:ext cx="4853994" cy="2246769"/>
+          </a:xfrm>
+          <a:prstGeom prst="rect">
+            <a:avLst/>
+          </a:prstGeom>
+          <a:solidFill>
+            <a:srgbClr val="FFFFFF"/>
+          </a:solidFill>
+          <a:ln>
+            <a:noFill/>
+          </a:ln>
+          <a:effectLst/>
+          <a:extLst>
+            <a:ext uri="{91240B29-F687-4F45-9708-019B960494DF}">
+              <a14:hiddenLine xmlns:a14="http://schemas.microsoft.com/office/drawing/2010/main" w="9525">
+                <a:solidFill>
+                  <a:schemeClr val="tx1"/>
+                </a:solidFill>
+                <a:miter lim="800000"/>
+                <a:headEnd/>
+                <a:tailEnd/>
+              </a14:hiddenLine>
+            </a:ext>
+            <a:ext uri="{AF507438-7753-43E0-B8FC-AC1667EBCBE1}">
+              <a14:hiddenEffects xmlns:a14="http://schemas.microsoft.com/office/drawing/2010/main">
+                <a:effectLst>
+                  <a:outerShdw dist="35921" dir="2700000" algn="ctr" rotWithShape="0">
+                    <a:schemeClr val="bg2"/>
+                  </a:outerShdw>
+                </a:effectLst>
+              </a14:hiddenEffects>
+            </a:ext>
+          </a:extLst>
+        </p:spPr>
+        <p:txBody>
+          <a:bodyPr vert="horz" wrap="square" lIns="91440" tIns="45720" rIns="91440" bIns="45720" numCol="1" anchor="ctr" anchorCtr="0" compatLnSpc="1">
+            <a:prstTxWarp prst="textNoShape">
+              <a:avLst/>
+            </a:prstTxWarp>
+            <a:spAutoFit/>
+          </a:bodyPr>
+          <a:lstStyle/>
+          <a:p>
+            <a:pPr marL="0" marR="0" lvl="0" indent="0" algn="l" defTabSz="914400" rtl="0" eaLnBrk="0" fontAlgn="base" latinLnBrk="0" hangingPunct="0">
+              <a:lnSpc>
+                <a:spcPct val="100000"/>
+              </a:lnSpc>
+              <a:spcBef>
+                <a:spcPct val="0"/>
+              </a:spcBef>
+              <a:spcAft>
+                <a:spcPct val="0"/>
+              </a:spcAft>
+              <a:buClrTx/>
+              <a:buSzTx/>
+              <a:buFontTx/>
+              <a:buNone/>
+              <a:tabLst/>
+            </a:pPr>
+            <a:r>
+              <a:rPr kumimoji="0" lang="zh-CN" altLang="zh-CN" sz="1400" b="1" i="0" u="none" strike="noStrike" cap="none" normalizeH="0" baseline="0" dirty="0" smtClean="0">
+                <a:ln>
+                  <a:noFill/>
+                </a:ln>
+                <a:solidFill>
+                  <a:srgbClr val="000080"/>
+                </a:solidFill>
+                <a:effectLst/>
+                <a:latin typeface="华文楷体" panose="02010600040101010101" pitchFamily="2" charset="-122"/>
+                <a:ea typeface="华文楷体" panose="02010600040101010101" pitchFamily="2" charset="-122"/>
+              </a:rPr>
+              <a:t>public static void </a:t>
+            </a:r>
+            <a:r>
+              <a:rPr kumimoji="0" lang="zh-CN" altLang="zh-CN" sz="1400" b="0" i="0" u="none" strike="noStrike" cap="none" normalizeH="0" baseline="0" dirty="0" smtClean="0">
+                <a:ln>
+                  <a:noFill/>
+                </a:ln>
+                <a:solidFill>
+                  <a:srgbClr val="000000"/>
+                </a:solidFill>
+                <a:effectLst/>
+                <a:latin typeface="华文楷体" panose="02010600040101010101" pitchFamily="2" charset="-122"/>
+                <a:ea typeface="华文楷体" panose="02010600040101010101" pitchFamily="2" charset="-122"/>
+              </a:rPr>
+              <a:t>repeatMessage2(String text, </a:t>
+            </a:r>
+            <a:r>
+              <a:rPr kumimoji="0" lang="zh-CN" altLang="zh-CN" sz="1400" b="1" i="0" u="none" strike="noStrike" cap="none" normalizeH="0" baseline="0" dirty="0" smtClean="0">
+                <a:ln>
+                  <a:noFill/>
+                </a:ln>
+                <a:solidFill>
+                  <a:srgbClr val="000080"/>
+                </a:solidFill>
+                <a:effectLst/>
+                <a:latin typeface="华文楷体" panose="02010600040101010101" pitchFamily="2" charset="-122"/>
+                <a:ea typeface="华文楷体" panose="02010600040101010101" pitchFamily="2" charset="-122"/>
+              </a:rPr>
+              <a:t>int </a:t>
+            </a:r>
+            <a:r>
+              <a:rPr kumimoji="0" lang="zh-CN" altLang="zh-CN" sz="1400" b="0" i="0" u="none" strike="noStrike" cap="none" normalizeH="0" baseline="0" dirty="0" smtClean="0">
+                <a:ln>
+                  <a:noFill/>
+                </a:ln>
+                <a:solidFill>
+                  <a:srgbClr val="000000"/>
+                </a:solidFill>
+                <a:effectLst/>
+                <a:latin typeface="华文楷体" panose="02010600040101010101" pitchFamily="2" charset="-122"/>
+                <a:ea typeface="华文楷体" panose="02010600040101010101" pitchFamily="2" charset="-122"/>
+              </a:rPr>
+              <a:t>count) {</a:t>
+            </a:r>
+            <a:br>
+              <a:rPr kumimoji="0" lang="zh-CN" altLang="zh-CN" sz="1400" b="0" i="0" u="none" strike="noStrike" cap="none" normalizeH="0" baseline="0" dirty="0" smtClean="0">
+                <a:ln>
+                  <a:noFill/>
+                </a:ln>
+                <a:solidFill>
+                  <a:srgbClr val="000000"/>
+                </a:solidFill>
+                <a:effectLst/>
+                <a:latin typeface="华文楷体" panose="02010600040101010101" pitchFamily="2" charset="-122"/>
+                <a:ea typeface="华文楷体" panose="02010600040101010101" pitchFamily="2" charset="-122"/>
+              </a:rPr>
+            </a:br>
+            <a:r>
+              <a:rPr kumimoji="0" lang="zh-CN" altLang="zh-CN" sz="1400" b="0" i="0" u="none" strike="noStrike" cap="none" normalizeH="0" baseline="0" dirty="0" smtClean="0">
+                <a:ln>
+                  <a:noFill/>
+                </a:ln>
+                <a:solidFill>
+                  <a:srgbClr val="000000"/>
+                </a:solidFill>
+                <a:effectLst/>
+                <a:latin typeface="华文楷体" panose="02010600040101010101" pitchFamily="2" charset="-122"/>
+                <a:ea typeface="华文楷体" panose="02010600040101010101" pitchFamily="2" charset="-122"/>
+              </a:rPr>
+              <a:t>    Runnable r = () -&gt; {</a:t>
+            </a:r>
+            <a:br>
+              <a:rPr kumimoji="0" lang="zh-CN" altLang="zh-CN" sz="1400" b="0" i="0" u="none" strike="noStrike" cap="none" normalizeH="0" baseline="0" dirty="0" smtClean="0">
+                <a:ln>
+                  <a:noFill/>
+                </a:ln>
+                <a:solidFill>
+                  <a:srgbClr val="000000"/>
+                </a:solidFill>
+                <a:effectLst/>
+                <a:latin typeface="华文楷体" panose="02010600040101010101" pitchFamily="2" charset="-122"/>
+                <a:ea typeface="华文楷体" panose="02010600040101010101" pitchFamily="2" charset="-122"/>
+              </a:rPr>
+            </a:br>
+            <a:r>
+              <a:rPr kumimoji="0" lang="zh-CN" altLang="zh-CN" sz="1400" b="0" i="0" u="none" strike="noStrike" cap="none" normalizeH="0" baseline="0" dirty="0" smtClean="0">
+                <a:ln>
+                  <a:noFill/>
+                </a:ln>
+                <a:solidFill>
+                  <a:srgbClr val="000000"/>
+                </a:solidFill>
+                <a:effectLst/>
+                <a:latin typeface="华文楷体" panose="02010600040101010101" pitchFamily="2" charset="-122"/>
+                <a:ea typeface="华文楷体" panose="02010600040101010101" pitchFamily="2" charset="-122"/>
+              </a:rPr>
+              <a:t>        </a:t>
+            </a:r>
+            <a:r>
+              <a:rPr kumimoji="0" lang="zh-CN" altLang="zh-CN" sz="1400" b="1" i="0" u="none" strike="noStrike" cap="none" normalizeH="0" baseline="0" dirty="0" smtClean="0">
+                <a:ln>
+                  <a:noFill/>
+                </a:ln>
+                <a:solidFill>
+                  <a:srgbClr val="000080"/>
+                </a:solidFill>
+                <a:effectLst/>
+                <a:latin typeface="华文楷体" panose="02010600040101010101" pitchFamily="2" charset="-122"/>
+                <a:ea typeface="华文楷体" panose="02010600040101010101" pitchFamily="2" charset="-122"/>
+              </a:rPr>
+              <a:t>while </a:t>
+            </a:r>
+            <a:r>
+              <a:rPr kumimoji="0" lang="zh-CN" altLang="zh-CN" sz="1400" b="0" i="0" u="none" strike="noStrike" cap="none" normalizeH="0" baseline="0" dirty="0" smtClean="0">
+                <a:ln>
+                  <a:noFill/>
+                </a:ln>
+                <a:solidFill>
+                  <a:srgbClr val="000000"/>
+                </a:solidFill>
+                <a:effectLst/>
+                <a:latin typeface="华文楷体" panose="02010600040101010101" pitchFamily="2" charset="-122"/>
+                <a:ea typeface="华文楷体" panose="02010600040101010101" pitchFamily="2" charset="-122"/>
+              </a:rPr>
+              <a:t>(</a:t>
+            </a:r>
+            <a:r>
+              <a:rPr kumimoji="0" lang="zh-CN" altLang="zh-CN" sz="1400" b="0" i="0" u="none" strike="noStrike" cap="none" normalizeH="0" baseline="0" dirty="0" smtClean="0">
+                <a:ln>
+                  <a:noFill/>
+                </a:ln>
+                <a:solidFill>
+                  <a:srgbClr val="660E7A"/>
+                </a:solidFill>
+                <a:effectLst/>
+                <a:latin typeface="华文楷体" panose="02010600040101010101" pitchFamily="2" charset="-122"/>
+                <a:ea typeface="华文楷体" panose="02010600040101010101" pitchFamily="2" charset="-122"/>
+              </a:rPr>
+              <a:t>count </a:t>
+            </a:r>
+            <a:r>
+              <a:rPr kumimoji="0" lang="zh-CN" altLang="zh-CN" sz="1400" b="0" i="0" u="none" strike="noStrike" cap="none" normalizeH="0" baseline="0" dirty="0" smtClean="0">
+                <a:ln>
+                  <a:noFill/>
+                </a:ln>
+                <a:solidFill>
+                  <a:srgbClr val="000000"/>
+                </a:solidFill>
+                <a:effectLst/>
+                <a:latin typeface="华文楷体" panose="02010600040101010101" pitchFamily="2" charset="-122"/>
+                <a:ea typeface="华文楷体" panose="02010600040101010101" pitchFamily="2" charset="-122"/>
+              </a:rPr>
+              <a:t>&gt; </a:t>
+            </a:r>
+            <a:r>
+              <a:rPr kumimoji="0" lang="zh-CN" altLang="zh-CN" sz="1400" b="0" i="0" u="none" strike="noStrike" cap="none" normalizeH="0" baseline="0" dirty="0" smtClean="0">
+                <a:ln>
+                  <a:noFill/>
+                </a:ln>
+                <a:solidFill>
+                  <a:srgbClr val="0000FF"/>
+                </a:solidFill>
+                <a:effectLst/>
+                <a:latin typeface="华文楷体" panose="02010600040101010101" pitchFamily="2" charset="-122"/>
+                <a:ea typeface="华文楷体" panose="02010600040101010101" pitchFamily="2" charset="-122"/>
+              </a:rPr>
+              <a:t>0</a:t>
+            </a:r>
+            <a:r>
+              <a:rPr kumimoji="0" lang="zh-CN" altLang="zh-CN" sz="1400" b="0" i="0" u="none" strike="noStrike" cap="none" normalizeH="0" baseline="0" dirty="0" smtClean="0">
+                <a:ln>
+                  <a:noFill/>
+                </a:ln>
+                <a:solidFill>
+                  <a:srgbClr val="000000"/>
+                </a:solidFill>
+                <a:effectLst/>
+                <a:latin typeface="华文楷体" panose="02010600040101010101" pitchFamily="2" charset="-122"/>
+                <a:ea typeface="华文楷体" panose="02010600040101010101" pitchFamily="2" charset="-122"/>
+              </a:rPr>
+              <a:t>) {</a:t>
+            </a:r>
+            <a:br>
+              <a:rPr kumimoji="0" lang="zh-CN" altLang="zh-CN" sz="1400" b="0" i="0" u="none" strike="noStrike" cap="none" normalizeH="0" baseline="0" dirty="0" smtClean="0">
+                <a:ln>
+                  <a:noFill/>
+                </a:ln>
+                <a:solidFill>
+                  <a:srgbClr val="000000"/>
+                </a:solidFill>
+                <a:effectLst/>
+                <a:latin typeface="华文楷体" panose="02010600040101010101" pitchFamily="2" charset="-122"/>
+                <a:ea typeface="华文楷体" panose="02010600040101010101" pitchFamily="2" charset="-122"/>
+              </a:rPr>
+            </a:br>
+            <a:r>
+              <a:rPr kumimoji="0" lang="zh-CN" altLang="zh-CN" sz="1400" b="0" i="0" u="none" strike="noStrike" cap="none" normalizeH="0" baseline="0" dirty="0" smtClean="0">
+                <a:ln>
+                  <a:noFill/>
+                </a:ln>
+                <a:solidFill>
+                  <a:srgbClr val="000000"/>
+                </a:solidFill>
+                <a:effectLst/>
+                <a:latin typeface="华文楷体" panose="02010600040101010101" pitchFamily="2" charset="-122"/>
+                <a:ea typeface="华文楷体" panose="02010600040101010101" pitchFamily="2" charset="-122"/>
+              </a:rPr>
+              <a:t>            </a:t>
+            </a:r>
+            <a:r>
+              <a:rPr kumimoji="0" lang="zh-CN" altLang="zh-CN" sz="1400" b="0" i="1" u="none" strike="noStrike" cap="none" normalizeH="0" baseline="0" dirty="0" smtClean="0">
+                <a:ln>
+                  <a:noFill/>
+                </a:ln>
+                <a:solidFill>
+                  <a:srgbClr val="808080"/>
+                </a:solidFill>
+                <a:effectLst/>
+                <a:latin typeface="华文楷体" panose="02010600040101010101" pitchFamily="2" charset="-122"/>
+                <a:ea typeface="华文楷体" panose="02010600040101010101" pitchFamily="2" charset="-122"/>
+              </a:rPr>
+              <a:t>//count --;//错误，不能更改已捕获变量的值</a:t>
+            </a:r>
+            <a:br>
+              <a:rPr kumimoji="0" lang="zh-CN" altLang="zh-CN" sz="1400" b="0" i="1" u="none" strike="noStrike" cap="none" normalizeH="0" baseline="0" dirty="0" smtClean="0">
+                <a:ln>
+                  <a:noFill/>
+                </a:ln>
+                <a:solidFill>
+                  <a:srgbClr val="808080"/>
+                </a:solidFill>
+                <a:effectLst/>
+                <a:latin typeface="华文楷体" panose="02010600040101010101" pitchFamily="2" charset="-122"/>
+                <a:ea typeface="华文楷体" panose="02010600040101010101" pitchFamily="2" charset="-122"/>
+              </a:rPr>
+            </a:br>
+            <a:r>
+              <a:rPr kumimoji="0" lang="zh-CN" altLang="zh-CN" sz="1400" b="0" i="1" u="none" strike="noStrike" cap="none" normalizeH="0" baseline="0" dirty="0" smtClean="0">
+                <a:ln>
+                  <a:noFill/>
+                </a:ln>
+                <a:solidFill>
+                  <a:srgbClr val="808080"/>
+                </a:solidFill>
+                <a:effectLst/>
+                <a:latin typeface="华文楷体" panose="02010600040101010101" pitchFamily="2" charset="-122"/>
+                <a:ea typeface="华文楷体" panose="02010600040101010101" pitchFamily="2" charset="-122"/>
+              </a:rPr>
+              <a:t>            </a:t>
+            </a:r>
+            <a:r>
+              <a:rPr kumimoji="0" lang="zh-CN" altLang="zh-CN" sz="1400" b="0" i="0" u="none" strike="noStrike" cap="none" normalizeH="0" baseline="0" dirty="0" smtClean="0">
+                <a:ln>
+                  <a:noFill/>
+                </a:ln>
+                <a:solidFill>
+                  <a:srgbClr val="000000"/>
+                </a:solidFill>
+                <a:effectLst/>
+                <a:latin typeface="华文楷体" panose="02010600040101010101" pitchFamily="2" charset="-122"/>
+                <a:ea typeface="华文楷体" panose="02010600040101010101" pitchFamily="2" charset="-122"/>
+              </a:rPr>
+              <a:t>System.</a:t>
+            </a:r>
+            <a:r>
+              <a:rPr kumimoji="0" lang="zh-CN" altLang="zh-CN" sz="1400" b="1" i="1" u="none" strike="noStrike" cap="none" normalizeH="0" baseline="0" dirty="0" smtClean="0">
+                <a:ln>
+                  <a:noFill/>
+                </a:ln>
+                <a:solidFill>
+                  <a:srgbClr val="660E7A"/>
+                </a:solidFill>
+                <a:effectLst/>
+                <a:latin typeface="华文楷体" panose="02010600040101010101" pitchFamily="2" charset="-122"/>
+                <a:ea typeface="华文楷体" panose="02010600040101010101" pitchFamily="2" charset="-122"/>
+              </a:rPr>
+              <a:t>out</a:t>
+            </a:r>
+            <a:r>
+              <a:rPr kumimoji="0" lang="zh-CN" altLang="zh-CN" sz="1400" b="0" i="0" u="none" strike="noStrike" cap="none" normalizeH="0" baseline="0" dirty="0" smtClean="0">
+                <a:ln>
+                  <a:noFill/>
+                </a:ln>
+                <a:solidFill>
+                  <a:srgbClr val="000000"/>
+                </a:solidFill>
+                <a:effectLst/>
+                <a:latin typeface="华文楷体" panose="02010600040101010101" pitchFamily="2" charset="-122"/>
+                <a:ea typeface="华文楷体" panose="02010600040101010101" pitchFamily="2" charset="-122"/>
+              </a:rPr>
+              <a:t>.println(</a:t>
+            </a:r>
+            <a:r>
+              <a:rPr kumimoji="0" lang="zh-CN" altLang="zh-CN" sz="1400" b="0" i="0" u="none" strike="noStrike" cap="none" normalizeH="0" baseline="0" dirty="0" smtClean="0">
+                <a:ln>
+                  <a:noFill/>
+                </a:ln>
+                <a:solidFill>
+                  <a:srgbClr val="660E7A"/>
+                </a:solidFill>
+                <a:effectLst/>
+                <a:latin typeface="华文楷体" panose="02010600040101010101" pitchFamily="2" charset="-122"/>
+                <a:ea typeface="华文楷体" panose="02010600040101010101" pitchFamily="2" charset="-122"/>
+              </a:rPr>
+              <a:t>text</a:t>
+            </a:r>
+            <a:r>
+              <a:rPr kumimoji="0" lang="zh-CN" altLang="zh-CN" sz="1400" b="0" i="0" u="none" strike="noStrike" cap="none" normalizeH="0" baseline="0" dirty="0" smtClean="0">
+                <a:ln>
+                  <a:noFill/>
+                </a:ln>
+                <a:solidFill>
+                  <a:srgbClr val="000000"/>
+                </a:solidFill>
+                <a:effectLst/>
+                <a:latin typeface="华文楷体" panose="02010600040101010101" pitchFamily="2" charset="-122"/>
+                <a:ea typeface="华文楷体" panose="02010600040101010101" pitchFamily="2" charset="-122"/>
+              </a:rPr>
+              <a:t>);</a:t>
+            </a:r>
+            <a:br>
+              <a:rPr kumimoji="0" lang="zh-CN" altLang="zh-CN" sz="1400" b="0" i="0" u="none" strike="noStrike" cap="none" normalizeH="0" baseline="0" dirty="0" smtClean="0">
+                <a:ln>
+                  <a:noFill/>
+                </a:ln>
+                <a:solidFill>
+                  <a:srgbClr val="000000"/>
+                </a:solidFill>
+                <a:effectLst/>
+                <a:latin typeface="华文楷体" panose="02010600040101010101" pitchFamily="2" charset="-122"/>
+                <a:ea typeface="华文楷体" panose="02010600040101010101" pitchFamily="2" charset="-122"/>
+              </a:rPr>
+            </a:br>
+            <a:r>
+              <a:rPr kumimoji="0" lang="zh-CN" altLang="zh-CN" sz="1400" b="0" i="0" u="none" strike="noStrike" cap="none" normalizeH="0" baseline="0" dirty="0" smtClean="0">
+                <a:ln>
+                  <a:noFill/>
+                </a:ln>
+                <a:solidFill>
+                  <a:srgbClr val="000000"/>
+                </a:solidFill>
+                <a:effectLst/>
+                <a:latin typeface="华文楷体" panose="02010600040101010101" pitchFamily="2" charset="-122"/>
+                <a:ea typeface="华文楷体" panose="02010600040101010101" pitchFamily="2" charset="-122"/>
+              </a:rPr>
+              <a:t>            Thread.</a:t>
+            </a:r>
+            <a:r>
+              <a:rPr kumimoji="0" lang="zh-CN" altLang="zh-CN" sz="1400" b="0" i="1" u="none" strike="noStrike" cap="none" normalizeH="0" baseline="0" dirty="0" smtClean="0">
+                <a:ln>
+                  <a:noFill/>
+                </a:ln>
+                <a:solidFill>
+                  <a:srgbClr val="000000"/>
+                </a:solidFill>
+                <a:effectLst/>
+                <a:latin typeface="华文楷体" panose="02010600040101010101" pitchFamily="2" charset="-122"/>
+                <a:ea typeface="华文楷体" panose="02010600040101010101" pitchFamily="2" charset="-122"/>
+              </a:rPr>
+              <a:t>yield</a:t>
+            </a:r>
+            <a:r>
+              <a:rPr kumimoji="0" lang="zh-CN" altLang="zh-CN" sz="1400" b="0" i="0" u="none" strike="noStrike" cap="none" normalizeH="0" baseline="0" dirty="0" smtClean="0">
+                <a:ln>
+                  <a:noFill/>
+                </a:ln>
+                <a:solidFill>
+                  <a:srgbClr val="000000"/>
+                </a:solidFill>
+                <a:effectLst/>
+                <a:latin typeface="华文楷体" panose="02010600040101010101" pitchFamily="2" charset="-122"/>
+                <a:ea typeface="华文楷体" panose="02010600040101010101" pitchFamily="2" charset="-122"/>
+              </a:rPr>
+              <a:t>();</a:t>
+            </a:r>
+            <a:br>
+              <a:rPr kumimoji="0" lang="zh-CN" altLang="zh-CN" sz="1400" b="0" i="0" u="none" strike="noStrike" cap="none" normalizeH="0" baseline="0" dirty="0" smtClean="0">
+                <a:ln>
+                  <a:noFill/>
+                </a:ln>
+                <a:solidFill>
+                  <a:srgbClr val="000000"/>
+                </a:solidFill>
+                <a:effectLst/>
+                <a:latin typeface="华文楷体" panose="02010600040101010101" pitchFamily="2" charset="-122"/>
+                <a:ea typeface="华文楷体" panose="02010600040101010101" pitchFamily="2" charset="-122"/>
+              </a:rPr>
+            </a:br>
+            <a:r>
+              <a:rPr kumimoji="0" lang="zh-CN" altLang="zh-CN" sz="1400" b="0" i="0" u="none" strike="noStrike" cap="none" normalizeH="0" baseline="0" dirty="0" smtClean="0">
+                <a:ln>
+                  <a:noFill/>
+                </a:ln>
+                <a:solidFill>
+                  <a:srgbClr val="000000"/>
+                </a:solidFill>
+                <a:effectLst/>
+                <a:latin typeface="华文楷体" panose="02010600040101010101" pitchFamily="2" charset="-122"/>
+                <a:ea typeface="华文楷体" panose="02010600040101010101" pitchFamily="2" charset="-122"/>
+              </a:rPr>
+              <a:t>        }</a:t>
+            </a:r>
+            <a:br>
+              <a:rPr kumimoji="0" lang="zh-CN" altLang="zh-CN" sz="1400" b="0" i="0" u="none" strike="noStrike" cap="none" normalizeH="0" baseline="0" dirty="0" smtClean="0">
+                <a:ln>
+                  <a:noFill/>
+                </a:ln>
+                <a:solidFill>
+                  <a:srgbClr val="000000"/>
+                </a:solidFill>
+                <a:effectLst/>
+                <a:latin typeface="华文楷体" panose="02010600040101010101" pitchFamily="2" charset="-122"/>
+                <a:ea typeface="华文楷体" panose="02010600040101010101" pitchFamily="2" charset="-122"/>
+              </a:rPr>
+            </a:br>
+            <a:r>
+              <a:rPr kumimoji="0" lang="zh-CN" altLang="zh-CN" sz="1400" b="0" i="0" u="none" strike="noStrike" cap="none" normalizeH="0" baseline="0" dirty="0" smtClean="0">
+                <a:ln>
+                  <a:noFill/>
+                </a:ln>
+                <a:solidFill>
+                  <a:srgbClr val="000000"/>
+                </a:solidFill>
+                <a:effectLst/>
+                <a:latin typeface="华文楷体" panose="02010600040101010101" pitchFamily="2" charset="-122"/>
+                <a:ea typeface="华文楷体" panose="02010600040101010101" pitchFamily="2" charset="-122"/>
+              </a:rPr>
+              <a:t>    };</a:t>
+            </a:r>
+            <a:br>
+              <a:rPr kumimoji="0" lang="zh-CN" altLang="zh-CN" sz="1400" b="0" i="0" u="none" strike="noStrike" cap="none" normalizeH="0" baseline="0" dirty="0" smtClean="0">
+                <a:ln>
+                  <a:noFill/>
+                </a:ln>
+                <a:solidFill>
+                  <a:srgbClr val="000000"/>
+                </a:solidFill>
+                <a:effectLst/>
+                <a:latin typeface="华文楷体" panose="02010600040101010101" pitchFamily="2" charset="-122"/>
+                <a:ea typeface="华文楷体" panose="02010600040101010101" pitchFamily="2" charset="-122"/>
+              </a:rPr>
+            </a:br>
+            <a:r>
+              <a:rPr kumimoji="0" lang="zh-CN" altLang="zh-CN" sz="1400" b="0" i="0" u="none" strike="noStrike" cap="none" normalizeH="0" baseline="0" dirty="0" smtClean="0">
+                <a:ln>
+                  <a:noFill/>
+                </a:ln>
+                <a:solidFill>
+                  <a:srgbClr val="000000"/>
+                </a:solidFill>
+                <a:effectLst/>
+                <a:latin typeface="华文楷体" panose="02010600040101010101" pitchFamily="2" charset="-122"/>
+                <a:ea typeface="华文楷体" panose="02010600040101010101" pitchFamily="2" charset="-122"/>
+              </a:rPr>
+              <a:t>    </a:t>
+            </a:r>
+            <a:r>
+              <a:rPr kumimoji="0" lang="zh-CN" altLang="zh-CN" sz="1400" b="1" i="0" u="none" strike="noStrike" cap="none" normalizeH="0" baseline="0" dirty="0" smtClean="0">
+                <a:ln>
+                  <a:noFill/>
+                </a:ln>
+                <a:solidFill>
+                  <a:srgbClr val="000080"/>
+                </a:solidFill>
+                <a:effectLst/>
+                <a:latin typeface="华文楷体" panose="02010600040101010101" pitchFamily="2" charset="-122"/>
+                <a:ea typeface="华文楷体" panose="02010600040101010101" pitchFamily="2" charset="-122"/>
+              </a:rPr>
+              <a:t>new </a:t>
+            </a:r>
+            <a:r>
+              <a:rPr kumimoji="0" lang="zh-CN" altLang="zh-CN" sz="1400" b="0" i="0" u="none" strike="noStrike" cap="none" normalizeH="0" baseline="0" dirty="0" smtClean="0">
+                <a:ln>
+                  <a:noFill/>
+                </a:ln>
+                <a:solidFill>
+                  <a:srgbClr val="000000"/>
+                </a:solidFill>
+                <a:effectLst/>
+                <a:latin typeface="华文楷体" panose="02010600040101010101" pitchFamily="2" charset="-122"/>
+                <a:ea typeface="华文楷体" panose="02010600040101010101" pitchFamily="2" charset="-122"/>
+              </a:rPr>
+              <a:t>Thread(r).start();</a:t>
+            </a:r>
+            <a:br>
+              <a:rPr kumimoji="0" lang="zh-CN" altLang="zh-CN" sz="1400" b="0" i="0" u="none" strike="noStrike" cap="none" normalizeH="0" baseline="0" dirty="0" smtClean="0">
+                <a:ln>
+                  <a:noFill/>
+                </a:ln>
+                <a:solidFill>
+                  <a:srgbClr val="000000"/>
+                </a:solidFill>
+                <a:effectLst/>
+                <a:latin typeface="华文楷体" panose="02010600040101010101" pitchFamily="2" charset="-122"/>
+                <a:ea typeface="华文楷体" panose="02010600040101010101" pitchFamily="2" charset="-122"/>
+              </a:rPr>
+            </a:br>
+            <a:r>
+              <a:rPr kumimoji="0" lang="zh-CN" altLang="zh-CN" sz="1400" b="0" i="0" u="none" strike="noStrike" cap="none" normalizeH="0" baseline="0" dirty="0" smtClean="0">
+                <a:ln>
+                  <a:noFill/>
+                </a:ln>
+                <a:solidFill>
+                  <a:srgbClr val="000000"/>
+                </a:solidFill>
+                <a:effectLst/>
+                <a:latin typeface="华文楷体" panose="02010600040101010101" pitchFamily="2" charset="-122"/>
+                <a:ea typeface="华文楷体" panose="02010600040101010101" pitchFamily="2" charset="-122"/>
+              </a:rPr>
+              <a:t>}</a:t>
+            </a:r>
+            <a:endParaRPr kumimoji="0" lang="zh-CN" altLang="zh-CN" sz="1400" b="0" i="0" u="none" strike="noStrike" cap="none" normalizeH="0" baseline="0" dirty="0" smtClean="0">
+              <a:ln>
+                <a:noFill/>
+              </a:ln>
+              <a:solidFill>
+                <a:schemeClr val="tx1"/>
+              </a:solidFill>
+              <a:effectLst/>
+              <a:latin typeface="华文楷体" panose="02010600040101010101" pitchFamily="2" charset="-122"/>
+              <a:ea typeface="华文楷体" panose="02010600040101010101" pitchFamily="2" charset="-122"/>
+            </a:endParaRPr>
+          </a:p>
+        </p:txBody>
+      </p:sp>
+      <p:sp>
+        <p:nvSpPr>
+          <p:cNvPr id="5" name="内容占位符 2"/>
+          <p:cNvSpPr txBox="1">
+            <a:spLocks/>
+          </p:cNvSpPr>
+          <p:nvPr/>
+        </p:nvSpPr>
+        <p:spPr>
+          <a:xfrm>
+            <a:off x="502297" y="4699452"/>
+            <a:ext cx="5931160" cy="1901955"/>
+          </a:xfrm>
+          <a:prstGeom prst="rect">
+            <a:avLst/>
+          </a:prstGeom>
+        </p:spPr>
+        <p:txBody>
+          <a:bodyPr vert="horz" lIns="91440" tIns="45720" rIns="91440" bIns="45720" rtlCol="0">
+            <a:normAutofit/>
+          </a:bodyPr>
+          <a:lstStyle>
+            <a:lvl1pPr marL="228600" indent="-228600" algn="l" defTabSz="914400" rtl="0" eaLnBrk="1" latinLnBrk="0" hangingPunct="1">
+              <a:lnSpc>
+                <a:spcPct val="90000"/>
+              </a:lnSpc>
+              <a:spcBef>
+                <a:spcPts val="1000"/>
+              </a:spcBef>
+              <a:buFont typeface="Arial" panose="020B0604020202020204" pitchFamily="34" charset="0"/>
+              <a:buChar char="•"/>
+              <a:defRPr sz="2800" kern="1200">
+                <a:solidFill>
+                  <a:schemeClr val="tx1"/>
+                </a:solidFill>
+                <a:latin typeface="+mn-lt"/>
+                <a:ea typeface="+mn-ea"/>
+                <a:cs typeface="+mn-cs"/>
+              </a:defRPr>
+            </a:lvl1pPr>
+            <a:lvl2pPr marL="685800" indent="-228600" algn="l" defTabSz="914400" rtl="0" eaLnBrk="1" latinLnBrk="0" hangingPunct="1">
+              <a:lnSpc>
+                <a:spcPct val="90000"/>
+              </a:lnSpc>
+              <a:spcBef>
+                <a:spcPts val="500"/>
+              </a:spcBef>
+              <a:buFont typeface="Arial" panose="020B0604020202020204" pitchFamily="34" charset="0"/>
+              <a:buChar char="•"/>
+              <a:defRPr sz="2400" kern="1200">
+                <a:solidFill>
+                  <a:schemeClr val="tx1"/>
+                </a:solidFill>
+                <a:latin typeface="+mn-lt"/>
+                <a:ea typeface="+mn-ea"/>
+                <a:cs typeface="+mn-cs"/>
+              </a:defRPr>
+            </a:lvl2pPr>
+            <a:lvl3pPr marL="1143000" indent="-228600" algn="l" defTabSz="914400" rtl="0" eaLnBrk="1" latinLnBrk="0" hangingPunct="1">
+              <a:lnSpc>
+                <a:spcPct val="90000"/>
+              </a:lnSpc>
+              <a:spcBef>
+                <a:spcPts val="500"/>
+              </a:spcBef>
+              <a:buFont typeface="Arial" panose="020B0604020202020204" pitchFamily="34" charset="0"/>
+              <a:buChar char="•"/>
+              <a:defRPr sz="2000" kern="1200">
+                <a:solidFill>
+                  <a:schemeClr val="tx1"/>
+                </a:solidFill>
+                <a:latin typeface="+mn-lt"/>
+                <a:ea typeface="+mn-ea"/>
+                <a:cs typeface="+mn-cs"/>
+              </a:defRPr>
+            </a:lvl3pPr>
+            <a:lvl4pPr marL="1600200" indent="-228600" algn="l" defTabSz="914400" rtl="0" eaLnBrk="1" latinLnBrk="0" hangingPunct="1">
+              <a:lnSpc>
+                <a:spcPct val="90000"/>
+              </a:lnSpc>
+              <a:spcBef>
+                <a:spcPts val="500"/>
+              </a:spcBef>
+              <a:buFont typeface="Arial" panose="020B0604020202020204" pitchFamily="34" charset="0"/>
+              <a:buChar char="•"/>
+              <a:defRPr sz="1800" kern="1200">
+                <a:solidFill>
+                  <a:schemeClr val="tx1"/>
+                </a:solidFill>
+                <a:latin typeface="+mn-lt"/>
+                <a:ea typeface="+mn-ea"/>
+                <a:cs typeface="+mn-cs"/>
+              </a:defRPr>
+            </a:lvl4pPr>
+            <a:lvl5pPr marL="2057400" indent="-228600" algn="l" defTabSz="914400" rtl="0" eaLnBrk="1" latinLnBrk="0" hangingPunct="1">
+              <a:lnSpc>
+                <a:spcPct val="90000"/>
+              </a:lnSpc>
+              <a:spcBef>
+                <a:spcPts val="500"/>
+              </a:spcBef>
+              <a:buFont typeface="Arial" panose="020B0604020202020204" pitchFamily="34" charset="0"/>
+              <a:buChar char="•"/>
+              <a:defRPr sz="1800" kern="1200">
+                <a:solidFill>
+                  <a:schemeClr val="tx1"/>
+                </a:solidFill>
+                <a:latin typeface="+mn-lt"/>
+                <a:ea typeface="+mn-ea"/>
+                <a:cs typeface="+mn-cs"/>
+              </a:defRPr>
+            </a:lvl5pPr>
+            <a:lvl6pPr marL="2514600" indent="-228600" algn="l" defTabSz="914400" rtl="0" eaLnBrk="1" latinLnBrk="0" hangingPunct="1">
+              <a:lnSpc>
+                <a:spcPct val="90000"/>
+              </a:lnSpc>
+              <a:spcBef>
+                <a:spcPts val="500"/>
+              </a:spcBef>
+              <a:buFont typeface="Arial" panose="020B0604020202020204" pitchFamily="34" charset="0"/>
+              <a:buChar char="•"/>
+              <a:defRPr sz="1800" kern="1200">
+                <a:solidFill>
+                  <a:schemeClr val="tx1"/>
+                </a:solidFill>
+                <a:latin typeface="+mn-lt"/>
+                <a:ea typeface="+mn-ea"/>
+                <a:cs typeface="+mn-cs"/>
+              </a:defRPr>
+            </a:lvl6pPr>
+            <a:lvl7pPr marL="2971800" indent="-228600" algn="l" defTabSz="914400" rtl="0" eaLnBrk="1" latinLnBrk="0" hangingPunct="1">
+              <a:lnSpc>
+                <a:spcPct val="90000"/>
+              </a:lnSpc>
+              <a:spcBef>
+                <a:spcPts val="500"/>
+              </a:spcBef>
+              <a:buFont typeface="Arial" panose="020B0604020202020204" pitchFamily="34" charset="0"/>
+              <a:buChar char="•"/>
+              <a:defRPr sz="1800" kern="1200">
+                <a:solidFill>
+                  <a:schemeClr val="tx1"/>
+                </a:solidFill>
+                <a:latin typeface="+mn-lt"/>
+                <a:ea typeface="+mn-ea"/>
+                <a:cs typeface="+mn-cs"/>
+              </a:defRPr>
+            </a:lvl7pPr>
+            <a:lvl8pPr marL="3429000" indent="-228600" algn="l" defTabSz="914400" rtl="0" eaLnBrk="1" latinLnBrk="0" hangingPunct="1">
+              <a:lnSpc>
+                <a:spcPct val="90000"/>
+              </a:lnSpc>
+              <a:spcBef>
+                <a:spcPts val="500"/>
+              </a:spcBef>
+              <a:buFont typeface="Arial" panose="020B0604020202020204" pitchFamily="34" charset="0"/>
+              <a:buChar char="•"/>
+              <a:defRPr sz="1800" kern="1200">
+                <a:solidFill>
+                  <a:schemeClr val="tx1"/>
+                </a:solidFill>
+                <a:latin typeface="+mn-lt"/>
+                <a:ea typeface="+mn-ea"/>
+                <a:cs typeface="+mn-cs"/>
+              </a:defRPr>
+            </a:lvl8pPr>
+            <a:lvl9pPr marL="3886200" indent="-228600" algn="l" defTabSz="914400" rtl="0" eaLnBrk="1" latinLnBrk="0" hangingPunct="1">
+              <a:lnSpc>
+                <a:spcPct val="90000"/>
+              </a:lnSpc>
+              <a:spcBef>
+                <a:spcPts val="500"/>
+              </a:spcBef>
+              <a:buFont typeface="Arial" panose="020B0604020202020204" pitchFamily="34" charset="0"/>
+              <a:buChar char="•"/>
+              <a:defRPr sz="1800" kern="1200">
+                <a:solidFill>
+                  <a:schemeClr val="tx1"/>
+                </a:solidFill>
+                <a:latin typeface="+mn-lt"/>
+                <a:ea typeface="+mn-ea"/>
+                <a:cs typeface="+mn-cs"/>
+              </a:defRPr>
+            </a:lvl9pPr>
+          </a:lstStyle>
+          <a:p>
+            <a:r>
+              <a:rPr lang="zh-CN" altLang="en-US" sz="2000" dirty="0" smtClean="0">
+                <a:latin typeface="华文楷体" panose="02010600040101010101" pitchFamily="2" charset="-122"/>
+                <a:ea typeface="华文楷体" panose="02010600040101010101" pitchFamily="2" charset="-122"/>
+              </a:rPr>
+              <a:t>如右所见，</a:t>
+            </a:r>
+            <a:r>
+              <a:rPr lang="en-US" altLang="zh-CN" sz="2000" dirty="0" smtClean="0">
+                <a:latin typeface="华文楷体" panose="02010600040101010101" pitchFamily="2" charset="-122"/>
+                <a:ea typeface="华文楷体" panose="02010600040101010101" pitchFamily="2" charset="-122"/>
+              </a:rPr>
+              <a:t>lambda</a:t>
+            </a:r>
+            <a:r>
+              <a:rPr lang="zh-CN" altLang="en-US" sz="2000" dirty="0" smtClean="0">
+                <a:latin typeface="华文楷体" panose="02010600040101010101" pitchFamily="2" charset="-122"/>
+                <a:ea typeface="华文楷体" panose="02010600040101010101" pitchFamily="2" charset="-122"/>
+              </a:rPr>
+              <a:t>表达式可以捕较闭合作用域中的变量值。</a:t>
+            </a:r>
+            <a:endParaRPr lang="en-US" altLang="zh-CN" sz="2000" dirty="0" smtClean="0">
+              <a:latin typeface="华文楷体" panose="02010600040101010101" pitchFamily="2" charset="-122"/>
+              <a:ea typeface="华文楷体" panose="02010600040101010101" pitchFamily="2" charset="-122"/>
+            </a:endParaRPr>
+          </a:p>
+          <a:p>
+            <a:r>
+              <a:rPr lang="zh-CN" altLang="en-US" sz="2000" dirty="0" smtClean="0">
+                <a:latin typeface="华文楷体" panose="02010600040101010101" pitchFamily="2" charset="-122"/>
+                <a:ea typeface="华文楷体" panose="02010600040101010101" pitchFamily="2" charset="-122"/>
+              </a:rPr>
+              <a:t>在</a:t>
+            </a:r>
+            <a:r>
+              <a:rPr lang="en-US" altLang="zh-CN" sz="2000" dirty="0" smtClean="0">
+                <a:latin typeface="华文楷体" panose="02010600040101010101" pitchFamily="2" charset="-122"/>
+                <a:ea typeface="华文楷体" panose="02010600040101010101" pitchFamily="2" charset="-122"/>
+              </a:rPr>
+              <a:t>Java</a:t>
+            </a:r>
+            <a:r>
+              <a:rPr lang="zh-CN" altLang="en-US" sz="2000" dirty="0" smtClean="0">
+                <a:latin typeface="华文楷体" panose="02010600040101010101" pitchFamily="2" charset="-122"/>
+                <a:ea typeface="华文楷体" panose="02010600040101010101" pitchFamily="2" charset="-122"/>
+              </a:rPr>
+              <a:t>中，为了确保被捕获的值是被良好定义的，需要遵守一个重要的约束。在</a:t>
+            </a:r>
+            <a:r>
+              <a:rPr lang="en-US" altLang="zh-CN" sz="2000" dirty="0" smtClean="0">
+                <a:latin typeface="华文楷体" panose="02010600040101010101" pitchFamily="2" charset="-122"/>
+                <a:ea typeface="华文楷体" panose="02010600040101010101" pitchFamily="2" charset="-122"/>
+              </a:rPr>
+              <a:t>lambda</a:t>
+            </a:r>
+            <a:r>
+              <a:rPr lang="zh-CN" altLang="en-US" sz="2000" dirty="0" smtClean="0">
+                <a:latin typeface="华文楷体" panose="02010600040101010101" pitchFamily="2" charset="-122"/>
+                <a:ea typeface="华文楷体" panose="02010600040101010101" pitchFamily="2" charset="-122"/>
+              </a:rPr>
+              <a:t>表达式中，被引用的变量的值不可以被更改。例如，下面这个表达式是不合法的：</a:t>
+            </a:r>
+          </a:p>
+          <a:p>
+            <a:endParaRPr lang="zh-CN" altLang="en-US" sz="2000" dirty="0">
+              <a:latin typeface="华文楷体" panose="02010600040101010101" pitchFamily="2" charset="-122"/>
+              <a:ea typeface="华文楷体" panose="02010600040101010101" pitchFamily="2" charset="-122"/>
+            </a:endParaRPr>
           </a:p>
         </p:txBody>
       </p:sp>
@@ -10381,25 +12645,6 @@
       </p:grpSpPr>
       <p:sp>
         <p:nvSpPr>
-          <p:cNvPr id="2" name="标题 1"/>
-          <p:cNvSpPr>
-            <a:spLocks noGrp="1"/>
-          </p:cNvSpPr>
-          <p:nvPr>
-            <p:ph type="title"/>
-          </p:nvPr>
-        </p:nvSpPr>
-        <p:spPr/>
-        <p:txBody>
-          <a:bodyPr/>
-          <a:lstStyle/>
-          <a:p>
-            <a:endParaRPr lang="zh-CN" altLang="en-US" dirty="0"/>
-          </a:p>
-        </p:txBody>
-      </p:sp>
-      <p:sp>
-        <p:nvSpPr>
           <p:cNvPr id="3" name="内容占位符 2"/>
           <p:cNvSpPr>
             <a:spLocks noGrp="1"/>
@@ -10408,14 +12653,773 @@
             <p:ph idx="1"/>
           </p:nvPr>
         </p:nvSpPr>
-        <p:spPr/>
+        <p:spPr>
+          <a:xfrm>
+            <a:off x="544286" y="323396"/>
+            <a:ext cx="10515600" cy="744959"/>
+          </a:xfrm>
+        </p:spPr>
         <p:txBody>
           <a:bodyPr>
             <a:normAutofit/>
           </a:bodyPr>
           <a:lstStyle/>
           <a:p>
-            <a:endParaRPr lang="zh-CN" altLang="en-US" sz="2000" dirty="0"/>
+            <a:r>
+              <a:rPr lang="zh-CN" altLang="en-US" sz="2000" dirty="0">
+                <a:latin typeface="华文楷体" panose="02010600040101010101" pitchFamily="2" charset="-122"/>
+                <a:ea typeface="华文楷体" panose="02010600040101010101" pitchFamily="2" charset="-122"/>
+              </a:rPr>
+              <a:t>做出这个约束是有原因的。更改</a:t>
+            </a:r>
+            <a:r>
+              <a:rPr lang="en-US" altLang="zh-CN" sz="2000" dirty="0">
+                <a:latin typeface="华文楷体" panose="02010600040101010101" pitchFamily="2" charset="-122"/>
+                <a:ea typeface="华文楷体" panose="02010600040101010101" pitchFamily="2" charset="-122"/>
+              </a:rPr>
+              <a:t>lambda</a:t>
+            </a:r>
+            <a:r>
+              <a:rPr lang="zh-CN" altLang="en-US" sz="2000" dirty="0">
+                <a:latin typeface="华文楷体" panose="02010600040101010101" pitchFamily="2" charset="-122"/>
+                <a:ea typeface="华文楷体" panose="02010600040101010101" pitchFamily="2" charset="-122"/>
+              </a:rPr>
+              <a:t>表达式中的变量不是线程安全的。假设有一系列并发的任务，每个线程都会更新一个共享的计数器。</a:t>
+            </a:r>
+            <a:endParaRPr lang="zh-CN" altLang="en-US" sz="2000" dirty="0">
+              <a:latin typeface="华文楷体" panose="02010600040101010101" pitchFamily="2" charset="-122"/>
+              <a:ea typeface="华文楷体" panose="02010600040101010101" pitchFamily="2" charset="-122"/>
+            </a:endParaRPr>
+          </a:p>
+        </p:txBody>
+      </p:sp>
+      <p:sp>
+        <p:nvSpPr>
+          <p:cNvPr id="5" name="矩形 4"/>
+          <p:cNvSpPr/>
+          <p:nvPr/>
+        </p:nvSpPr>
+        <p:spPr>
+          <a:xfrm>
+            <a:off x="1522443" y="1118127"/>
+            <a:ext cx="9305731" cy="1200329"/>
+          </a:xfrm>
+          <a:prstGeom prst="rect">
+            <a:avLst/>
+          </a:prstGeom>
+        </p:spPr>
+        <p:txBody>
+          <a:bodyPr wrap="square">
+            <a:spAutoFit/>
+          </a:bodyPr>
+          <a:lstStyle/>
+          <a:p>
+            <a:r>
+              <a:rPr lang="en-US" altLang="zh-CN" dirty="0" smtClean="0">
+                <a:latin typeface="华文楷体" panose="02010600040101010101" pitchFamily="2" charset="-122"/>
+                <a:ea typeface="华文楷体" panose="02010600040101010101" pitchFamily="2" charset="-122"/>
+              </a:rPr>
+              <a:t>I</a:t>
+            </a:r>
+            <a:r>
+              <a:rPr lang="zh-CN" altLang="en-US" dirty="0" smtClean="0">
+                <a:latin typeface="华文楷体" panose="02010600040101010101" pitchFamily="2" charset="-122"/>
+                <a:ea typeface="华文楷体" panose="02010600040101010101" pitchFamily="2" charset="-122"/>
+              </a:rPr>
+              <a:t>nt  matches</a:t>
+            </a:r>
+            <a:r>
+              <a:rPr lang="zh-CN" altLang="en-US" dirty="0">
+                <a:latin typeface="华文楷体" panose="02010600040101010101" pitchFamily="2" charset="-122"/>
+                <a:ea typeface="华文楷体" panose="02010600040101010101" pitchFamily="2" charset="-122"/>
+              </a:rPr>
+              <a:t>=0;</a:t>
+            </a:r>
+          </a:p>
+          <a:p>
+            <a:r>
+              <a:rPr lang="zh-CN" altLang="en-US" dirty="0">
+                <a:latin typeface="华文楷体" panose="02010600040101010101" pitchFamily="2" charset="-122"/>
+                <a:ea typeface="华文楷体" panose="02010600040101010101" pitchFamily="2" charset="-122"/>
+              </a:rPr>
+              <a:t>for(</a:t>
+            </a:r>
+            <a:r>
+              <a:rPr lang="zh-CN" altLang="en-US" dirty="0" smtClean="0">
+                <a:latin typeface="华文楷体" panose="02010600040101010101" pitchFamily="2" charset="-122"/>
+                <a:ea typeface="华文楷体" panose="02010600040101010101" pitchFamily="2" charset="-122"/>
+              </a:rPr>
+              <a:t>Path p : files</a:t>
+            </a:r>
+            <a:r>
+              <a:rPr lang="zh-CN" altLang="en-US" dirty="0">
+                <a:latin typeface="华文楷体" panose="02010600040101010101" pitchFamily="2" charset="-122"/>
+                <a:ea typeface="华文楷体" panose="02010600040101010101" pitchFamily="2" charset="-122"/>
+              </a:rPr>
+              <a:t>)</a:t>
+            </a:r>
+          </a:p>
+          <a:p>
+            <a:r>
+              <a:rPr lang="en-US" altLang="zh-CN" dirty="0" smtClean="0">
+                <a:latin typeface="华文楷体" panose="02010600040101010101" pitchFamily="2" charset="-122"/>
+                <a:ea typeface="华文楷体" panose="02010600040101010101" pitchFamily="2" charset="-122"/>
+              </a:rPr>
+              <a:t>	</a:t>
+            </a:r>
+            <a:r>
+              <a:rPr lang="zh-CN" altLang="en-US" dirty="0" smtClean="0">
+                <a:latin typeface="华文楷体" panose="02010600040101010101" pitchFamily="2" charset="-122"/>
+                <a:ea typeface="华文楷体" panose="02010600040101010101" pitchFamily="2" charset="-122"/>
+              </a:rPr>
+              <a:t>newThread(</a:t>
+            </a:r>
+            <a:r>
+              <a:rPr lang="en-US" altLang="zh-CN" dirty="0" smtClean="0">
+                <a:latin typeface="华文楷体" panose="02010600040101010101" pitchFamily="2" charset="-122"/>
+                <a:ea typeface="华文楷体" panose="02010600040101010101" pitchFamily="2" charset="-122"/>
+              </a:rPr>
+              <a:t>()-&gt;{</a:t>
+            </a:r>
+            <a:r>
+              <a:rPr lang="zh-CN" altLang="en-US" dirty="0">
+                <a:latin typeface="华文楷体" panose="02010600040101010101" pitchFamily="2" charset="-122"/>
+                <a:ea typeface="华文楷体" panose="02010600040101010101" pitchFamily="2" charset="-122"/>
+              </a:rPr>
+              <a:t>if(p中包含某些属性</a:t>
+            </a:r>
+            <a:r>
+              <a:rPr lang="zh-CN" altLang="en-US" dirty="0" smtClean="0">
+                <a:latin typeface="华文楷体" panose="02010600040101010101" pitchFamily="2" charset="-122"/>
+                <a:ea typeface="华文楷体" panose="02010600040101010101" pitchFamily="2" charset="-122"/>
+              </a:rPr>
+              <a:t>）</a:t>
+            </a:r>
+            <a:r>
+              <a:rPr lang="zh-CN" altLang="en-US" dirty="0">
+                <a:latin typeface="华文楷体" panose="02010600040101010101" pitchFamily="2" charset="-122"/>
+                <a:ea typeface="华文楷体" panose="02010600040101010101" pitchFamily="2" charset="-122"/>
+              </a:rPr>
+              <a:t> matches++;</a:t>
+            </a:r>
+            <a:r>
+              <a:rPr lang="en-US" altLang="zh-CN" dirty="0" smtClean="0">
+                <a:latin typeface="华文楷体" panose="02010600040101010101" pitchFamily="2" charset="-122"/>
+                <a:ea typeface="华文楷体" panose="02010600040101010101" pitchFamily="2" charset="-122"/>
+              </a:rPr>
+              <a:t> }).start()</a:t>
+            </a:r>
+            <a:r>
+              <a:rPr lang="zh-CN" altLang="en-US" dirty="0" smtClean="0">
+                <a:latin typeface="华文楷体" panose="02010600040101010101" pitchFamily="2" charset="-122"/>
+                <a:ea typeface="华文楷体" panose="02010600040101010101" pitchFamily="2" charset="-122"/>
+              </a:rPr>
+              <a:t>;</a:t>
+            </a:r>
+            <a:endParaRPr lang="zh-CN" altLang="en-US" dirty="0">
+              <a:latin typeface="华文楷体" panose="02010600040101010101" pitchFamily="2" charset="-122"/>
+              <a:ea typeface="华文楷体" panose="02010600040101010101" pitchFamily="2" charset="-122"/>
+            </a:endParaRPr>
+          </a:p>
+          <a:p>
+            <a:r>
+              <a:rPr lang="en-US" altLang="zh-CN" dirty="0" smtClean="0">
+                <a:latin typeface="华文楷体" panose="02010600040101010101" pitchFamily="2" charset="-122"/>
+                <a:ea typeface="华文楷体" panose="02010600040101010101" pitchFamily="2" charset="-122"/>
+              </a:rPr>
+              <a:t>	//</a:t>
+            </a:r>
+            <a:r>
+              <a:rPr lang="zh-CN" altLang="en-US" dirty="0" smtClean="0">
+                <a:latin typeface="华文楷体" panose="02010600040101010101" pitchFamily="2" charset="-122"/>
+                <a:ea typeface="华文楷体" panose="02010600040101010101" pitchFamily="2" charset="-122"/>
+              </a:rPr>
+              <a:t>非法</a:t>
+            </a:r>
+            <a:r>
+              <a:rPr lang="zh-CN" altLang="en-US" dirty="0">
+                <a:latin typeface="华文楷体" panose="02010600040101010101" pitchFamily="2" charset="-122"/>
+                <a:ea typeface="华文楷体" panose="02010600040101010101" pitchFamily="2" charset="-122"/>
+              </a:rPr>
+              <a:t>更改matches</a:t>
+            </a:r>
+            <a:r>
+              <a:rPr lang="zh-CN" altLang="en-US" dirty="0" smtClean="0">
+                <a:latin typeface="华文楷体" panose="02010600040101010101" pitchFamily="2" charset="-122"/>
+                <a:ea typeface="华文楷体" panose="02010600040101010101" pitchFamily="2" charset="-122"/>
+              </a:rPr>
+              <a:t>的值。</a:t>
+            </a:r>
+            <a:endParaRPr lang="zh-CN" altLang="en-US" dirty="0">
+              <a:latin typeface="华文楷体" panose="02010600040101010101" pitchFamily="2" charset="-122"/>
+              <a:ea typeface="华文楷体" panose="02010600040101010101" pitchFamily="2" charset="-122"/>
+            </a:endParaRPr>
+          </a:p>
+        </p:txBody>
+      </p:sp>
+      <p:sp>
+        <p:nvSpPr>
+          <p:cNvPr id="6" name="内容占位符 2"/>
+          <p:cNvSpPr txBox="1">
+            <a:spLocks/>
+          </p:cNvSpPr>
+          <p:nvPr/>
+        </p:nvSpPr>
+        <p:spPr>
+          <a:xfrm>
+            <a:off x="436983" y="2368229"/>
+            <a:ext cx="10932367" cy="3062188"/>
+          </a:xfrm>
+          <a:prstGeom prst="rect">
+            <a:avLst/>
+          </a:prstGeom>
+        </p:spPr>
+        <p:txBody>
+          <a:bodyPr vert="horz" lIns="91440" tIns="45720" rIns="91440" bIns="45720" rtlCol="0">
+            <a:normAutofit/>
+          </a:bodyPr>
+          <a:lstStyle>
+            <a:lvl1pPr marL="228600" indent="-228600" algn="l" defTabSz="914400" rtl="0" eaLnBrk="1" latinLnBrk="0" hangingPunct="1">
+              <a:lnSpc>
+                <a:spcPct val="90000"/>
+              </a:lnSpc>
+              <a:spcBef>
+                <a:spcPts val="1000"/>
+              </a:spcBef>
+              <a:buFont typeface="Arial" panose="020B0604020202020204" pitchFamily="34" charset="0"/>
+              <a:buChar char="•"/>
+              <a:defRPr sz="2800" kern="1200">
+                <a:solidFill>
+                  <a:schemeClr val="tx1"/>
+                </a:solidFill>
+                <a:latin typeface="+mn-lt"/>
+                <a:ea typeface="+mn-ea"/>
+                <a:cs typeface="+mn-cs"/>
+              </a:defRPr>
+            </a:lvl1pPr>
+            <a:lvl2pPr marL="685800" indent="-228600" algn="l" defTabSz="914400" rtl="0" eaLnBrk="1" latinLnBrk="0" hangingPunct="1">
+              <a:lnSpc>
+                <a:spcPct val="90000"/>
+              </a:lnSpc>
+              <a:spcBef>
+                <a:spcPts val="500"/>
+              </a:spcBef>
+              <a:buFont typeface="Arial" panose="020B0604020202020204" pitchFamily="34" charset="0"/>
+              <a:buChar char="•"/>
+              <a:defRPr sz="2400" kern="1200">
+                <a:solidFill>
+                  <a:schemeClr val="tx1"/>
+                </a:solidFill>
+                <a:latin typeface="+mn-lt"/>
+                <a:ea typeface="+mn-ea"/>
+                <a:cs typeface="+mn-cs"/>
+              </a:defRPr>
+            </a:lvl2pPr>
+            <a:lvl3pPr marL="1143000" indent="-228600" algn="l" defTabSz="914400" rtl="0" eaLnBrk="1" latinLnBrk="0" hangingPunct="1">
+              <a:lnSpc>
+                <a:spcPct val="90000"/>
+              </a:lnSpc>
+              <a:spcBef>
+                <a:spcPts val="500"/>
+              </a:spcBef>
+              <a:buFont typeface="Arial" panose="020B0604020202020204" pitchFamily="34" charset="0"/>
+              <a:buChar char="•"/>
+              <a:defRPr sz="2000" kern="1200">
+                <a:solidFill>
+                  <a:schemeClr val="tx1"/>
+                </a:solidFill>
+                <a:latin typeface="+mn-lt"/>
+                <a:ea typeface="+mn-ea"/>
+                <a:cs typeface="+mn-cs"/>
+              </a:defRPr>
+            </a:lvl3pPr>
+            <a:lvl4pPr marL="1600200" indent="-228600" algn="l" defTabSz="914400" rtl="0" eaLnBrk="1" latinLnBrk="0" hangingPunct="1">
+              <a:lnSpc>
+                <a:spcPct val="90000"/>
+              </a:lnSpc>
+              <a:spcBef>
+                <a:spcPts val="500"/>
+              </a:spcBef>
+              <a:buFont typeface="Arial" panose="020B0604020202020204" pitchFamily="34" charset="0"/>
+              <a:buChar char="•"/>
+              <a:defRPr sz="1800" kern="1200">
+                <a:solidFill>
+                  <a:schemeClr val="tx1"/>
+                </a:solidFill>
+                <a:latin typeface="+mn-lt"/>
+                <a:ea typeface="+mn-ea"/>
+                <a:cs typeface="+mn-cs"/>
+              </a:defRPr>
+            </a:lvl4pPr>
+            <a:lvl5pPr marL="2057400" indent="-228600" algn="l" defTabSz="914400" rtl="0" eaLnBrk="1" latinLnBrk="0" hangingPunct="1">
+              <a:lnSpc>
+                <a:spcPct val="90000"/>
+              </a:lnSpc>
+              <a:spcBef>
+                <a:spcPts val="500"/>
+              </a:spcBef>
+              <a:buFont typeface="Arial" panose="020B0604020202020204" pitchFamily="34" charset="0"/>
+              <a:buChar char="•"/>
+              <a:defRPr sz="1800" kern="1200">
+                <a:solidFill>
+                  <a:schemeClr val="tx1"/>
+                </a:solidFill>
+                <a:latin typeface="+mn-lt"/>
+                <a:ea typeface="+mn-ea"/>
+                <a:cs typeface="+mn-cs"/>
+              </a:defRPr>
+            </a:lvl5pPr>
+            <a:lvl6pPr marL="2514600" indent="-228600" algn="l" defTabSz="914400" rtl="0" eaLnBrk="1" latinLnBrk="0" hangingPunct="1">
+              <a:lnSpc>
+                <a:spcPct val="90000"/>
+              </a:lnSpc>
+              <a:spcBef>
+                <a:spcPts val="500"/>
+              </a:spcBef>
+              <a:buFont typeface="Arial" panose="020B0604020202020204" pitchFamily="34" charset="0"/>
+              <a:buChar char="•"/>
+              <a:defRPr sz="1800" kern="1200">
+                <a:solidFill>
+                  <a:schemeClr val="tx1"/>
+                </a:solidFill>
+                <a:latin typeface="+mn-lt"/>
+                <a:ea typeface="+mn-ea"/>
+                <a:cs typeface="+mn-cs"/>
+              </a:defRPr>
+            </a:lvl6pPr>
+            <a:lvl7pPr marL="2971800" indent="-228600" algn="l" defTabSz="914400" rtl="0" eaLnBrk="1" latinLnBrk="0" hangingPunct="1">
+              <a:lnSpc>
+                <a:spcPct val="90000"/>
+              </a:lnSpc>
+              <a:spcBef>
+                <a:spcPts val="500"/>
+              </a:spcBef>
+              <a:buFont typeface="Arial" panose="020B0604020202020204" pitchFamily="34" charset="0"/>
+              <a:buChar char="•"/>
+              <a:defRPr sz="1800" kern="1200">
+                <a:solidFill>
+                  <a:schemeClr val="tx1"/>
+                </a:solidFill>
+                <a:latin typeface="+mn-lt"/>
+                <a:ea typeface="+mn-ea"/>
+                <a:cs typeface="+mn-cs"/>
+              </a:defRPr>
+            </a:lvl7pPr>
+            <a:lvl8pPr marL="3429000" indent="-228600" algn="l" defTabSz="914400" rtl="0" eaLnBrk="1" latinLnBrk="0" hangingPunct="1">
+              <a:lnSpc>
+                <a:spcPct val="90000"/>
+              </a:lnSpc>
+              <a:spcBef>
+                <a:spcPts val="500"/>
+              </a:spcBef>
+              <a:buFont typeface="Arial" panose="020B0604020202020204" pitchFamily="34" charset="0"/>
+              <a:buChar char="•"/>
+              <a:defRPr sz="1800" kern="1200">
+                <a:solidFill>
+                  <a:schemeClr val="tx1"/>
+                </a:solidFill>
+                <a:latin typeface="+mn-lt"/>
+                <a:ea typeface="+mn-ea"/>
+                <a:cs typeface="+mn-cs"/>
+              </a:defRPr>
+            </a:lvl8pPr>
+            <a:lvl9pPr marL="3886200" indent="-228600" algn="l" defTabSz="914400" rtl="0" eaLnBrk="1" latinLnBrk="0" hangingPunct="1">
+              <a:lnSpc>
+                <a:spcPct val="90000"/>
+              </a:lnSpc>
+              <a:spcBef>
+                <a:spcPts val="500"/>
+              </a:spcBef>
+              <a:buFont typeface="Arial" panose="020B0604020202020204" pitchFamily="34" charset="0"/>
+              <a:buChar char="•"/>
+              <a:defRPr sz="1800" kern="1200">
+                <a:solidFill>
+                  <a:schemeClr val="tx1"/>
+                </a:solidFill>
+                <a:latin typeface="+mn-lt"/>
+                <a:ea typeface="+mn-ea"/>
+                <a:cs typeface="+mn-cs"/>
+              </a:defRPr>
+            </a:lvl9pPr>
+          </a:lstStyle>
+          <a:p>
+            <a:r>
+              <a:rPr lang="zh-CN" altLang="en-US" sz="2000" dirty="0">
+                <a:latin typeface="华文楷体" panose="02010600040101010101" pitchFamily="2" charset="-122"/>
+                <a:ea typeface="华文楷体" panose="02010600040101010101" pitchFamily="2" charset="-122"/>
+              </a:rPr>
+              <a:t>如果这段代码是合法的，那么会引起十分糟糕的结果。自增操作</a:t>
+            </a:r>
+            <a:r>
+              <a:rPr lang="en-US" altLang="zh-CN" sz="2000" dirty="0">
+                <a:latin typeface="华文楷体" panose="02010600040101010101" pitchFamily="2" charset="-122"/>
+                <a:ea typeface="华文楷体" panose="02010600040101010101" pitchFamily="2" charset="-122"/>
+              </a:rPr>
+              <a:t>matches</a:t>
+            </a:r>
+            <a:r>
+              <a:rPr lang="zh-CN" altLang="en-US" sz="2000" dirty="0">
+                <a:latin typeface="华文楷体" panose="02010600040101010101" pitchFamily="2" charset="-122"/>
+                <a:ea typeface="华文楷体" panose="02010600040101010101" pitchFamily="2" charset="-122"/>
+              </a:rPr>
+              <a:t>忡不是原子操作，如果多个线程并发执行该自增操作，天晓得会发生什么</a:t>
+            </a:r>
+            <a:r>
+              <a:rPr lang="zh-CN" altLang="en-US" sz="2000" dirty="0" smtClean="0">
+                <a:latin typeface="华文楷体" panose="02010600040101010101" pitchFamily="2" charset="-122"/>
+                <a:ea typeface="华文楷体" panose="02010600040101010101" pitchFamily="2" charset="-122"/>
+              </a:rPr>
+              <a:t>。</a:t>
+            </a:r>
+            <a:endParaRPr lang="en-US" altLang="zh-CN" sz="2000" dirty="0" smtClean="0">
+              <a:latin typeface="华文楷体" panose="02010600040101010101" pitchFamily="2" charset="-122"/>
+              <a:ea typeface="华文楷体" panose="02010600040101010101" pitchFamily="2" charset="-122"/>
+            </a:endParaRPr>
+          </a:p>
+          <a:p>
+            <a:r>
+              <a:rPr lang="zh-CN" altLang="en-US" sz="2000" dirty="0">
+                <a:latin typeface="华文楷体" panose="02010600040101010101" pitchFamily="2" charset="-122"/>
+                <a:ea typeface="华文楷体" panose="02010600040101010101" pitchFamily="2" charset="-122"/>
+              </a:rPr>
+              <a:t>注意：内部类也会捕获闭合作用域中的值。在</a:t>
+            </a:r>
+            <a:r>
+              <a:rPr lang="en-US" altLang="zh-CN" sz="2000" dirty="0">
+                <a:latin typeface="华文楷体" panose="02010600040101010101" pitchFamily="2" charset="-122"/>
+                <a:ea typeface="华文楷体" panose="02010600040101010101" pitchFamily="2" charset="-122"/>
+              </a:rPr>
+              <a:t>Java8</a:t>
+            </a:r>
+            <a:r>
+              <a:rPr lang="zh-CN" altLang="en-US" sz="2000" dirty="0">
+                <a:latin typeface="华文楷体" panose="02010600040101010101" pitchFamily="2" charset="-122"/>
+                <a:ea typeface="华文楷体" panose="02010600040101010101" pitchFamily="2" charset="-122"/>
+              </a:rPr>
+              <a:t>之前，内部类只允许访问</a:t>
+            </a:r>
+            <a:r>
+              <a:rPr lang="en-US" altLang="zh-CN" sz="2000" dirty="0">
+                <a:latin typeface="华文楷体" panose="02010600040101010101" pitchFamily="2" charset="-122"/>
+                <a:ea typeface="华文楷体" panose="02010600040101010101" pitchFamily="2" charset="-122"/>
+              </a:rPr>
+              <a:t>final</a:t>
+            </a:r>
+            <a:r>
+              <a:rPr lang="zh-CN" altLang="en-US" sz="2000" dirty="0">
+                <a:latin typeface="华文楷体" panose="02010600040101010101" pitchFamily="2" charset="-122"/>
+                <a:ea typeface="华文楷体" panose="02010600040101010101" pitchFamily="2" charset="-122"/>
+              </a:rPr>
+              <a:t>的局部变量。为了适应</a:t>
+            </a:r>
+            <a:r>
+              <a:rPr lang="en-US" altLang="zh-CN" sz="2000" dirty="0">
+                <a:latin typeface="华文楷体" panose="02010600040101010101" pitchFamily="2" charset="-122"/>
+                <a:ea typeface="华文楷体" panose="02010600040101010101" pitchFamily="2" charset="-122"/>
+              </a:rPr>
+              <a:t>lambda</a:t>
+            </a:r>
+            <a:r>
+              <a:rPr lang="zh-CN" altLang="en-US" sz="2000" dirty="0">
+                <a:latin typeface="华文楷体" panose="02010600040101010101" pitchFamily="2" charset="-122"/>
+                <a:ea typeface="华文楷体" panose="02010600040101010101" pitchFamily="2" charset="-122"/>
+              </a:rPr>
+              <a:t>表达式，这条规则现在也被放宽了。一个内部类可以访问任何有效的</a:t>
+            </a:r>
+            <a:r>
+              <a:rPr lang="en-US" altLang="zh-CN" sz="2000" dirty="0">
+                <a:latin typeface="华文楷体" panose="02010600040101010101" pitchFamily="2" charset="-122"/>
+                <a:ea typeface="华文楷体" panose="02010600040101010101" pitchFamily="2" charset="-122"/>
+              </a:rPr>
+              <a:t>final</a:t>
+            </a:r>
+            <a:r>
+              <a:rPr lang="zh-CN" altLang="en-US" sz="2000" dirty="0" smtClean="0">
+                <a:latin typeface="华文楷体" panose="02010600040101010101" pitchFamily="2" charset="-122"/>
+                <a:ea typeface="华文楷体" panose="02010600040101010101" pitchFamily="2" charset="-122"/>
+              </a:rPr>
+              <a:t>局部变量</a:t>
+            </a:r>
+            <a:r>
+              <a:rPr lang="en-US" altLang="zh-CN" sz="2000" dirty="0" smtClean="0">
+                <a:latin typeface="华文楷体" panose="02010600040101010101" pitchFamily="2" charset="-122"/>
+                <a:ea typeface="华文楷体" panose="02010600040101010101" pitchFamily="2" charset="-122"/>
+              </a:rPr>
+              <a:t>----</a:t>
+            </a:r>
+            <a:r>
+              <a:rPr lang="zh-CN" altLang="en-US" sz="2000" dirty="0" smtClean="0">
+                <a:latin typeface="华文楷体" panose="02010600040101010101" pitchFamily="2" charset="-122"/>
+                <a:ea typeface="华文楷体" panose="02010600040101010101" pitchFamily="2" charset="-122"/>
+              </a:rPr>
+              <a:t>即任何</a:t>
+            </a:r>
+            <a:r>
+              <a:rPr lang="zh-CN" altLang="en-US" sz="2000" dirty="0">
+                <a:latin typeface="华文楷体" panose="02010600040101010101" pitchFamily="2" charset="-122"/>
+                <a:ea typeface="华文楷体" panose="02010600040101010101" pitchFamily="2" charset="-122"/>
+              </a:rPr>
+              <a:t>值不会发生变化的变量</a:t>
+            </a:r>
+            <a:r>
+              <a:rPr lang="zh-CN" altLang="en-US" sz="2000" dirty="0" smtClean="0">
+                <a:latin typeface="华文楷体" panose="02010600040101010101" pitchFamily="2" charset="-122"/>
+                <a:ea typeface="华文楷体" panose="02010600040101010101" pitchFamily="2" charset="-122"/>
+              </a:rPr>
+              <a:t>。</a:t>
+            </a:r>
+            <a:endParaRPr lang="en-US" altLang="zh-CN" sz="2000" dirty="0" smtClean="0">
+              <a:latin typeface="华文楷体" panose="02010600040101010101" pitchFamily="2" charset="-122"/>
+              <a:ea typeface="华文楷体" panose="02010600040101010101" pitchFamily="2" charset="-122"/>
+            </a:endParaRPr>
+          </a:p>
+          <a:p>
+            <a:r>
+              <a:rPr lang="zh-CN" altLang="en-US" sz="2000" dirty="0">
+                <a:latin typeface="华文楷体" panose="02010600040101010101" pitchFamily="2" charset="-122"/>
+                <a:ea typeface="华文楷体" panose="02010600040101010101" pitchFamily="2" charset="-122"/>
+              </a:rPr>
+              <a:t>不要指望编译器会捕获所有并发访问错误。不可变的约束只作用在局部变量上。如果</a:t>
+            </a:r>
+            <a:r>
+              <a:rPr lang="en-US" altLang="zh-CN" sz="2000" dirty="0">
+                <a:latin typeface="华文楷体" panose="02010600040101010101" pitchFamily="2" charset="-122"/>
+                <a:ea typeface="华文楷体" panose="02010600040101010101" pitchFamily="2" charset="-122"/>
+              </a:rPr>
+              <a:t>matches</a:t>
+            </a:r>
+            <a:r>
+              <a:rPr lang="zh-CN" altLang="en-US" sz="2000" dirty="0">
+                <a:latin typeface="华文楷体" panose="02010600040101010101" pitchFamily="2" charset="-122"/>
+                <a:ea typeface="华文楷体" panose="02010600040101010101" pitchFamily="2" charset="-122"/>
+              </a:rPr>
+              <a:t>是一个实例变量或者某个闭合类的静态变量，那么不会有任何错误被报告出来，即使结果同样未定义。</a:t>
+            </a:r>
+          </a:p>
+          <a:p>
+            <a:r>
+              <a:rPr lang="zh-CN" altLang="en-US" sz="2000" dirty="0">
+                <a:latin typeface="华文楷体" panose="02010600040101010101" pitchFamily="2" charset="-122"/>
+                <a:ea typeface="华文楷体" panose="02010600040101010101" pitchFamily="2" charset="-122"/>
+              </a:rPr>
+              <a:t>同样，改变一个共享对象也是完全合法的，即使这样并不恰当。</a:t>
+            </a:r>
+            <a:r>
+              <a:rPr lang="zh-CN" altLang="en-US" sz="2000" dirty="0" smtClean="0">
+                <a:latin typeface="华文楷体" panose="02010600040101010101" pitchFamily="2" charset="-122"/>
+                <a:ea typeface="华文楷体" panose="02010600040101010101" pitchFamily="2" charset="-122"/>
+              </a:rPr>
+              <a:t>例如</a:t>
+            </a:r>
+            <a:r>
+              <a:rPr lang="en-US" altLang="zh-CN" sz="2000" dirty="0" smtClean="0">
+                <a:latin typeface="华文楷体" panose="02010600040101010101" pitchFamily="2" charset="-122"/>
+                <a:ea typeface="华文楷体" panose="02010600040101010101" pitchFamily="2" charset="-122"/>
+              </a:rPr>
+              <a:t>:</a:t>
+            </a:r>
+          </a:p>
+          <a:p>
+            <a:endParaRPr lang="zh-CN" altLang="en-US" sz="2000" dirty="0">
+              <a:latin typeface="华文楷体" panose="02010600040101010101" pitchFamily="2" charset="-122"/>
+              <a:ea typeface="华文楷体" panose="02010600040101010101" pitchFamily="2" charset="-122"/>
+            </a:endParaRPr>
+          </a:p>
+        </p:txBody>
+      </p:sp>
+      <p:sp>
+        <p:nvSpPr>
+          <p:cNvPr id="7" name="矩形 6"/>
+          <p:cNvSpPr/>
+          <p:nvPr/>
+        </p:nvSpPr>
+        <p:spPr>
+          <a:xfrm>
+            <a:off x="934615" y="5335564"/>
+            <a:ext cx="9305731" cy="1200329"/>
+          </a:xfrm>
+          <a:prstGeom prst="rect">
+            <a:avLst/>
+          </a:prstGeom>
+        </p:spPr>
+        <p:txBody>
+          <a:bodyPr wrap="square">
+            <a:spAutoFit/>
+          </a:bodyPr>
+          <a:lstStyle/>
+          <a:p>
+            <a:r>
+              <a:rPr lang="en-US" altLang="zh-CN" dirty="0" smtClean="0">
+                <a:latin typeface="华文楷体" panose="02010600040101010101" pitchFamily="2" charset="-122"/>
+                <a:ea typeface="华文楷体" panose="02010600040101010101" pitchFamily="2" charset="-122"/>
+              </a:rPr>
+              <a:t>List&lt;Path&gt; </a:t>
+            </a:r>
+            <a:r>
+              <a:rPr lang="zh-CN" altLang="en-US" dirty="0" smtClean="0">
+                <a:latin typeface="华文楷体" panose="02010600040101010101" pitchFamily="2" charset="-122"/>
+                <a:ea typeface="华文楷体" panose="02010600040101010101" pitchFamily="2" charset="-122"/>
+              </a:rPr>
+              <a:t> matches=</a:t>
+            </a:r>
+            <a:r>
+              <a:rPr lang="en-US" altLang="zh-CN" dirty="0" smtClean="0">
+                <a:latin typeface="华文楷体" panose="02010600040101010101" pitchFamily="2" charset="-122"/>
+                <a:ea typeface="华文楷体" panose="02010600040101010101" pitchFamily="2" charset="-122"/>
+              </a:rPr>
+              <a:t>new </a:t>
+            </a:r>
+            <a:r>
+              <a:rPr lang="en-US" altLang="zh-CN" dirty="0" err="1" smtClean="0">
+                <a:latin typeface="华文楷体" panose="02010600040101010101" pitchFamily="2" charset="-122"/>
+                <a:ea typeface="华文楷体" panose="02010600040101010101" pitchFamily="2" charset="-122"/>
+              </a:rPr>
+              <a:t>ArrayList</a:t>
+            </a:r>
+            <a:r>
+              <a:rPr lang="en-US" altLang="zh-CN" dirty="0" smtClean="0">
+                <a:latin typeface="华文楷体" panose="02010600040101010101" pitchFamily="2" charset="-122"/>
+                <a:ea typeface="华文楷体" panose="02010600040101010101" pitchFamily="2" charset="-122"/>
+              </a:rPr>
+              <a:t>&lt;&gt;()</a:t>
+            </a:r>
+            <a:r>
+              <a:rPr lang="zh-CN" altLang="en-US" dirty="0" smtClean="0">
+                <a:latin typeface="华文楷体" panose="02010600040101010101" pitchFamily="2" charset="-122"/>
+                <a:ea typeface="华文楷体" panose="02010600040101010101" pitchFamily="2" charset="-122"/>
+              </a:rPr>
+              <a:t>;</a:t>
+            </a:r>
+            <a:endParaRPr lang="zh-CN" altLang="en-US" dirty="0">
+              <a:latin typeface="华文楷体" panose="02010600040101010101" pitchFamily="2" charset="-122"/>
+              <a:ea typeface="华文楷体" panose="02010600040101010101" pitchFamily="2" charset="-122"/>
+            </a:endParaRPr>
+          </a:p>
+          <a:p>
+            <a:r>
+              <a:rPr lang="zh-CN" altLang="en-US" dirty="0">
+                <a:latin typeface="华文楷体" panose="02010600040101010101" pitchFamily="2" charset="-122"/>
+                <a:ea typeface="华文楷体" panose="02010600040101010101" pitchFamily="2" charset="-122"/>
+              </a:rPr>
+              <a:t>for(</a:t>
+            </a:r>
+            <a:r>
+              <a:rPr lang="zh-CN" altLang="en-US" dirty="0" smtClean="0">
+                <a:latin typeface="华文楷体" panose="02010600040101010101" pitchFamily="2" charset="-122"/>
+                <a:ea typeface="华文楷体" panose="02010600040101010101" pitchFamily="2" charset="-122"/>
+              </a:rPr>
+              <a:t>Path  p : files</a:t>
+            </a:r>
+            <a:r>
+              <a:rPr lang="zh-CN" altLang="en-US" dirty="0">
+                <a:latin typeface="华文楷体" panose="02010600040101010101" pitchFamily="2" charset="-122"/>
+                <a:ea typeface="华文楷体" panose="02010600040101010101" pitchFamily="2" charset="-122"/>
+              </a:rPr>
+              <a:t>)</a:t>
+            </a:r>
+          </a:p>
+          <a:p>
+            <a:r>
+              <a:rPr lang="en-US" altLang="zh-CN" dirty="0" smtClean="0">
+                <a:latin typeface="华文楷体" panose="02010600040101010101" pitchFamily="2" charset="-122"/>
+                <a:ea typeface="华文楷体" panose="02010600040101010101" pitchFamily="2" charset="-122"/>
+              </a:rPr>
+              <a:t>	</a:t>
+            </a:r>
+            <a:r>
+              <a:rPr lang="zh-CN" altLang="en-US" dirty="0" smtClean="0">
+                <a:latin typeface="华文楷体" panose="02010600040101010101" pitchFamily="2" charset="-122"/>
+                <a:ea typeface="华文楷体" panose="02010600040101010101" pitchFamily="2" charset="-122"/>
+              </a:rPr>
+              <a:t>newThread(</a:t>
+            </a:r>
+            <a:r>
+              <a:rPr lang="en-US" altLang="zh-CN" dirty="0" smtClean="0">
+                <a:latin typeface="华文楷体" panose="02010600040101010101" pitchFamily="2" charset="-122"/>
+                <a:ea typeface="华文楷体" panose="02010600040101010101" pitchFamily="2" charset="-122"/>
+              </a:rPr>
+              <a:t>()-&gt;{</a:t>
+            </a:r>
+            <a:r>
+              <a:rPr lang="zh-CN" altLang="en-US" dirty="0">
+                <a:latin typeface="华文楷体" panose="02010600040101010101" pitchFamily="2" charset="-122"/>
+                <a:ea typeface="华文楷体" panose="02010600040101010101" pitchFamily="2" charset="-122"/>
+              </a:rPr>
+              <a:t>if(p中包含某些属性</a:t>
+            </a:r>
+            <a:r>
+              <a:rPr lang="zh-CN" altLang="en-US" dirty="0" smtClean="0">
+                <a:latin typeface="华文楷体" panose="02010600040101010101" pitchFamily="2" charset="-122"/>
+                <a:ea typeface="华文楷体" panose="02010600040101010101" pitchFamily="2" charset="-122"/>
+              </a:rPr>
+              <a:t>）</a:t>
+            </a:r>
+            <a:r>
+              <a:rPr lang="zh-CN" altLang="en-US" dirty="0">
+                <a:latin typeface="华文楷体" panose="02010600040101010101" pitchFamily="2" charset="-122"/>
+                <a:ea typeface="华文楷体" panose="02010600040101010101" pitchFamily="2" charset="-122"/>
+              </a:rPr>
+              <a:t> </a:t>
+            </a:r>
+            <a:r>
+              <a:rPr lang="zh-CN" altLang="en-US" dirty="0" smtClean="0">
+                <a:latin typeface="华文楷体" panose="02010600040101010101" pitchFamily="2" charset="-122"/>
+                <a:ea typeface="华文楷体" panose="02010600040101010101" pitchFamily="2" charset="-122"/>
+              </a:rPr>
+              <a:t>matches</a:t>
+            </a:r>
+            <a:r>
+              <a:rPr lang="en-US" altLang="zh-CN" dirty="0" smtClean="0">
+                <a:latin typeface="华文楷体" panose="02010600040101010101" pitchFamily="2" charset="-122"/>
+                <a:ea typeface="华文楷体" panose="02010600040101010101" pitchFamily="2" charset="-122"/>
+              </a:rPr>
+              <a:t>.add(p)</a:t>
+            </a:r>
+            <a:r>
+              <a:rPr lang="zh-CN" altLang="en-US" dirty="0" smtClean="0">
+                <a:latin typeface="华文楷体" panose="02010600040101010101" pitchFamily="2" charset="-122"/>
+                <a:ea typeface="华文楷体" panose="02010600040101010101" pitchFamily="2" charset="-122"/>
+              </a:rPr>
+              <a:t>;</a:t>
+            </a:r>
+            <a:r>
+              <a:rPr lang="en-US" altLang="zh-CN" dirty="0" smtClean="0">
+                <a:latin typeface="华文楷体" panose="02010600040101010101" pitchFamily="2" charset="-122"/>
+                <a:ea typeface="华文楷体" panose="02010600040101010101" pitchFamily="2" charset="-122"/>
+              </a:rPr>
+              <a:t> }).start()</a:t>
+            </a:r>
+            <a:r>
+              <a:rPr lang="zh-CN" altLang="en-US" dirty="0" smtClean="0">
+                <a:latin typeface="华文楷体" panose="02010600040101010101" pitchFamily="2" charset="-122"/>
+                <a:ea typeface="华文楷体" panose="02010600040101010101" pitchFamily="2" charset="-122"/>
+              </a:rPr>
+              <a:t>;</a:t>
+            </a:r>
+            <a:endParaRPr lang="zh-CN" altLang="en-US" dirty="0">
+              <a:latin typeface="华文楷体" panose="02010600040101010101" pitchFamily="2" charset="-122"/>
+              <a:ea typeface="华文楷体" panose="02010600040101010101" pitchFamily="2" charset="-122"/>
+            </a:endParaRPr>
+          </a:p>
+          <a:p>
+            <a:r>
+              <a:rPr lang="en-US" altLang="zh-CN" dirty="0" smtClean="0">
+                <a:latin typeface="华文楷体" panose="02010600040101010101" pitchFamily="2" charset="-122"/>
+                <a:ea typeface="华文楷体" panose="02010600040101010101" pitchFamily="2" charset="-122"/>
+              </a:rPr>
+              <a:t>	//</a:t>
+            </a:r>
+            <a:r>
+              <a:rPr lang="zh-CN" altLang="en-US" dirty="0" smtClean="0">
+                <a:latin typeface="华文楷体" panose="02010600040101010101" pitchFamily="2" charset="-122"/>
+                <a:ea typeface="华文楷体" panose="02010600040101010101" pitchFamily="2" charset="-122"/>
+              </a:rPr>
+              <a:t>你可以改变matches的值。但是在多线程的环境下是不安全的。</a:t>
+            </a:r>
+            <a:endParaRPr lang="zh-CN" altLang="en-US" dirty="0">
+              <a:latin typeface="华文楷体" panose="02010600040101010101" pitchFamily="2" charset="-122"/>
+              <a:ea typeface="华文楷体" panose="02010600040101010101" pitchFamily="2" charset="-122"/>
+            </a:endParaRPr>
           </a:p>
         </p:txBody>
       </p:sp>
@@ -10451,25 +13455,6 @@
       </p:grpSpPr>
       <p:sp>
         <p:nvSpPr>
-          <p:cNvPr id="2" name="标题 1"/>
-          <p:cNvSpPr>
-            <a:spLocks noGrp="1"/>
-          </p:cNvSpPr>
-          <p:nvPr>
-            <p:ph type="title"/>
-          </p:nvPr>
-        </p:nvSpPr>
-        <p:spPr/>
-        <p:txBody>
-          <a:bodyPr/>
-          <a:lstStyle/>
-          <a:p>
-            <a:endParaRPr lang="zh-CN" altLang="en-US" dirty="0"/>
-          </a:p>
-        </p:txBody>
-      </p:sp>
-      <p:sp>
-        <p:nvSpPr>
           <p:cNvPr id="3" name="内容占位符 2"/>
           <p:cNvSpPr>
             <a:spLocks noGrp="1"/>
@@ -10478,14 +13463,607 @@
             <p:ph idx="1"/>
           </p:nvPr>
         </p:nvSpPr>
-        <p:spPr/>
+        <p:spPr>
+          <a:xfrm>
+            <a:off x="572277" y="365384"/>
+            <a:ext cx="10515600" cy="2995036"/>
+          </a:xfrm>
+        </p:spPr>
         <p:txBody>
           <a:bodyPr>
             <a:normAutofit/>
           </a:bodyPr>
           <a:lstStyle/>
           <a:p>
-            <a:endParaRPr lang="zh-CN" altLang="en-US" sz="2000" dirty="0"/>
+            <a:r>
+              <a:rPr lang="zh-CN" altLang="en-US" sz="2000" dirty="0">
+                <a:latin typeface="华文楷体" panose="02010600040101010101" pitchFamily="2" charset="-122"/>
+                <a:ea typeface="华文楷体" panose="02010600040101010101" pitchFamily="2" charset="-122"/>
+              </a:rPr>
+              <a:t>注意</a:t>
+            </a:r>
+            <a:r>
+              <a:rPr lang="en-US" altLang="zh-CN" sz="2000" dirty="0">
+                <a:latin typeface="华文楷体" panose="02010600040101010101" pitchFamily="2" charset="-122"/>
+                <a:ea typeface="华文楷体" panose="02010600040101010101" pitchFamily="2" charset="-122"/>
+              </a:rPr>
+              <a:t>matches</a:t>
+            </a:r>
+            <a:r>
+              <a:rPr lang="zh-CN" altLang="en-US" sz="2000" dirty="0">
+                <a:latin typeface="华文楷体" panose="02010600040101010101" pitchFamily="2" charset="-122"/>
+                <a:ea typeface="华文楷体" panose="02010600040101010101" pitchFamily="2" charset="-122"/>
+              </a:rPr>
+              <a:t>是“有效</a:t>
+            </a:r>
+            <a:r>
+              <a:rPr lang="en-US" altLang="zh-CN" sz="2000" dirty="0">
+                <a:latin typeface="华文楷体" panose="02010600040101010101" pitchFamily="2" charset="-122"/>
+                <a:ea typeface="华文楷体" panose="02010600040101010101" pitchFamily="2" charset="-122"/>
+              </a:rPr>
+              <a:t>final”</a:t>
+            </a:r>
+            <a:r>
+              <a:rPr lang="zh-CN" altLang="en-US" sz="2000" dirty="0">
+                <a:latin typeface="华文楷体" panose="02010600040101010101" pitchFamily="2" charset="-122"/>
+                <a:ea typeface="华文楷体" panose="02010600040101010101" pitchFamily="2" charset="-122"/>
+              </a:rPr>
+              <a:t>的（一个有效的</a:t>
+            </a:r>
+            <a:r>
+              <a:rPr lang="en-US" altLang="zh-CN" sz="2000" dirty="0">
+                <a:latin typeface="华文楷体" panose="02010600040101010101" pitchFamily="2" charset="-122"/>
+                <a:ea typeface="华文楷体" panose="02010600040101010101" pitchFamily="2" charset="-122"/>
+              </a:rPr>
+              <a:t>final</a:t>
+            </a:r>
+            <a:r>
+              <a:rPr lang="zh-CN" altLang="en-US" sz="2000" dirty="0">
+                <a:latin typeface="华文楷体" panose="02010600040101010101" pitchFamily="2" charset="-122"/>
+                <a:ea typeface="华文楷体" panose="02010600040101010101" pitchFamily="2" charset="-122"/>
+              </a:rPr>
+              <a:t>变量被初始化后，就永远不会再被赋予一个新值的变量</a:t>
+            </a:r>
+            <a:r>
+              <a:rPr lang="en-US" altLang="zh-CN" sz="2000" dirty="0">
+                <a:latin typeface="华文楷体" panose="02010600040101010101" pitchFamily="2" charset="-122"/>
+                <a:ea typeface="华文楷体" panose="02010600040101010101" pitchFamily="2" charset="-122"/>
+              </a:rPr>
+              <a:t>〉</a:t>
+            </a:r>
+            <a:r>
+              <a:rPr lang="zh-CN" altLang="en-US" sz="2000" dirty="0">
+                <a:latin typeface="华文楷体" panose="02010600040101010101" pitchFamily="2" charset="-122"/>
+                <a:ea typeface="华文楷体" panose="02010600040101010101" pitchFamily="2" charset="-122"/>
+              </a:rPr>
+              <a:t>。在我们的示例中，</a:t>
+            </a:r>
+            <a:r>
+              <a:rPr lang="en-US" altLang="zh-CN" sz="2000" dirty="0">
+                <a:latin typeface="华文楷体" panose="02010600040101010101" pitchFamily="2" charset="-122"/>
+                <a:ea typeface="华文楷体" panose="02010600040101010101" pitchFamily="2" charset="-122"/>
+              </a:rPr>
+              <a:t>matches</a:t>
+            </a:r>
+            <a:r>
+              <a:rPr lang="zh-CN" altLang="en-US" sz="2000" dirty="0">
+                <a:latin typeface="华文楷体" panose="02010600040101010101" pitchFamily="2" charset="-122"/>
+                <a:ea typeface="华文楷体" panose="02010600040101010101" pitchFamily="2" charset="-122"/>
+              </a:rPr>
+              <a:t>总是引用同一个</a:t>
+            </a:r>
+            <a:r>
+              <a:rPr lang="en-US" altLang="zh-CN" sz="2000" dirty="0" err="1">
+                <a:latin typeface="华文楷体" panose="02010600040101010101" pitchFamily="2" charset="-122"/>
+                <a:ea typeface="华文楷体" panose="02010600040101010101" pitchFamily="2" charset="-122"/>
+              </a:rPr>
+              <a:t>ArrayList</a:t>
+            </a:r>
+            <a:r>
+              <a:rPr lang="en-US" altLang="zh-CN" sz="2000" dirty="0">
+                <a:latin typeface="华文楷体" panose="02010600040101010101" pitchFamily="2" charset="-122"/>
+                <a:ea typeface="华文楷体" panose="02010600040101010101" pitchFamily="2" charset="-122"/>
+              </a:rPr>
+              <a:t>	</a:t>
+            </a:r>
+            <a:r>
+              <a:rPr lang="zh-CN" altLang="en-US" sz="2000" dirty="0">
+                <a:latin typeface="华文楷体" panose="02010600040101010101" pitchFamily="2" charset="-122"/>
+                <a:ea typeface="华文楷体" panose="02010600040101010101" pitchFamily="2" charset="-122"/>
+              </a:rPr>
+              <a:t>＜五</a:t>
+            </a:r>
+            <a:r>
+              <a:rPr lang="en-US" altLang="zh-CN" sz="2000" dirty="0">
+                <a:latin typeface="华文楷体" panose="02010600040101010101" pitchFamily="2" charset="-122"/>
+                <a:ea typeface="华文楷体" panose="02010600040101010101" pitchFamily="2" charset="-122"/>
+              </a:rPr>
+              <a:t>1</a:t>
+            </a:r>
+            <a:r>
+              <a:rPr lang="zh-CN" altLang="en-US" sz="2000" dirty="0">
+                <a:latin typeface="华文楷体" panose="02010600040101010101" pitchFamily="2" charset="-122"/>
+                <a:ea typeface="华文楷体" panose="02010600040101010101" pitchFamily="2" charset="-122"/>
+              </a:rPr>
+              <a:t>对象。但是，这个对象是可变的，因此是线程不安全的。如果多个线程同时调用</a:t>
+            </a:r>
+            <a:r>
+              <a:rPr lang="en-US" altLang="zh-CN" sz="2000" dirty="0" smtClean="0">
+                <a:latin typeface="华文楷体" panose="02010600040101010101" pitchFamily="2" charset="-122"/>
+                <a:ea typeface="华文楷体" panose="02010600040101010101" pitchFamily="2" charset="-122"/>
+              </a:rPr>
+              <a:t>add</a:t>
+            </a:r>
+            <a:r>
+              <a:rPr lang="zh-CN" altLang="en-US" sz="2000" dirty="0" smtClean="0">
+                <a:latin typeface="华文楷体" panose="02010600040101010101" pitchFamily="2" charset="-122"/>
+                <a:ea typeface="华文楷体" panose="02010600040101010101" pitchFamily="2" charset="-122"/>
+              </a:rPr>
+              <a:t>方法</a:t>
+            </a:r>
+            <a:r>
+              <a:rPr lang="zh-CN" altLang="en-US" sz="2000" dirty="0">
+                <a:latin typeface="华文楷体" panose="02010600040101010101" pitchFamily="2" charset="-122"/>
+                <a:ea typeface="华文楷体" panose="02010600040101010101" pitchFamily="2" charset="-122"/>
+              </a:rPr>
+              <a:t>，结果将无法预测。</a:t>
+            </a:r>
+          </a:p>
+          <a:p>
+            <a:r>
+              <a:rPr lang="zh-CN" altLang="en-US" sz="2000" dirty="0">
+                <a:latin typeface="华文楷体" panose="02010600040101010101" pitchFamily="2" charset="-122"/>
+                <a:ea typeface="华文楷体" panose="02010600040101010101" pitchFamily="2" charset="-122"/>
+              </a:rPr>
+              <a:t>其实也有能够并发计数和收集值的线程安全的机制。在第</a:t>
+            </a:r>
+            <a:r>
+              <a:rPr lang="en-US" altLang="zh-CN" sz="2000" dirty="0">
+                <a:latin typeface="华文楷体" panose="02010600040101010101" pitchFamily="2" charset="-122"/>
+                <a:ea typeface="华文楷体" panose="02010600040101010101" pitchFamily="2" charset="-122"/>
+              </a:rPr>
+              <a:t>2</a:t>
+            </a:r>
+            <a:r>
+              <a:rPr lang="zh-CN" altLang="en-US" sz="2000" dirty="0">
+                <a:latin typeface="华文楷体" panose="02010600040101010101" pitchFamily="2" charset="-122"/>
+                <a:ea typeface="华文楷体" panose="02010600040101010101" pitchFamily="2" charset="-122"/>
+              </a:rPr>
+              <a:t>章中，你将会学习如何使用</a:t>
+            </a:r>
+            <a:r>
+              <a:rPr lang="en-US" altLang="zh-CN" sz="2000" dirty="0">
+                <a:latin typeface="华文楷体" panose="02010600040101010101" pitchFamily="2" charset="-122"/>
+                <a:ea typeface="华文楷体" panose="02010600040101010101" pitchFamily="2" charset="-122"/>
+              </a:rPr>
+              <a:t>stream</a:t>
+            </a:r>
+            <a:r>
+              <a:rPr lang="zh-CN" altLang="en-US" sz="2000" dirty="0">
+                <a:latin typeface="华文楷体" panose="02010600040101010101" pitchFamily="2" charset="-122"/>
+                <a:ea typeface="华文楷体" panose="02010600040101010101" pitchFamily="2" charset="-122"/>
+              </a:rPr>
+              <a:t>来收集具有某些属性的值。在其他情况下，你可能希望使用线程安全的计数器和集合。关于这一重要话题的更多信息，请参考第</a:t>
+            </a:r>
+            <a:r>
+              <a:rPr lang="en-US" altLang="zh-CN" sz="2000" dirty="0">
+                <a:latin typeface="华文楷体" panose="02010600040101010101" pitchFamily="2" charset="-122"/>
+                <a:ea typeface="华文楷体" panose="02010600040101010101" pitchFamily="2" charset="-122"/>
+              </a:rPr>
+              <a:t>6</a:t>
+            </a:r>
+            <a:r>
+              <a:rPr lang="zh-CN" altLang="en-US" sz="2000" dirty="0">
+                <a:latin typeface="华文楷体" panose="02010600040101010101" pitchFamily="2" charset="-122"/>
+                <a:ea typeface="华文楷体" panose="02010600040101010101" pitchFamily="2" charset="-122"/>
+              </a:rPr>
+              <a:t>章</a:t>
+            </a:r>
+            <a:r>
+              <a:rPr lang="zh-CN" altLang="en-US" sz="2000" dirty="0" smtClean="0">
+                <a:latin typeface="华文楷体" panose="02010600040101010101" pitchFamily="2" charset="-122"/>
+                <a:ea typeface="华文楷体" panose="02010600040101010101" pitchFamily="2" charset="-122"/>
+              </a:rPr>
+              <a:t>。</a:t>
+            </a:r>
+            <a:endParaRPr lang="en-US" altLang="zh-CN" sz="2000" dirty="0" smtClean="0">
+              <a:latin typeface="华文楷体" panose="02010600040101010101" pitchFamily="2" charset="-122"/>
+              <a:ea typeface="华文楷体" panose="02010600040101010101" pitchFamily="2" charset="-122"/>
+            </a:endParaRPr>
+          </a:p>
+          <a:p>
+            <a:r>
+              <a:rPr lang="zh-CN" altLang="en-US" sz="2000" dirty="0">
+                <a:latin typeface="华文楷体" panose="02010600040101010101" pitchFamily="2" charset="-122"/>
+                <a:ea typeface="华文楷体" panose="02010600040101010101" pitchFamily="2" charset="-122"/>
+              </a:rPr>
+              <a:t>注意：同内</a:t>
+            </a:r>
+            <a:r>
+              <a:rPr lang="zh-CN" altLang="en-US" sz="2000" dirty="0" smtClean="0">
+                <a:latin typeface="华文楷体" panose="02010600040101010101" pitchFamily="2" charset="-122"/>
+                <a:ea typeface="华文楷体" panose="02010600040101010101" pitchFamily="2" charset="-122"/>
+              </a:rPr>
+              <a:t>部类一样</a:t>
+            </a:r>
+            <a:r>
+              <a:rPr lang="zh-CN" altLang="en-US" sz="2000" dirty="0">
+                <a:latin typeface="华文楷体" panose="02010600040101010101" pitchFamily="2" charset="-122"/>
+                <a:ea typeface="华文楷体" panose="02010600040101010101" pitchFamily="2" charset="-122"/>
+              </a:rPr>
+              <a:t>，我们也</a:t>
+            </a:r>
+            <a:r>
+              <a:rPr lang="zh-CN" altLang="en-US" sz="2000" dirty="0" smtClean="0">
+                <a:latin typeface="华文楷体" panose="02010600040101010101" pitchFamily="2" charset="-122"/>
+                <a:ea typeface="华文楷体" panose="02010600040101010101" pitchFamily="2" charset="-122"/>
+              </a:rPr>
+              <a:t>有一种</a:t>
+            </a:r>
+            <a:r>
+              <a:rPr lang="zh-CN" altLang="en-US" sz="2000" dirty="0">
+                <a:latin typeface="华文楷体" panose="02010600040101010101" pitchFamily="2" charset="-122"/>
+                <a:ea typeface="华文楷体" panose="02010600040101010101" pitchFamily="2" charset="-122"/>
+              </a:rPr>
+              <a:t>巧妙的方式，能够让</a:t>
+            </a:r>
+            <a:r>
+              <a:rPr lang="en-US" altLang="zh-CN" sz="2000" dirty="0">
+                <a:latin typeface="华文楷体" panose="02010600040101010101" pitchFamily="2" charset="-122"/>
+                <a:ea typeface="华文楷体" panose="02010600040101010101" pitchFamily="2" charset="-122"/>
+              </a:rPr>
+              <a:t>lambda</a:t>
+            </a:r>
+            <a:r>
+              <a:rPr lang="zh-CN" altLang="en-US" sz="2000" dirty="0">
+                <a:latin typeface="华文楷体" panose="02010600040101010101" pitchFamily="2" charset="-122"/>
+                <a:ea typeface="华文楷体" panose="02010600040101010101" pitchFamily="2" charset="-122"/>
+              </a:rPr>
+              <a:t>表达式更新一个闭合、局部作用域中的计数器。我们可以使用一个长度为</a:t>
+            </a:r>
+            <a:r>
+              <a:rPr lang="en-US" altLang="zh-CN" sz="2000" dirty="0">
+                <a:latin typeface="华文楷体" panose="02010600040101010101" pitchFamily="2" charset="-122"/>
+                <a:ea typeface="华文楷体" panose="02010600040101010101" pitchFamily="2" charset="-122"/>
+              </a:rPr>
+              <a:t>l</a:t>
+            </a:r>
+            <a:r>
+              <a:rPr lang="zh-CN" altLang="en-US" sz="2000" dirty="0">
+                <a:latin typeface="华文楷体" panose="02010600040101010101" pitchFamily="2" charset="-122"/>
+                <a:ea typeface="华文楷体" panose="02010600040101010101" pitchFamily="2" charset="-122"/>
+              </a:rPr>
+              <a:t>的数组，如下所示。</a:t>
+            </a:r>
+          </a:p>
+          <a:p>
+            <a:endParaRPr lang="zh-CN" altLang="en-US" sz="2000" dirty="0">
+              <a:latin typeface="华文楷体" panose="02010600040101010101" pitchFamily="2" charset="-122"/>
+              <a:ea typeface="华文楷体" panose="02010600040101010101" pitchFamily="2" charset="-122"/>
+            </a:endParaRPr>
+          </a:p>
+        </p:txBody>
+      </p:sp>
+      <p:sp>
+        <p:nvSpPr>
+          <p:cNvPr id="4" name="矩形 3"/>
+          <p:cNvSpPr/>
+          <p:nvPr/>
+        </p:nvSpPr>
+        <p:spPr>
+          <a:xfrm>
+            <a:off x="2194560" y="3360420"/>
+            <a:ext cx="6096000" cy="646331"/>
+          </a:xfrm>
+          <a:prstGeom prst="rect">
+            <a:avLst/>
+          </a:prstGeom>
+        </p:spPr>
+        <p:txBody>
+          <a:bodyPr>
+            <a:spAutoFit/>
+          </a:bodyPr>
+          <a:lstStyle/>
+          <a:p>
+            <a:r>
+              <a:rPr lang="en-US" altLang="zh-CN" dirty="0" err="1" smtClean="0">
+                <a:latin typeface="华文楷体" panose="02010600040101010101" pitchFamily="2" charset="-122"/>
+                <a:ea typeface="华文楷体" panose="02010600040101010101" pitchFamily="2" charset="-122"/>
+              </a:rPr>
+              <a:t>Int</a:t>
+            </a:r>
+            <a:r>
+              <a:rPr lang="en-US" altLang="zh-CN" dirty="0" smtClean="0">
+                <a:latin typeface="华文楷体" panose="02010600040101010101" pitchFamily="2" charset="-122"/>
+                <a:ea typeface="华文楷体" panose="02010600040101010101" pitchFamily="2" charset="-122"/>
+              </a:rPr>
+              <a:t>[ ] counter = new </a:t>
+            </a:r>
+            <a:r>
+              <a:rPr lang="en-US" altLang="zh-CN" dirty="0" err="1" smtClean="0">
+                <a:latin typeface="华文楷体" panose="02010600040101010101" pitchFamily="2" charset="-122"/>
+                <a:ea typeface="华文楷体" panose="02010600040101010101" pitchFamily="2" charset="-122"/>
+              </a:rPr>
+              <a:t>int</a:t>
+            </a:r>
+            <a:r>
+              <a:rPr lang="en-US" altLang="zh-CN" dirty="0" smtClean="0">
+                <a:latin typeface="华文楷体" panose="02010600040101010101" pitchFamily="2" charset="-122"/>
+                <a:ea typeface="华文楷体" panose="02010600040101010101" pitchFamily="2" charset="-122"/>
+              </a:rPr>
+              <a:t>[1];</a:t>
+            </a:r>
+          </a:p>
+          <a:p>
+            <a:r>
+              <a:rPr lang="en-US" altLang="zh-CN" dirty="0" err="1" smtClean="0">
+                <a:latin typeface="华文楷体" panose="02010600040101010101" pitchFamily="2" charset="-122"/>
+                <a:ea typeface="华文楷体" panose="02010600040101010101" pitchFamily="2" charset="-122"/>
+              </a:rPr>
+              <a:t>Button.setOnAction</a:t>
+            </a:r>
+            <a:r>
+              <a:rPr lang="en-US" altLang="zh-CN" dirty="0" smtClean="0">
+                <a:latin typeface="华文楷体" panose="02010600040101010101" pitchFamily="2" charset="-122"/>
+                <a:ea typeface="华文楷体" panose="02010600040101010101" pitchFamily="2" charset="-122"/>
+              </a:rPr>
+              <a:t>(event-&gt;count(0)++);</a:t>
+            </a:r>
+            <a:endParaRPr lang="zh-CN" altLang="en-US" dirty="0">
+              <a:latin typeface="华文楷体" panose="02010600040101010101" pitchFamily="2" charset="-122"/>
+              <a:ea typeface="华文楷体" panose="02010600040101010101" pitchFamily="2" charset="-122"/>
+            </a:endParaRPr>
+          </a:p>
+        </p:txBody>
+      </p:sp>
+      <p:sp>
+        <p:nvSpPr>
+          <p:cNvPr id="5" name="内容占位符 2"/>
+          <p:cNvSpPr txBox="1">
+            <a:spLocks/>
+          </p:cNvSpPr>
+          <p:nvPr/>
+        </p:nvSpPr>
+        <p:spPr>
+          <a:xfrm>
+            <a:off x="678957" y="4198244"/>
+            <a:ext cx="10515600" cy="2553076"/>
+          </a:xfrm>
+          <a:prstGeom prst="rect">
+            <a:avLst/>
+          </a:prstGeom>
+        </p:spPr>
+        <p:txBody>
+          <a:bodyPr vert="horz" lIns="91440" tIns="45720" rIns="91440" bIns="45720" rtlCol="0">
+            <a:normAutofit/>
+          </a:bodyPr>
+          <a:lstStyle>
+            <a:lvl1pPr marL="228600" indent="-228600" algn="l" defTabSz="914400" rtl="0" eaLnBrk="1" latinLnBrk="0" hangingPunct="1">
+              <a:lnSpc>
+                <a:spcPct val="90000"/>
+              </a:lnSpc>
+              <a:spcBef>
+                <a:spcPts val="1000"/>
+              </a:spcBef>
+              <a:buFont typeface="Arial" panose="020B0604020202020204" pitchFamily="34" charset="0"/>
+              <a:buChar char="•"/>
+              <a:defRPr sz="2800" kern="1200">
+                <a:solidFill>
+                  <a:schemeClr val="tx1"/>
+                </a:solidFill>
+                <a:latin typeface="+mn-lt"/>
+                <a:ea typeface="+mn-ea"/>
+                <a:cs typeface="+mn-cs"/>
+              </a:defRPr>
+            </a:lvl1pPr>
+            <a:lvl2pPr marL="685800" indent="-228600" algn="l" defTabSz="914400" rtl="0" eaLnBrk="1" latinLnBrk="0" hangingPunct="1">
+              <a:lnSpc>
+                <a:spcPct val="90000"/>
+              </a:lnSpc>
+              <a:spcBef>
+                <a:spcPts val="500"/>
+              </a:spcBef>
+              <a:buFont typeface="Arial" panose="020B0604020202020204" pitchFamily="34" charset="0"/>
+              <a:buChar char="•"/>
+              <a:defRPr sz="2400" kern="1200">
+                <a:solidFill>
+                  <a:schemeClr val="tx1"/>
+                </a:solidFill>
+                <a:latin typeface="+mn-lt"/>
+                <a:ea typeface="+mn-ea"/>
+                <a:cs typeface="+mn-cs"/>
+              </a:defRPr>
+            </a:lvl2pPr>
+            <a:lvl3pPr marL="1143000" indent="-228600" algn="l" defTabSz="914400" rtl="0" eaLnBrk="1" latinLnBrk="0" hangingPunct="1">
+              <a:lnSpc>
+                <a:spcPct val="90000"/>
+              </a:lnSpc>
+              <a:spcBef>
+                <a:spcPts val="500"/>
+              </a:spcBef>
+              <a:buFont typeface="Arial" panose="020B0604020202020204" pitchFamily="34" charset="0"/>
+              <a:buChar char="•"/>
+              <a:defRPr sz="2000" kern="1200">
+                <a:solidFill>
+                  <a:schemeClr val="tx1"/>
+                </a:solidFill>
+                <a:latin typeface="+mn-lt"/>
+                <a:ea typeface="+mn-ea"/>
+                <a:cs typeface="+mn-cs"/>
+              </a:defRPr>
+            </a:lvl3pPr>
+            <a:lvl4pPr marL="1600200" indent="-228600" algn="l" defTabSz="914400" rtl="0" eaLnBrk="1" latinLnBrk="0" hangingPunct="1">
+              <a:lnSpc>
+                <a:spcPct val="90000"/>
+              </a:lnSpc>
+              <a:spcBef>
+                <a:spcPts val="500"/>
+              </a:spcBef>
+              <a:buFont typeface="Arial" panose="020B0604020202020204" pitchFamily="34" charset="0"/>
+              <a:buChar char="•"/>
+              <a:defRPr sz="1800" kern="1200">
+                <a:solidFill>
+                  <a:schemeClr val="tx1"/>
+                </a:solidFill>
+                <a:latin typeface="+mn-lt"/>
+                <a:ea typeface="+mn-ea"/>
+                <a:cs typeface="+mn-cs"/>
+              </a:defRPr>
+            </a:lvl4pPr>
+            <a:lvl5pPr marL="2057400" indent="-228600" algn="l" defTabSz="914400" rtl="0" eaLnBrk="1" latinLnBrk="0" hangingPunct="1">
+              <a:lnSpc>
+                <a:spcPct val="90000"/>
+              </a:lnSpc>
+              <a:spcBef>
+                <a:spcPts val="500"/>
+              </a:spcBef>
+              <a:buFont typeface="Arial" panose="020B0604020202020204" pitchFamily="34" charset="0"/>
+              <a:buChar char="•"/>
+              <a:defRPr sz="1800" kern="1200">
+                <a:solidFill>
+                  <a:schemeClr val="tx1"/>
+                </a:solidFill>
+                <a:latin typeface="+mn-lt"/>
+                <a:ea typeface="+mn-ea"/>
+                <a:cs typeface="+mn-cs"/>
+              </a:defRPr>
+            </a:lvl5pPr>
+            <a:lvl6pPr marL="2514600" indent="-228600" algn="l" defTabSz="914400" rtl="0" eaLnBrk="1" latinLnBrk="0" hangingPunct="1">
+              <a:lnSpc>
+                <a:spcPct val="90000"/>
+              </a:lnSpc>
+              <a:spcBef>
+                <a:spcPts val="500"/>
+              </a:spcBef>
+              <a:buFont typeface="Arial" panose="020B0604020202020204" pitchFamily="34" charset="0"/>
+              <a:buChar char="•"/>
+              <a:defRPr sz="1800" kern="1200">
+                <a:solidFill>
+                  <a:schemeClr val="tx1"/>
+                </a:solidFill>
+                <a:latin typeface="+mn-lt"/>
+                <a:ea typeface="+mn-ea"/>
+                <a:cs typeface="+mn-cs"/>
+              </a:defRPr>
+            </a:lvl6pPr>
+            <a:lvl7pPr marL="2971800" indent="-228600" algn="l" defTabSz="914400" rtl="0" eaLnBrk="1" latinLnBrk="0" hangingPunct="1">
+              <a:lnSpc>
+                <a:spcPct val="90000"/>
+              </a:lnSpc>
+              <a:spcBef>
+                <a:spcPts val="500"/>
+              </a:spcBef>
+              <a:buFont typeface="Arial" panose="020B0604020202020204" pitchFamily="34" charset="0"/>
+              <a:buChar char="•"/>
+              <a:defRPr sz="1800" kern="1200">
+                <a:solidFill>
+                  <a:schemeClr val="tx1"/>
+                </a:solidFill>
+                <a:latin typeface="+mn-lt"/>
+                <a:ea typeface="+mn-ea"/>
+                <a:cs typeface="+mn-cs"/>
+              </a:defRPr>
+            </a:lvl7pPr>
+            <a:lvl8pPr marL="3429000" indent="-228600" algn="l" defTabSz="914400" rtl="0" eaLnBrk="1" latinLnBrk="0" hangingPunct="1">
+              <a:lnSpc>
+                <a:spcPct val="90000"/>
+              </a:lnSpc>
+              <a:spcBef>
+                <a:spcPts val="500"/>
+              </a:spcBef>
+              <a:buFont typeface="Arial" panose="020B0604020202020204" pitchFamily="34" charset="0"/>
+              <a:buChar char="•"/>
+              <a:defRPr sz="1800" kern="1200">
+                <a:solidFill>
+                  <a:schemeClr val="tx1"/>
+                </a:solidFill>
+                <a:latin typeface="+mn-lt"/>
+                <a:ea typeface="+mn-ea"/>
+                <a:cs typeface="+mn-cs"/>
+              </a:defRPr>
+            </a:lvl8pPr>
+            <a:lvl9pPr marL="3886200" indent="-228600" algn="l" defTabSz="914400" rtl="0" eaLnBrk="1" latinLnBrk="0" hangingPunct="1">
+              <a:lnSpc>
+                <a:spcPct val="90000"/>
+              </a:lnSpc>
+              <a:spcBef>
+                <a:spcPts val="500"/>
+              </a:spcBef>
+              <a:buFont typeface="Arial" panose="020B0604020202020204" pitchFamily="34" charset="0"/>
+              <a:buChar char="•"/>
+              <a:defRPr sz="1800" kern="1200">
+                <a:solidFill>
+                  <a:schemeClr val="tx1"/>
+                </a:solidFill>
+                <a:latin typeface="+mn-lt"/>
+                <a:ea typeface="+mn-ea"/>
+                <a:cs typeface="+mn-cs"/>
+              </a:defRPr>
+            </a:lvl9pPr>
+          </a:lstStyle>
+          <a:p>
+            <a:r>
+              <a:rPr lang="zh-CN" altLang="en-US" sz="2000" dirty="0">
+                <a:latin typeface="华文楷体" panose="02010600040101010101" pitchFamily="2" charset="-122"/>
+                <a:ea typeface="华文楷体" panose="02010600040101010101" pitchFamily="2" charset="-122"/>
+              </a:rPr>
+              <a:t>当然，像这样的代码不是线程安全的。对于一个按钮的回调方法来说，这无关紧要，但是一般来说，如果你真的想使用这种小技巧，还是应当三思而行。在第</a:t>
+            </a:r>
+            <a:r>
+              <a:rPr lang="en-US" altLang="zh-CN" sz="2000" dirty="0">
+                <a:latin typeface="华文楷体" panose="02010600040101010101" pitchFamily="2" charset="-122"/>
+                <a:ea typeface="华文楷体" panose="02010600040101010101" pitchFamily="2" charset="-122"/>
+              </a:rPr>
+              <a:t>6</a:t>
+            </a:r>
+            <a:r>
+              <a:rPr lang="zh-CN" altLang="en-US" sz="2000" dirty="0">
+                <a:latin typeface="华文楷体" panose="02010600040101010101" pitchFamily="2" charset="-122"/>
+                <a:ea typeface="华文楷体" panose="02010600040101010101" pitchFamily="2" charset="-122"/>
+              </a:rPr>
+              <a:t>章你将会学习如何实现一个线程安全的共享计数器</a:t>
+            </a:r>
+            <a:r>
+              <a:rPr lang="zh-CN" altLang="en-US" sz="2000" dirty="0" smtClean="0">
+                <a:latin typeface="华文楷体" panose="02010600040101010101" pitchFamily="2" charset="-122"/>
+                <a:ea typeface="华文楷体" panose="02010600040101010101" pitchFamily="2" charset="-122"/>
+              </a:rPr>
+              <a:t>。</a:t>
+            </a:r>
+            <a:endParaRPr lang="en-US" altLang="zh-CN" sz="2000" dirty="0" smtClean="0">
+              <a:latin typeface="华文楷体" panose="02010600040101010101" pitchFamily="2" charset="-122"/>
+              <a:ea typeface="华文楷体" panose="02010600040101010101" pitchFamily="2" charset="-122"/>
+            </a:endParaRPr>
+          </a:p>
+          <a:p>
+            <a:r>
+              <a:rPr lang="en-US" altLang="zh-CN" sz="2000" dirty="0">
+                <a:latin typeface="华文楷体" panose="02010600040101010101" pitchFamily="2" charset="-122"/>
+                <a:ea typeface="华文楷体" panose="02010600040101010101" pitchFamily="2" charset="-122"/>
+              </a:rPr>
+              <a:t>lambda</a:t>
+            </a:r>
+            <a:r>
+              <a:rPr lang="zh-CN" altLang="en-US" sz="2000" dirty="0">
+                <a:latin typeface="华文楷体" panose="02010600040101010101" pitchFamily="2" charset="-122"/>
+                <a:ea typeface="华文楷体" panose="02010600040101010101" pitchFamily="2" charset="-122"/>
+              </a:rPr>
+              <a:t>表达式的方法体与嵌套代码块有着相同的作用域。因此它也适用同样的命名冲突和屏蔽规则。在</a:t>
+            </a:r>
+            <a:r>
+              <a:rPr lang="en-US" altLang="zh-CN" sz="2000" dirty="0">
+                <a:latin typeface="华文楷体" panose="02010600040101010101" pitchFamily="2" charset="-122"/>
+                <a:ea typeface="华文楷体" panose="02010600040101010101" pitchFamily="2" charset="-122"/>
+              </a:rPr>
+              <a:t>lambda</a:t>
+            </a:r>
+            <a:r>
+              <a:rPr lang="zh-CN" altLang="en-US" sz="2000" dirty="0">
+                <a:latin typeface="华文楷体" panose="02010600040101010101" pitchFamily="2" charset="-122"/>
+                <a:ea typeface="华文楷体" panose="02010600040101010101" pitchFamily="2" charset="-122"/>
+              </a:rPr>
+              <a:t>表达式中不允许声明一个与局部变量同名的参数或者局部变量。</a:t>
+            </a:r>
           </a:p>
         </p:txBody>
       </p:sp>
@@ -10521,25 +14099,6 @@
       </p:grpSpPr>
       <p:sp>
         <p:nvSpPr>
-          <p:cNvPr id="2" name="标题 1"/>
-          <p:cNvSpPr>
-            <a:spLocks noGrp="1"/>
-          </p:cNvSpPr>
-          <p:nvPr>
-            <p:ph type="title"/>
-          </p:nvPr>
-        </p:nvSpPr>
-        <p:spPr/>
-        <p:txBody>
-          <a:bodyPr/>
-          <a:lstStyle/>
-          <a:p>
-            <a:endParaRPr lang="zh-CN" altLang="en-US" dirty="0"/>
-          </a:p>
-        </p:txBody>
-      </p:sp>
-      <p:sp>
-        <p:nvSpPr>
           <p:cNvPr id="3" name="内容占位符 2"/>
           <p:cNvSpPr>
             <a:spLocks noGrp="1"/>
@@ -10548,14 +14107,1278 @@
             <p:ph idx="1"/>
           </p:nvPr>
         </p:nvSpPr>
-        <p:spPr/>
+        <p:spPr>
+          <a:xfrm>
+            <a:off x="697230" y="1406525"/>
+            <a:ext cx="10515600" cy="1489075"/>
+          </a:xfrm>
+        </p:spPr>
         <p:txBody>
           <a:bodyPr>
             <a:normAutofit/>
           </a:bodyPr>
           <a:lstStyle/>
           <a:p>
-            <a:endParaRPr lang="zh-CN" altLang="en-US" sz="2000" dirty="0"/>
+            <a:r>
+              <a:rPr lang="zh-CN" altLang="en-US" sz="2000" dirty="0">
+                <a:latin typeface="华文楷体" panose="02010600040101010101" pitchFamily="2" charset="-122"/>
+                <a:ea typeface="华文楷体" panose="02010600040101010101" pitchFamily="2" charset="-122"/>
+              </a:rPr>
+              <a:t>在一个方法中，你不能有两个同名的局部变量，因此，你也不能在</a:t>
+            </a:r>
+            <a:r>
+              <a:rPr lang="en-US" altLang="zh-CN" sz="2000" dirty="0">
+                <a:latin typeface="华文楷体" panose="02010600040101010101" pitchFamily="2" charset="-122"/>
+                <a:ea typeface="华文楷体" panose="02010600040101010101" pitchFamily="2" charset="-122"/>
+              </a:rPr>
+              <a:t>lambda</a:t>
+            </a:r>
+            <a:r>
+              <a:rPr lang="zh-CN" altLang="en-US" sz="2000" dirty="0">
+                <a:latin typeface="华文楷体" panose="02010600040101010101" pitchFamily="2" charset="-122"/>
+                <a:ea typeface="华文楷体" panose="02010600040101010101" pitchFamily="2" charset="-122"/>
+              </a:rPr>
+              <a:t>表达式中引入这样的变量。</a:t>
+            </a:r>
+          </a:p>
+          <a:p>
+            <a:r>
+              <a:rPr lang="zh-CN" altLang="en-US" sz="2000" dirty="0">
+                <a:latin typeface="华文楷体" panose="02010600040101010101" pitchFamily="2" charset="-122"/>
+                <a:ea typeface="华文楷体" panose="02010600040101010101" pitchFamily="2" charset="-122"/>
+              </a:rPr>
+              <a:t>当你在</a:t>
+            </a:r>
+            <a:r>
+              <a:rPr lang="en-US" altLang="zh-CN" sz="2000" dirty="0">
+                <a:latin typeface="华文楷体" panose="02010600040101010101" pitchFamily="2" charset="-122"/>
+                <a:ea typeface="华文楷体" panose="02010600040101010101" pitchFamily="2" charset="-122"/>
+              </a:rPr>
+              <a:t>lambda</a:t>
+            </a:r>
+            <a:r>
+              <a:rPr lang="zh-CN" altLang="en-US" sz="2000" dirty="0">
+                <a:latin typeface="华文楷体" panose="02010600040101010101" pitchFamily="2" charset="-122"/>
+                <a:ea typeface="华文楷体" panose="02010600040101010101" pitchFamily="2" charset="-122"/>
+              </a:rPr>
+              <a:t>表达式中使用</a:t>
+            </a:r>
+            <a:r>
+              <a:rPr lang="en-US" altLang="zh-CN" sz="2000" dirty="0">
+                <a:latin typeface="华文楷体" panose="02010600040101010101" pitchFamily="2" charset="-122"/>
+                <a:ea typeface="华文楷体" panose="02010600040101010101" pitchFamily="2" charset="-122"/>
+              </a:rPr>
+              <a:t>this</a:t>
+            </a:r>
+            <a:r>
+              <a:rPr lang="zh-CN" altLang="en-US" sz="2000" dirty="0">
+                <a:latin typeface="华文楷体" panose="02010600040101010101" pitchFamily="2" charset="-122"/>
+                <a:ea typeface="华文楷体" panose="02010600040101010101" pitchFamily="2" charset="-122"/>
+              </a:rPr>
+              <a:t>关键字时，你会引用创建该</a:t>
+            </a:r>
+            <a:r>
+              <a:rPr lang="en-US" altLang="zh-CN" sz="2000" dirty="0">
+                <a:latin typeface="华文楷体" panose="02010600040101010101" pitchFamily="2" charset="-122"/>
+                <a:ea typeface="华文楷体" panose="02010600040101010101" pitchFamily="2" charset="-122"/>
+              </a:rPr>
+              <a:t>lambda</a:t>
+            </a:r>
+            <a:r>
+              <a:rPr lang="zh-CN" altLang="en-US" sz="2000" dirty="0">
+                <a:latin typeface="华文楷体" panose="02010600040101010101" pitchFamily="2" charset="-122"/>
+                <a:ea typeface="华文楷体" panose="02010600040101010101" pitchFamily="2" charset="-122"/>
+              </a:rPr>
+              <a:t>表达式的方法的</a:t>
+            </a:r>
+            <a:r>
+              <a:rPr lang="en-US" altLang="zh-CN" sz="2000" dirty="0">
+                <a:latin typeface="华文楷体" panose="02010600040101010101" pitchFamily="2" charset="-122"/>
+                <a:ea typeface="华文楷体" panose="02010600040101010101" pitchFamily="2" charset="-122"/>
+              </a:rPr>
+              <a:t>this</a:t>
+            </a:r>
+            <a:r>
+              <a:rPr lang="zh-CN" altLang="en-US" sz="2000" dirty="0">
+                <a:latin typeface="华文楷体" panose="02010600040101010101" pitchFamily="2" charset="-122"/>
+                <a:ea typeface="华文楷体" panose="02010600040101010101" pitchFamily="2" charset="-122"/>
+              </a:rPr>
+              <a:t>参数，以下面的代码为例：</a:t>
+            </a:r>
+            <a:endParaRPr lang="zh-CN" altLang="en-US" sz="2000" dirty="0">
+              <a:latin typeface="华文楷体" panose="02010600040101010101" pitchFamily="2" charset="-122"/>
+              <a:ea typeface="华文楷体" panose="02010600040101010101" pitchFamily="2" charset="-122"/>
+            </a:endParaRPr>
+          </a:p>
+        </p:txBody>
+      </p:sp>
+      <p:sp>
+        <p:nvSpPr>
+          <p:cNvPr id="5" name="矩形 4"/>
+          <p:cNvSpPr/>
+          <p:nvPr/>
+        </p:nvSpPr>
+        <p:spPr>
+          <a:xfrm>
+            <a:off x="1028700" y="190976"/>
+            <a:ext cx="9852660" cy="923330"/>
+          </a:xfrm>
+          <a:prstGeom prst="rect">
+            <a:avLst/>
+          </a:prstGeom>
+        </p:spPr>
+        <p:txBody>
+          <a:bodyPr wrap="square">
+            <a:spAutoFit/>
+          </a:bodyPr>
+          <a:lstStyle/>
+          <a:p>
+            <a:r>
+              <a:rPr lang="zh-CN" altLang="en-US" dirty="0" smtClean="0">
+                <a:latin typeface="华文楷体" panose="02010600040101010101" pitchFamily="2" charset="-122"/>
+                <a:ea typeface="华文楷体" panose="02010600040101010101" pitchFamily="2" charset="-122"/>
+              </a:rPr>
+              <a:t>Path   first</a:t>
+            </a:r>
+            <a:r>
+              <a:rPr lang="zh-CN" altLang="en-US" dirty="0">
+                <a:latin typeface="华文楷体" panose="02010600040101010101" pitchFamily="2" charset="-122"/>
+                <a:ea typeface="华文楷体" panose="02010600040101010101" pitchFamily="2" charset="-122"/>
+              </a:rPr>
+              <a:t>=Paths.get（</a:t>
+            </a:r>
+            <a:r>
+              <a:rPr lang="zh-CN" altLang="en-US" dirty="0" smtClean="0">
+                <a:latin typeface="华文楷体" panose="02010600040101010101" pitchFamily="2" charset="-122"/>
+                <a:ea typeface="华文楷体" panose="02010600040101010101" pitchFamily="2" charset="-122"/>
+              </a:rPr>
+              <a:t>”usr/bin</a:t>
+            </a:r>
+            <a:r>
+              <a:rPr lang="zh-CN" altLang="en-US" dirty="0">
+                <a:latin typeface="华文楷体" panose="02010600040101010101" pitchFamily="2" charset="-122"/>
+                <a:ea typeface="华文楷体" panose="02010600040101010101" pitchFamily="2" charset="-122"/>
+              </a:rPr>
+              <a:t>”）;</a:t>
+            </a:r>
+          </a:p>
+          <a:p>
+            <a:r>
+              <a:rPr lang="zh-CN" altLang="en-US" dirty="0">
+                <a:latin typeface="华文楷体" panose="02010600040101010101" pitchFamily="2" charset="-122"/>
+                <a:ea typeface="华文楷体" panose="02010600040101010101" pitchFamily="2" charset="-122"/>
+              </a:rPr>
+              <a:t>Comparator&lt;String&gt;comp</a:t>
+            </a:r>
+            <a:r>
+              <a:rPr lang="zh-CN" altLang="en-US" dirty="0" smtClean="0">
+                <a:latin typeface="华文楷体" panose="02010600040101010101" pitchFamily="2" charset="-122"/>
+                <a:ea typeface="华文楷体" panose="02010600040101010101" pitchFamily="2" charset="-122"/>
+              </a:rPr>
+              <a:t>=(</a:t>
+            </a:r>
+            <a:r>
+              <a:rPr lang="zh-CN" altLang="en-US" dirty="0">
+                <a:latin typeface="华文楷体" panose="02010600040101010101" pitchFamily="2" charset="-122"/>
+                <a:ea typeface="华文楷体" panose="02010600040101010101" pitchFamily="2" charset="-122"/>
+              </a:rPr>
+              <a:t>first,second)-&gt;Integer.compare(first.length(),second.length());</a:t>
+            </a:r>
+          </a:p>
+          <a:p>
+            <a:r>
+              <a:rPr lang="en-US" altLang="zh-CN" dirty="0" smtClean="0">
+                <a:latin typeface="华文楷体" panose="02010600040101010101" pitchFamily="2" charset="-122"/>
+                <a:ea typeface="华文楷体" panose="02010600040101010101" pitchFamily="2" charset="-122"/>
+              </a:rPr>
+              <a:t>//</a:t>
+            </a:r>
+            <a:r>
+              <a:rPr lang="zh-CN" altLang="en-US" dirty="0" smtClean="0">
+                <a:latin typeface="华文楷体" panose="02010600040101010101" pitchFamily="2" charset="-122"/>
+                <a:ea typeface="华文楷体" panose="02010600040101010101" pitchFamily="2" charset="-122"/>
+              </a:rPr>
+              <a:t>错误</a:t>
+            </a:r>
+            <a:r>
+              <a:rPr lang="zh-CN" altLang="en-US" dirty="0">
+                <a:latin typeface="华文楷体" panose="02010600040101010101" pitchFamily="2" charset="-122"/>
+                <a:ea typeface="华文楷体" panose="02010600040101010101" pitchFamily="2" charset="-122"/>
+              </a:rPr>
+              <a:t>：变量first已经被定义</a:t>
+            </a:r>
+            <a:r>
+              <a:rPr lang="zh-CN" altLang="en-US" dirty="0" smtClean="0">
+                <a:latin typeface="华文楷体" panose="02010600040101010101" pitchFamily="2" charset="-122"/>
+                <a:ea typeface="华文楷体" panose="02010600040101010101" pitchFamily="2" charset="-122"/>
+              </a:rPr>
+              <a:t>了</a:t>
+            </a:r>
+            <a:r>
+              <a:rPr lang="zh-CN" altLang="en-US" dirty="0">
+                <a:latin typeface="华文楷体" panose="02010600040101010101" pitchFamily="2" charset="-122"/>
+                <a:ea typeface="华文楷体" panose="02010600040101010101" pitchFamily="2" charset="-122"/>
+              </a:rPr>
+              <a:t>。</a:t>
+            </a:r>
+          </a:p>
+        </p:txBody>
+      </p:sp>
+      <p:sp>
+        <p:nvSpPr>
+          <p:cNvPr id="7" name="Rectangle 1"/>
+          <p:cNvSpPr>
+            <a:spLocks noChangeArrowheads="1"/>
+          </p:cNvSpPr>
+          <p:nvPr/>
+        </p:nvSpPr>
+        <p:spPr bwMode="auto">
+          <a:xfrm>
+            <a:off x="7888440" y="3187819"/>
+            <a:ext cx="3098925" cy="2031325"/>
+          </a:xfrm>
+          <a:prstGeom prst="rect">
+            <a:avLst/>
+          </a:prstGeom>
+          <a:solidFill>
+            <a:srgbClr val="FFFFFF"/>
+          </a:solidFill>
+          <a:ln>
+            <a:noFill/>
+          </a:ln>
+          <a:effectLst/>
+          <a:extLst>
+            <a:ext uri="{91240B29-F687-4F45-9708-019B960494DF}">
+              <a14:hiddenLine xmlns:a14="http://schemas.microsoft.com/office/drawing/2010/main" w="9525">
+                <a:solidFill>
+                  <a:schemeClr val="tx1"/>
+                </a:solidFill>
+                <a:miter lim="800000"/>
+                <a:headEnd/>
+                <a:tailEnd/>
+              </a14:hiddenLine>
+            </a:ext>
+            <a:ext uri="{AF507438-7753-43E0-B8FC-AC1667EBCBE1}">
+              <a14:hiddenEffects xmlns:a14="http://schemas.microsoft.com/office/drawing/2010/main">
+                <a:effectLst>
+                  <a:outerShdw dist="35921" dir="2700000" algn="ctr" rotWithShape="0">
+                    <a:schemeClr val="bg2"/>
+                  </a:outerShdw>
+                </a:effectLst>
+              </a14:hiddenEffects>
+            </a:ext>
+          </a:extLst>
+        </p:spPr>
+        <p:txBody>
+          <a:bodyPr vert="horz" wrap="none" lIns="91440" tIns="45720" rIns="91440" bIns="45720" numCol="1" anchor="ctr" anchorCtr="0" compatLnSpc="1">
+            <a:prstTxWarp prst="textNoShape">
+              <a:avLst/>
+            </a:prstTxWarp>
+            <a:spAutoFit/>
+          </a:bodyPr>
+          <a:lstStyle/>
+          <a:p>
+            <a:pPr marL="0" marR="0" lvl="0" indent="0" algn="l" defTabSz="914400" rtl="0" eaLnBrk="0" fontAlgn="base" latinLnBrk="0" hangingPunct="0">
+              <a:lnSpc>
+                <a:spcPct val="100000"/>
+              </a:lnSpc>
+              <a:spcBef>
+                <a:spcPct val="0"/>
+              </a:spcBef>
+              <a:spcAft>
+                <a:spcPct val="0"/>
+              </a:spcAft>
+              <a:buClrTx/>
+              <a:buSzTx/>
+              <a:buFontTx/>
+              <a:buNone/>
+              <a:tabLst/>
+            </a:pPr>
+            <a:r>
+              <a:rPr kumimoji="0" lang="zh-CN" altLang="zh-CN" sz="1400" b="1" i="0" u="none" strike="noStrike" cap="none" normalizeH="0" baseline="0" dirty="0" smtClean="0">
+                <a:ln>
+                  <a:noFill/>
+                </a:ln>
+                <a:solidFill>
+                  <a:srgbClr val="000080"/>
+                </a:solidFill>
+                <a:effectLst/>
+                <a:latin typeface="华文楷体" panose="02010600040101010101" pitchFamily="2" charset="-122"/>
+                <a:ea typeface="华文楷体" panose="02010600040101010101" pitchFamily="2" charset="-122"/>
+              </a:rPr>
+              <a:t>public class </a:t>
+            </a:r>
+            <a:r>
+              <a:rPr kumimoji="0" lang="zh-CN" altLang="zh-CN" sz="1400" b="0" i="0" u="none" strike="noStrike" cap="none" normalizeH="0" baseline="0" dirty="0" smtClean="0">
+                <a:ln>
+                  <a:noFill/>
+                </a:ln>
+                <a:solidFill>
+                  <a:srgbClr val="000000"/>
+                </a:solidFill>
+                <a:effectLst/>
+                <a:latin typeface="华文楷体" panose="02010600040101010101" pitchFamily="2" charset="-122"/>
+                <a:ea typeface="华文楷体" panose="02010600040101010101" pitchFamily="2" charset="-122"/>
+              </a:rPr>
+              <a:t>Application {</a:t>
+            </a:r>
+            <a:br>
+              <a:rPr kumimoji="0" lang="zh-CN" altLang="zh-CN" sz="1400" b="0" i="0" u="none" strike="noStrike" cap="none" normalizeH="0" baseline="0" dirty="0" smtClean="0">
+                <a:ln>
+                  <a:noFill/>
+                </a:ln>
+                <a:solidFill>
+                  <a:srgbClr val="000000"/>
+                </a:solidFill>
+                <a:effectLst/>
+                <a:latin typeface="华文楷体" panose="02010600040101010101" pitchFamily="2" charset="-122"/>
+                <a:ea typeface="华文楷体" panose="02010600040101010101" pitchFamily="2" charset="-122"/>
+              </a:rPr>
+            </a:br>
+            <a:r>
+              <a:rPr kumimoji="0" lang="zh-CN" altLang="zh-CN" sz="1400" b="0" i="0" u="none" strike="noStrike" cap="none" normalizeH="0" baseline="0" dirty="0" smtClean="0">
+                <a:ln>
+                  <a:noFill/>
+                </a:ln>
+                <a:solidFill>
+                  <a:srgbClr val="000000"/>
+                </a:solidFill>
+                <a:effectLst/>
+                <a:latin typeface="华文楷体" panose="02010600040101010101" pitchFamily="2" charset="-122"/>
+                <a:ea typeface="华文楷体" panose="02010600040101010101" pitchFamily="2" charset="-122"/>
+              </a:rPr>
+              <a:t>    </a:t>
+            </a:r>
+            <a:r>
+              <a:rPr kumimoji="0" lang="zh-CN" altLang="zh-CN" sz="1400" b="1" i="0" u="none" strike="noStrike" cap="none" normalizeH="0" baseline="0" dirty="0" smtClean="0">
+                <a:ln>
+                  <a:noFill/>
+                </a:ln>
+                <a:solidFill>
+                  <a:srgbClr val="000080"/>
+                </a:solidFill>
+                <a:effectLst/>
+                <a:latin typeface="华文楷体" panose="02010600040101010101" pitchFamily="2" charset="-122"/>
+                <a:ea typeface="华文楷体" panose="02010600040101010101" pitchFamily="2" charset="-122"/>
+              </a:rPr>
+              <a:t>public void </a:t>
+            </a:r>
+            <a:r>
+              <a:rPr kumimoji="0" lang="zh-CN" altLang="zh-CN" sz="1400" b="0" i="0" u="none" strike="noStrike" cap="none" normalizeH="0" baseline="0" dirty="0" smtClean="0">
+                <a:ln>
+                  <a:noFill/>
+                </a:ln>
+                <a:solidFill>
+                  <a:srgbClr val="000000"/>
+                </a:solidFill>
+                <a:effectLst/>
+                <a:latin typeface="华文楷体" panose="02010600040101010101" pitchFamily="2" charset="-122"/>
+                <a:ea typeface="华文楷体" panose="02010600040101010101" pitchFamily="2" charset="-122"/>
+              </a:rPr>
+              <a:t>doWork() {</a:t>
+            </a:r>
+            <a:br>
+              <a:rPr kumimoji="0" lang="zh-CN" altLang="zh-CN" sz="1400" b="0" i="0" u="none" strike="noStrike" cap="none" normalizeH="0" baseline="0" dirty="0" smtClean="0">
+                <a:ln>
+                  <a:noFill/>
+                </a:ln>
+                <a:solidFill>
+                  <a:srgbClr val="000000"/>
+                </a:solidFill>
+                <a:effectLst/>
+                <a:latin typeface="华文楷体" panose="02010600040101010101" pitchFamily="2" charset="-122"/>
+                <a:ea typeface="华文楷体" panose="02010600040101010101" pitchFamily="2" charset="-122"/>
+              </a:rPr>
+            </a:br>
+            <a:r>
+              <a:rPr kumimoji="0" lang="zh-CN" altLang="zh-CN" sz="1400" b="0" i="0" u="none" strike="noStrike" cap="none" normalizeH="0" baseline="0" dirty="0" smtClean="0">
+                <a:ln>
+                  <a:noFill/>
+                </a:ln>
+                <a:solidFill>
+                  <a:srgbClr val="000000"/>
+                </a:solidFill>
+                <a:effectLst/>
+                <a:latin typeface="华文楷体" panose="02010600040101010101" pitchFamily="2" charset="-122"/>
+                <a:ea typeface="华文楷体" panose="02010600040101010101" pitchFamily="2" charset="-122"/>
+              </a:rPr>
+              <a:t>        Runnable runner = () -&gt; {</a:t>
+            </a:r>
+            <a:br>
+              <a:rPr kumimoji="0" lang="zh-CN" altLang="zh-CN" sz="1400" b="0" i="0" u="none" strike="noStrike" cap="none" normalizeH="0" baseline="0" dirty="0" smtClean="0">
+                <a:ln>
+                  <a:noFill/>
+                </a:ln>
+                <a:solidFill>
+                  <a:srgbClr val="000000"/>
+                </a:solidFill>
+                <a:effectLst/>
+                <a:latin typeface="华文楷体" panose="02010600040101010101" pitchFamily="2" charset="-122"/>
+                <a:ea typeface="华文楷体" panose="02010600040101010101" pitchFamily="2" charset="-122"/>
+              </a:rPr>
+            </a:br>
+            <a:r>
+              <a:rPr kumimoji="0" lang="zh-CN" altLang="zh-CN" sz="1400" b="0" i="0" u="none" strike="noStrike" cap="none" normalizeH="0" baseline="0" dirty="0" smtClean="0">
+                <a:ln>
+                  <a:noFill/>
+                </a:ln>
+                <a:solidFill>
+                  <a:srgbClr val="000000"/>
+                </a:solidFill>
+                <a:effectLst/>
+                <a:latin typeface="华文楷体" panose="02010600040101010101" pitchFamily="2" charset="-122"/>
+                <a:ea typeface="华文楷体" panose="02010600040101010101" pitchFamily="2" charset="-122"/>
+              </a:rPr>
+              <a:t>            </a:t>
+            </a:r>
+            <a:r>
+              <a:rPr kumimoji="0" lang="zh-CN" altLang="zh-CN" sz="1400" b="0" i="1" u="none" strike="noStrike" cap="none" normalizeH="0" baseline="0" dirty="0" smtClean="0">
+                <a:ln>
+                  <a:noFill/>
+                </a:ln>
+                <a:solidFill>
+                  <a:srgbClr val="808080"/>
+                </a:solidFill>
+                <a:effectLst/>
+                <a:latin typeface="华文楷体" panose="02010600040101010101" pitchFamily="2" charset="-122"/>
+                <a:ea typeface="华文楷体" panose="02010600040101010101" pitchFamily="2" charset="-122"/>
+              </a:rPr>
+              <a:t>//...</a:t>
+            </a:r>
+            <a:br>
+              <a:rPr kumimoji="0" lang="zh-CN" altLang="zh-CN" sz="1400" b="0" i="1" u="none" strike="noStrike" cap="none" normalizeH="0" baseline="0" dirty="0" smtClean="0">
+                <a:ln>
+                  <a:noFill/>
+                </a:ln>
+                <a:solidFill>
+                  <a:srgbClr val="808080"/>
+                </a:solidFill>
+                <a:effectLst/>
+                <a:latin typeface="华文楷体" panose="02010600040101010101" pitchFamily="2" charset="-122"/>
+                <a:ea typeface="华文楷体" panose="02010600040101010101" pitchFamily="2" charset="-122"/>
+              </a:rPr>
+            </a:br>
+            <a:r>
+              <a:rPr kumimoji="0" lang="zh-CN" altLang="zh-CN" sz="1400" b="0" i="1" u="none" strike="noStrike" cap="none" normalizeH="0" baseline="0" dirty="0" smtClean="0">
+                <a:ln>
+                  <a:noFill/>
+                </a:ln>
+                <a:solidFill>
+                  <a:srgbClr val="808080"/>
+                </a:solidFill>
+                <a:effectLst/>
+                <a:latin typeface="华文楷体" panose="02010600040101010101" pitchFamily="2" charset="-122"/>
+                <a:ea typeface="华文楷体" panose="02010600040101010101" pitchFamily="2" charset="-122"/>
+              </a:rPr>
+              <a:t>            </a:t>
+            </a:r>
+            <a:r>
+              <a:rPr kumimoji="0" lang="zh-CN" altLang="zh-CN" sz="1400" b="0" i="0" u="none" strike="noStrike" cap="none" normalizeH="0" baseline="0" dirty="0" smtClean="0">
+                <a:ln>
+                  <a:noFill/>
+                </a:ln>
+                <a:solidFill>
+                  <a:srgbClr val="000000"/>
+                </a:solidFill>
+                <a:effectLst/>
+                <a:latin typeface="华文楷体" panose="02010600040101010101" pitchFamily="2" charset="-122"/>
+                <a:ea typeface="华文楷体" panose="02010600040101010101" pitchFamily="2" charset="-122"/>
+              </a:rPr>
+              <a:t>System.</a:t>
+            </a:r>
+            <a:r>
+              <a:rPr kumimoji="0" lang="zh-CN" altLang="zh-CN" sz="1400" b="1" i="1" u="none" strike="noStrike" cap="none" normalizeH="0" baseline="0" dirty="0" smtClean="0">
+                <a:ln>
+                  <a:noFill/>
+                </a:ln>
+                <a:solidFill>
+                  <a:srgbClr val="660E7A"/>
+                </a:solidFill>
+                <a:effectLst/>
+                <a:latin typeface="华文楷体" panose="02010600040101010101" pitchFamily="2" charset="-122"/>
+                <a:ea typeface="华文楷体" panose="02010600040101010101" pitchFamily="2" charset="-122"/>
+              </a:rPr>
+              <a:t>out</a:t>
+            </a:r>
+            <a:r>
+              <a:rPr kumimoji="0" lang="zh-CN" altLang="zh-CN" sz="1400" b="0" i="0" u="none" strike="noStrike" cap="none" normalizeH="0" baseline="0" dirty="0" smtClean="0">
+                <a:ln>
+                  <a:noFill/>
+                </a:ln>
+                <a:solidFill>
+                  <a:srgbClr val="000000"/>
+                </a:solidFill>
+                <a:effectLst/>
+                <a:latin typeface="华文楷体" panose="02010600040101010101" pitchFamily="2" charset="-122"/>
+                <a:ea typeface="华文楷体" panose="02010600040101010101" pitchFamily="2" charset="-122"/>
+              </a:rPr>
+              <a:t>.println(</a:t>
+            </a:r>
+            <a:r>
+              <a:rPr kumimoji="0" lang="zh-CN" altLang="zh-CN" sz="1400" b="1" i="0" u="none" strike="noStrike" cap="none" normalizeH="0" baseline="0" dirty="0" smtClean="0">
+                <a:ln>
+                  <a:noFill/>
+                </a:ln>
+                <a:solidFill>
+                  <a:srgbClr val="000080"/>
+                </a:solidFill>
+                <a:effectLst/>
+                <a:latin typeface="华文楷体" panose="02010600040101010101" pitchFamily="2" charset="-122"/>
+                <a:ea typeface="华文楷体" panose="02010600040101010101" pitchFamily="2" charset="-122"/>
+              </a:rPr>
+              <a:t>this</a:t>
+            </a:r>
+            <a:r>
+              <a:rPr kumimoji="0" lang="zh-CN" altLang="zh-CN" sz="1400" b="0" i="0" u="none" strike="noStrike" cap="none" normalizeH="0" baseline="0" dirty="0" smtClean="0">
+                <a:ln>
+                  <a:noFill/>
+                </a:ln>
+                <a:solidFill>
+                  <a:srgbClr val="000000"/>
+                </a:solidFill>
+                <a:effectLst/>
+                <a:latin typeface="华文楷体" panose="02010600040101010101" pitchFamily="2" charset="-122"/>
+                <a:ea typeface="华文楷体" panose="02010600040101010101" pitchFamily="2" charset="-122"/>
+              </a:rPr>
+              <a:t>.toString());</a:t>
+            </a:r>
+            <a:br>
+              <a:rPr kumimoji="0" lang="zh-CN" altLang="zh-CN" sz="1400" b="0" i="0" u="none" strike="noStrike" cap="none" normalizeH="0" baseline="0" dirty="0" smtClean="0">
+                <a:ln>
+                  <a:noFill/>
+                </a:ln>
+                <a:solidFill>
+                  <a:srgbClr val="000000"/>
+                </a:solidFill>
+                <a:effectLst/>
+                <a:latin typeface="华文楷体" panose="02010600040101010101" pitchFamily="2" charset="-122"/>
+                <a:ea typeface="华文楷体" panose="02010600040101010101" pitchFamily="2" charset="-122"/>
+              </a:rPr>
+            </a:br>
+            <a:r>
+              <a:rPr kumimoji="0" lang="zh-CN" altLang="zh-CN" sz="1400" b="0" i="0" u="none" strike="noStrike" cap="none" normalizeH="0" baseline="0" dirty="0" smtClean="0">
+                <a:ln>
+                  <a:noFill/>
+                </a:ln>
+                <a:solidFill>
+                  <a:srgbClr val="000000"/>
+                </a:solidFill>
+                <a:effectLst/>
+                <a:latin typeface="华文楷体" panose="02010600040101010101" pitchFamily="2" charset="-122"/>
+                <a:ea typeface="华文楷体" panose="02010600040101010101" pitchFamily="2" charset="-122"/>
+              </a:rPr>
+              <a:t>            </a:t>
+            </a:r>
+            <a:r>
+              <a:rPr kumimoji="0" lang="zh-CN" altLang="zh-CN" sz="1400" b="0" i="1" u="none" strike="noStrike" cap="none" normalizeH="0" baseline="0" dirty="0" smtClean="0">
+                <a:ln>
+                  <a:noFill/>
+                </a:ln>
+                <a:solidFill>
+                  <a:srgbClr val="808080"/>
+                </a:solidFill>
+                <a:effectLst/>
+                <a:latin typeface="华文楷体" panose="02010600040101010101" pitchFamily="2" charset="-122"/>
+                <a:ea typeface="华文楷体" panose="02010600040101010101" pitchFamily="2" charset="-122"/>
+              </a:rPr>
+              <a:t>//...</a:t>
+            </a:r>
+            <a:br>
+              <a:rPr kumimoji="0" lang="zh-CN" altLang="zh-CN" sz="1400" b="0" i="1" u="none" strike="noStrike" cap="none" normalizeH="0" baseline="0" dirty="0" smtClean="0">
+                <a:ln>
+                  <a:noFill/>
+                </a:ln>
+                <a:solidFill>
+                  <a:srgbClr val="808080"/>
+                </a:solidFill>
+                <a:effectLst/>
+                <a:latin typeface="华文楷体" panose="02010600040101010101" pitchFamily="2" charset="-122"/>
+                <a:ea typeface="华文楷体" panose="02010600040101010101" pitchFamily="2" charset="-122"/>
+              </a:rPr>
+            </a:br>
+            <a:r>
+              <a:rPr kumimoji="0" lang="zh-CN" altLang="zh-CN" sz="1400" b="0" i="1" u="none" strike="noStrike" cap="none" normalizeH="0" baseline="0" dirty="0" smtClean="0">
+                <a:ln>
+                  <a:noFill/>
+                </a:ln>
+                <a:solidFill>
+                  <a:srgbClr val="808080"/>
+                </a:solidFill>
+                <a:effectLst/>
+                <a:latin typeface="华文楷体" panose="02010600040101010101" pitchFamily="2" charset="-122"/>
+                <a:ea typeface="华文楷体" panose="02010600040101010101" pitchFamily="2" charset="-122"/>
+              </a:rPr>
+              <a:t>        </a:t>
+            </a:r>
+            <a:r>
+              <a:rPr kumimoji="0" lang="zh-CN" altLang="zh-CN" sz="1400" b="0" i="0" u="none" strike="noStrike" cap="none" normalizeH="0" baseline="0" dirty="0" smtClean="0">
+                <a:ln>
+                  <a:noFill/>
+                </a:ln>
+                <a:solidFill>
+                  <a:srgbClr val="000000"/>
+                </a:solidFill>
+                <a:effectLst/>
+                <a:latin typeface="华文楷体" panose="02010600040101010101" pitchFamily="2" charset="-122"/>
+                <a:ea typeface="华文楷体" panose="02010600040101010101" pitchFamily="2" charset="-122"/>
+              </a:rPr>
+              <a:t>};</a:t>
+            </a:r>
+            <a:br>
+              <a:rPr kumimoji="0" lang="zh-CN" altLang="zh-CN" sz="1400" b="0" i="0" u="none" strike="noStrike" cap="none" normalizeH="0" baseline="0" dirty="0" smtClean="0">
+                <a:ln>
+                  <a:noFill/>
+                </a:ln>
+                <a:solidFill>
+                  <a:srgbClr val="000000"/>
+                </a:solidFill>
+                <a:effectLst/>
+                <a:latin typeface="华文楷体" panose="02010600040101010101" pitchFamily="2" charset="-122"/>
+                <a:ea typeface="华文楷体" panose="02010600040101010101" pitchFamily="2" charset="-122"/>
+              </a:rPr>
+            </a:br>
+            <a:r>
+              <a:rPr kumimoji="0" lang="zh-CN" altLang="zh-CN" sz="1400" b="0" i="0" u="none" strike="noStrike" cap="none" normalizeH="0" baseline="0" dirty="0" smtClean="0">
+                <a:ln>
+                  <a:noFill/>
+                </a:ln>
+                <a:solidFill>
+                  <a:srgbClr val="000000"/>
+                </a:solidFill>
+                <a:effectLst/>
+                <a:latin typeface="华文楷体" panose="02010600040101010101" pitchFamily="2" charset="-122"/>
+                <a:ea typeface="华文楷体" panose="02010600040101010101" pitchFamily="2" charset="-122"/>
+              </a:rPr>
+              <a:t>    }</a:t>
+            </a:r>
+            <a:br>
+              <a:rPr kumimoji="0" lang="zh-CN" altLang="zh-CN" sz="1400" b="0" i="0" u="none" strike="noStrike" cap="none" normalizeH="0" baseline="0" dirty="0" smtClean="0">
+                <a:ln>
+                  <a:noFill/>
+                </a:ln>
+                <a:solidFill>
+                  <a:srgbClr val="000000"/>
+                </a:solidFill>
+                <a:effectLst/>
+                <a:latin typeface="华文楷体" panose="02010600040101010101" pitchFamily="2" charset="-122"/>
+                <a:ea typeface="华文楷体" panose="02010600040101010101" pitchFamily="2" charset="-122"/>
+              </a:rPr>
+            </a:br>
+            <a:r>
+              <a:rPr kumimoji="0" lang="zh-CN" altLang="zh-CN" sz="1400" b="0" i="0" u="none" strike="noStrike" cap="none" normalizeH="0" baseline="0" dirty="0" smtClean="0">
+                <a:ln>
+                  <a:noFill/>
+                </a:ln>
+                <a:solidFill>
+                  <a:srgbClr val="000000"/>
+                </a:solidFill>
+                <a:effectLst/>
+                <a:latin typeface="华文楷体" panose="02010600040101010101" pitchFamily="2" charset="-122"/>
+                <a:ea typeface="华文楷体" panose="02010600040101010101" pitchFamily="2" charset="-122"/>
+              </a:rPr>
+              <a:t>}</a:t>
+            </a:r>
+            <a:endParaRPr kumimoji="0" lang="zh-CN" altLang="zh-CN" sz="1400" b="0" i="0" u="none" strike="noStrike" cap="none" normalizeH="0" baseline="0" dirty="0" smtClean="0">
+              <a:ln>
+                <a:noFill/>
+              </a:ln>
+              <a:solidFill>
+                <a:schemeClr val="tx1"/>
+              </a:solidFill>
+              <a:effectLst/>
+              <a:latin typeface="华文楷体" panose="02010600040101010101" pitchFamily="2" charset="-122"/>
+              <a:ea typeface="华文楷体" panose="02010600040101010101" pitchFamily="2" charset="-122"/>
+            </a:endParaRPr>
+          </a:p>
+        </p:txBody>
+      </p:sp>
+      <p:sp>
+        <p:nvSpPr>
+          <p:cNvPr id="8" name="内容占位符 2"/>
+          <p:cNvSpPr txBox="1">
+            <a:spLocks/>
+          </p:cNvSpPr>
+          <p:nvPr/>
+        </p:nvSpPr>
+        <p:spPr>
+          <a:xfrm>
+            <a:off x="697230" y="3187819"/>
+            <a:ext cx="10515600" cy="1489075"/>
+          </a:xfrm>
+          <a:prstGeom prst="rect">
+            <a:avLst/>
+          </a:prstGeom>
+        </p:spPr>
+        <p:txBody>
+          <a:bodyPr vert="horz" lIns="91440" tIns="45720" rIns="91440" bIns="45720" rtlCol="0">
+            <a:normAutofit/>
+          </a:bodyPr>
+          <a:lstStyle>
+            <a:lvl1pPr marL="228600" indent="-228600" algn="l" defTabSz="914400" rtl="0" eaLnBrk="1" latinLnBrk="0" hangingPunct="1">
+              <a:lnSpc>
+                <a:spcPct val="90000"/>
+              </a:lnSpc>
+              <a:spcBef>
+                <a:spcPts val="1000"/>
+              </a:spcBef>
+              <a:buFont typeface="Arial" panose="020B0604020202020204" pitchFamily="34" charset="0"/>
+              <a:buChar char="•"/>
+              <a:defRPr sz="2800" kern="1200">
+                <a:solidFill>
+                  <a:schemeClr val="tx1"/>
+                </a:solidFill>
+                <a:latin typeface="+mn-lt"/>
+                <a:ea typeface="+mn-ea"/>
+                <a:cs typeface="+mn-cs"/>
+              </a:defRPr>
+            </a:lvl1pPr>
+            <a:lvl2pPr marL="685800" indent="-228600" algn="l" defTabSz="914400" rtl="0" eaLnBrk="1" latinLnBrk="0" hangingPunct="1">
+              <a:lnSpc>
+                <a:spcPct val="90000"/>
+              </a:lnSpc>
+              <a:spcBef>
+                <a:spcPts val="500"/>
+              </a:spcBef>
+              <a:buFont typeface="Arial" panose="020B0604020202020204" pitchFamily="34" charset="0"/>
+              <a:buChar char="•"/>
+              <a:defRPr sz="2400" kern="1200">
+                <a:solidFill>
+                  <a:schemeClr val="tx1"/>
+                </a:solidFill>
+                <a:latin typeface="+mn-lt"/>
+                <a:ea typeface="+mn-ea"/>
+                <a:cs typeface="+mn-cs"/>
+              </a:defRPr>
+            </a:lvl2pPr>
+            <a:lvl3pPr marL="1143000" indent="-228600" algn="l" defTabSz="914400" rtl="0" eaLnBrk="1" latinLnBrk="0" hangingPunct="1">
+              <a:lnSpc>
+                <a:spcPct val="90000"/>
+              </a:lnSpc>
+              <a:spcBef>
+                <a:spcPts val="500"/>
+              </a:spcBef>
+              <a:buFont typeface="Arial" panose="020B0604020202020204" pitchFamily="34" charset="0"/>
+              <a:buChar char="•"/>
+              <a:defRPr sz="2000" kern="1200">
+                <a:solidFill>
+                  <a:schemeClr val="tx1"/>
+                </a:solidFill>
+                <a:latin typeface="+mn-lt"/>
+                <a:ea typeface="+mn-ea"/>
+                <a:cs typeface="+mn-cs"/>
+              </a:defRPr>
+            </a:lvl3pPr>
+            <a:lvl4pPr marL="1600200" indent="-228600" algn="l" defTabSz="914400" rtl="0" eaLnBrk="1" latinLnBrk="0" hangingPunct="1">
+              <a:lnSpc>
+                <a:spcPct val="90000"/>
+              </a:lnSpc>
+              <a:spcBef>
+                <a:spcPts val="500"/>
+              </a:spcBef>
+              <a:buFont typeface="Arial" panose="020B0604020202020204" pitchFamily="34" charset="0"/>
+              <a:buChar char="•"/>
+              <a:defRPr sz="1800" kern="1200">
+                <a:solidFill>
+                  <a:schemeClr val="tx1"/>
+                </a:solidFill>
+                <a:latin typeface="+mn-lt"/>
+                <a:ea typeface="+mn-ea"/>
+                <a:cs typeface="+mn-cs"/>
+              </a:defRPr>
+            </a:lvl4pPr>
+            <a:lvl5pPr marL="2057400" indent="-228600" algn="l" defTabSz="914400" rtl="0" eaLnBrk="1" latinLnBrk="0" hangingPunct="1">
+              <a:lnSpc>
+                <a:spcPct val="90000"/>
+              </a:lnSpc>
+              <a:spcBef>
+                <a:spcPts val="500"/>
+              </a:spcBef>
+              <a:buFont typeface="Arial" panose="020B0604020202020204" pitchFamily="34" charset="0"/>
+              <a:buChar char="•"/>
+              <a:defRPr sz="1800" kern="1200">
+                <a:solidFill>
+                  <a:schemeClr val="tx1"/>
+                </a:solidFill>
+                <a:latin typeface="+mn-lt"/>
+                <a:ea typeface="+mn-ea"/>
+                <a:cs typeface="+mn-cs"/>
+              </a:defRPr>
+            </a:lvl5pPr>
+            <a:lvl6pPr marL="2514600" indent="-228600" algn="l" defTabSz="914400" rtl="0" eaLnBrk="1" latinLnBrk="0" hangingPunct="1">
+              <a:lnSpc>
+                <a:spcPct val="90000"/>
+              </a:lnSpc>
+              <a:spcBef>
+                <a:spcPts val="500"/>
+              </a:spcBef>
+              <a:buFont typeface="Arial" panose="020B0604020202020204" pitchFamily="34" charset="0"/>
+              <a:buChar char="•"/>
+              <a:defRPr sz="1800" kern="1200">
+                <a:solidFill>
+                  <a:schemeClr val="tx1"/>
+                </a:solidFill>
+                <a:latin typeface="+mn-lt"/>
+                <a:ea typeface="+mn-ea"/>
+                <a:cs typeface="+mn-cs"/>
+              </a:defRPr>
+            </a:lvl6pPr>
+            <a:lvl7pPr marL="2971800" indent="-228600" algn="l" defTabSz="914400" rtl="0" eaLnBrk="1" latinLnBrk="0" hangingPunct="1">
+              <a:lnSpc>
+                <a:spcPct val="90000"/>
+              </a:lnSpc>
+              <a:spcBef>
+                <a:spcPts val="500"/>
+              </a:spcBef>
+              <a:buFont typeface="Arial" panose="020B0604020202020204" pitchFamily="34" charset="0"/>
+              <a:buChar char="•"/>
+              <a:defRPr sz="1800" kern="1200">
+                <a:solidFill>
+                  <a:schemeClr val="tx1"/>
+                </a:solidFill>
+                <a:latin typeface="+mn-lt"/>
+                <a:ea typeface="+mn-ea"/>
+                <a:cs typeface="+mn-cs"/>
+              </a:defRPr>
+            </a:lvl7pPr>
+            <a:lvl8pPr marL="3429000" indent="-228600" algn="l" defTabSz="914400" rtl="0" eaLnBrk="1" latinLnBrk="0" hangingPunct="1">
+              <a:lnSpc>
+                <a:spcPct val="90000"/>
+              </a:lnSpc>
+              <a:spcBef>
+                <a:spcPts val="500"/>
+              </a:spcBef>
+              <a:buFont typeface="Arial" panose="020B0604020202020204" pitchFamily="34" charset="0"/>
+              <a:buChar char="•"/>
+              <a:defRPr sz="1800" kern="1200">
+                <a:solidFill>
+                  <a:schemeClr val="tx1"/>
+                </a:solidFill>
+                <a:latin typeface="+mn-lt"/>
+                <a:ea typeface="+mn-ea"/>
+                <a:cs typeface="+mn-cs"/>
+              </a:defRPr>
+            </a:lvl8pPr>
+            <a:lvl9pPr marL="3886200" indent="-228600" algn="l" defTabSz="914400" rtl="0" eaLnBrk="1" latinLnBrk="0" hangingPunct="1">
+              <a:lnSpc>
+                <a:spcPct val="90000"/>
+              </a:lnSpc>
+              <a:spcBef>
+                <a:spcPts val="500"/>
+              </a:spcBef>
+              <a:buFont typeface="Arial" panose="020B0604020202020204" pitchFamily="34" charset="0"/>
+              <a:buChar char="•"/>
+              <a:defRPr sz="1800" kern="1200">
+                <a:solidFill>
+                  <a:schemeClr val="tx1"/>
+                </a:solidFill>
+                <a:latin typeface="+mn-lt"/>
+                <a:ea typeface="+mn-ea"/>
+                <a:cs typeface="+mn-cs"/>
+              </a:defRPr>
+            </a:lvl9pPr>
+          </a:lstStyle>
+          <a:p>
+            <a:endParaRPr lang="zh-CN" altLang="en-US" sz="2000" dirty="0">
+              <a:latin typeface="华文楷体" panose="02010600040101010101" pitchFamily="2" charset="-122"/>
+              <a:ea typeface="华文楷体" panose="02010600040101010101" pitchFamily="2" charset="-122"/>
+            </a:endParaRPr>
+          </a:p>
+        </p:txBody>
+      </p:sp>
+      <p:sp>
+        <p:nvSpPr>
+          <p:cNvPr id="9" name="内容占位符 2"/>
+          <p:cNvSpPr txBox="1">
+            <a:spLocks/>
+          </p:cNvSpPr>
+          <p:nvPr/>
+        </p:nvSpPr>
+        <p:spPr>
+          <a:xfrm>
+            <a:off x="574843" y="3107094"/>
+            <a:ext cx="6745021" cy="2374641"/>
+          </a:xfrm>
+          <a:prstGeom prst="rect">
+            <a:avLst/>
+          </a:prstGeom>
+        </p:spPr>
+        <p:txBody>
+          <a:bodyPr vert="horz" lIns="91440" tIns="45720" rIns="91440" bIns="45720" rtlCol="0">
+            <a:normAutofit/>
+          </a:bodyPr>
+          <a:lstStyle>
+            <a:lvl1pPr marL="228600" indent="-228600" algn="l" defTabSz="914400" rtl="0" eaLnBrk="1" latinLnBrk="0" hangingPunct="1">
+              <a:lnSpc>
+                <a:spcPct val="90000"/>
+              </a:lnSpc>
+              <a:spcBef>
+                <a:spcPts val="1000"/>
+              </a:spcBef>
+              <a:buFont typeface="Arial" panose="020B0604020202020204" pitchFamily="34" charset="0"/>
+              <a:buChar char="•"/>
+              <a:defRPr sz="2800" kern="1200">
+                <a:solidFill>
+                  <a:schemeClr val="tx1"/>
+                </a:solidFill>
+                <a:latin typeface="+mn-lt"/>
+                <a:ea typeface="+mn-ea"/>
+                <a:cs typeface="+mn-cs"/>
+              </a:defRPr>
+            </a:lvl1pPr>
+            <a:lvl2pPr marL="685800" indent="-228600" algn="l" defTabSz="914400" rtl="0" eaLnBrk="1" latinLnBrk="0" hangingPunct="1">
+              <a:lnSpc>
+                <a:spcPct val="90000"/>
+              </a:lnSpc>
+              <a:spcBef>
+                <a:spcPts val="500"/>
+              </a:spcBef>
+              <a:buFont typeface="Arial" panose="020B0604020202020204" pitchFamily="34" charset="0"/>
+              <a:buChar char="•"/>
+              <a:defRPr sz="2400" kern="1200">
+                <a:solidFill>
+                  <a:schemeClr val="tx1"/>
+                </a:solidFill>
+                <a:latin typeface="+mn-lt"/>
+                <a:ea typeface="+mn-ea"/>
+                <a:cs typeface="+mn-cs"/>
+              </a:defRPr>
+            </a:lvl2pPr>
+            <a:lvl3pPr marL="1143000" indent="-228600" algn="l" defTabSz="914400" rtl="0" eaLnBrk="1" latinLnBrk="0" hangingPunct="1">
+              <a:lnSpc>
+                <a:spcPct val="90000"/>
+              </a:lnSpc>
+              <a:spcBef>
+                <a:spcPts val="500"/>
+              </a:spcBef>
+              <a:buFont typeface="Arial" panose="020B0604020202020204" pitchFamily="34" charset="0"/>
+              <a:buChar char="•"/>
+              <a:defRPr sz="2000" kern="1200">
+                <a:solidFill>
+                  <a:schemeClr val="tx1"/>
+                </a:solidFill>
+                <a:latin typeface="+mn-lt"/>
+                <a:ea typeface="+mn-ea"/>
+                <a:cs typeface="+mn-cs"/>
+              </a:defRPr>
+            </a:lvl3pPr>
+            <a:lvl4pPr marL="1600200" indent="-228600" algn="l" defTabSz="914400" rtl="0" eaLnBrk="1" latinLnBrk="0" hangingPunct="1">
+              <a:lnSpc>
+                <a:spcPct val="90000"/>
+              </a:lnSpc>
+              <a:spcBef>
+                <a:spcPts val="500"/>
+              </a:spcBef>
+              <a:buFont typeface="Arial" panose="020B0604020202020204" pitchFamily="34" charset="0"/>
+              <a:buChar char="•"/>
+              <a:defRPr sz="1800" kern="1200">
+                <a:solidFill>
+                  <a:schemeClr val="tx1"/>
+                </a:solidFill>
+                <a:latin typeface="+mn-lt"/>
+                <a:ea typeface="+mn-ea"/>
+                <a:cs typeface="+mn-cs"/>
+              </a:defRPr>
+            </a:lvl4pPr>
+            <a:lvl5pPr marL="2057400" indent="-228600" algn="l" defTabSz="914400" rtl="0" eaLnBrk="1" latinLnBrk="0" hangingPunct="1">
+              <a:lnSpc>
+                <a:spcPct val="90000"/>
+              </a:lnSpc>
+              <a:spcBef>
+                <a:spcPts val="500"/>
+              </a:spcBef>
+              <a:buFont typeface="Arial" panose="020B0604020202020204" pitchFamily="34" charset="0"/>
+              <a:buChar char="•"/>
+              <a:defRPr sz="1800" kern="1200">
+                <a:solidFill>
+                  <a:schemeClr val="tx1"/>
+                </a:solidFill>
+                <a:latin typeface="+mn-lt"/>
+                <a:ea typeface="+mn-ea"/>
+                <a:cs typeface="+mn-cs"/>
+              </a:defRPr>
+            </a:lvl5pPr>
+            <a:lvl6pPr marL="2514600" indent="-228600" algn="l" defTabSz="914400" rtl="0" eaLnBrk="1" latinLnBrk="0" hangingPunct="1">
+              <a:lnSpc>
+                <a:spcPct val="90000"/>
+              </a:lnSpc>
+              <a:spcBef>
+                <a:spcPts val="500"/>
+              </a:spcBef>
+              <a:buFont typeface="Arial" panose="020B0604020202020204" pitchFamily="34" charset="0"/>
+              <a:buChar char="•"/>
+              <a:defRPr sz="1800" kern="1200">
+                <a:solidFill>
+                  <a:schemeClr val="tx1"/>
+                </a:solidFill>
+                <a:latin typeface="+mn-lt"/>
+                <a:ea typeface="+mn-ea"/>
+                <a:cs typeface="+mn-cs"/>
+              </a:defRPr>
+            </a:lvl6pPr>
+            <a:lvl7pPr marL="2971800" indent="-228600" algn="l" defTabSz="914400" rtl="0" eaLnBrk="1" latinLnBrk="0" hangingPunct="1">
+              <a:lnSpc>
+                <a:spcPct val="90000"/>
+              </a:lnSpc>
+              <a:spcBef>
+                <a:spcPts val="500"/>
+              </a:spcBef>
+              <a:buFont typeface="Arial" panose="020B0604020202020204" pitchFamily="34" charset="0"/>
+              <a:buChar char="•"/>
+              <a:defRPr sz="1800" kern="1200">
+                <a:solidFill>
+                  <a:schemeClr val="tx1"/>
+                </a:solidFill>
+                <a:latin typeface="+mn-lt"/>
+                <a:ea typeface="+mn-ea"/>
+                <a:cs typeface="+mn-cs"/>
+              </a:defRPr>
+            </a:lvl7pPr>
+            <a:lvl8pPr marL="3429000" indent="-228600" algn="l" defTabSz="914400" rtl="0" eaLnBrk="1" latinLnBrk="0" hangingPunct="1">
+              <a:lnSpc>
+                <a:spcPct val="90000"/>
+              </a:lnSpc>
+              <a:spcBef>
+                <a:spcPts val="500"/>
+              </a:spcBef>
+              <a:buFont typeface="Arial" panose="020B0604020202020204" pitchFamily="34" charset="0"/>
+              <a:buChar char="•"/>
+              <a:defRPr sz="1800" kern="1200">
+                <a:solidFill>
+                  <a:schemeClr val="tx1"/>
+                </a:solidFill>
+                <a:latin typeface="+mn-lt"/>
+                <a:ea typeface="+mn-ea"/>
+                <a:cs typeface="+mn-cs"/>
+              </a:defRPr>
+            </a:lvl8pPr>
+            <a:lvl9pPr marL="3886200" indent="-228600" algn="l" defTabSz="914400" rtl="0" eaLnBrk="1" latinLnBrk="0" hangingPunct="1">
+              <a:lnSpc>
+                <a:spcPct val="90000"/>
+              </a:lnSpc>
+              <a:spcBef>
+                <a:spcPts val="500"/>
+              </a:spcBef>
+              <a:buFont typeface="Arial" panose="020B0604020202020204" pitchFamily="34" charset="0"/>
+              <a:buChar char="•"/>
+              <a:defRPr sz="1800" kern="1200">
+                <a:solidFill>
+                  <a:schemeClr val="tx1"/>
+                </a:solidFill>
+                <a:latin typeface="+mn-lt"/>
+                <a:ea typeface="+mn-ea"/>
+                <a:cs typeface="+mn-cs"/>
+              </a:defRPr>
+            </a:lvl9pPr>
+          </a:lstStyle>
+          <a:p>
+            <a:r>
+              <a:rPr lang="zh-CN" altLang="en-US" sz="2000" dirty="0">
+                <a:latin typeface="华文楷体" panose="02010600040101010101" pitchFamily="2" charset="-122"/>
+                <a:ea typeface="华文楷体" panose="02010600040101010101" pitchFamily="2" charset="-122"/>
+              </a:rPr>
+              <a:t>表达式</a:t>
+            </a:r>
+            <a:r>
+              <a:rPr lang="en-US" altLang="zh-CN" sz="2000" dirty="0" err="1">
+                <a:latin typeface="华文楷体" panose="02010600040101010101" pitchFamily="2" charset="-122"/>
+                <a:ea typeface="华文楷体" panose="02010600040101010101" pitchFamily="2" charset="-122"/>
+              </a:rPr>
+              <a:t>this.toString</a:t>
+            </a:r>
+            <a:r>
+              <a:rPr lang="zh-CN" altLang="en-US" sz="2000" dirty="0">
+                <a:latin typeface="华文楷体" panose="02010600040101010101" pitchFamily="2" charset="-122"/>
+                <a:ea typeface="华文楷体" panose="02010600040101010101" pitchFamily="2" charset="-122"/>
+              </a:rPr>
+              <a:t>（）会调用</a:t>
+            </a:r>
+            <a:r>
+              <a:rPr lang="en-US" altLang="zh-CN" sz="2000" dirty="0">
+                <a:latin typeface="华文楷体" panose="02010600040101010101" pitchFamily="2" charset="-122"/>
+                <a:ea typeface="华文楷体" panose="02010600040101010101" pitchFamily="2" charset="-122"/>
+              </a:rPr>
+              <a:t>Application</a:t>
+            </a:r>
+            <a:r>
+              <a:rPr lang="zh-CN" altLang="en-US" sz="2000" dirty="0">
+                <a:latin typeface="华文楷体" panose="02010600040101010101" pitchFamily="2" charset="-122"/>
+                <a:ea typeface="华文楷体" panose="02010600040101010101" pitchFamily="2" charset="-122"/>
+              </a:rPr>
+              <a:t>对象的</a:t>
+            </a:r>
+            <a:r>
+              <a:rPr lang="en-US" altLang="zh-CN" sz="2000" dirty="0" err="1">
+                <a:latin typeface="华文楷体" panose="02010600040101010101" pitchFamily="2" charset="-122"/>
+                <a:ea typeface="华文楷体" panose="02010600040101010101" pitchFamily="2" charset="-122"/>
+              </a:rPr>
+              <a:t>toString</a:t>
+            </a:r>
+            <a:r>
+              <a:rPr lang="zh-CN" altLang="en-US" sz="2000" dirty="0">
+                <a:latin typeface="华文楷体" panose="02010600040101010101" pitchFamily="2" charset="-122"/>
+                <a:ea typeface="华文楷体" panose="02010600040101010101" pitchFamily="2" charset="-122"/>
+              </a:rPr>
+              <a:t>方法</a:t>
+            </a:r>
+            <a:r>
+              <a:rPr lang="zh-CN" altLang="en-US" sz="2000" dirty="0" smtClean="0">
+                <a:latin typeface="华文楷体" panose="02010600040101010101" pitchFamily="2" charset="-122"/>
+                <a:ea typeface="华文楷体" panose="02010600040101010101" pitchFamily="2" charset="-122"/>
+              </a:rPr>
+              <a:t>，而</a:t>
+            </a:r>
+            <a:r>
+              <a:rPr lang="zh-CN" altLang="en-US" sz="2000" dirty="0">
+                <a:latin typeface="华文楷体" panose="02010600040101010101" pitchFamily="2" charset="-122"/>
+                <a:ea typeface="华文楷体" panose="02010600040101010101" pitchFamily="2" charset="-122"/>
+              </a:rPr>
+              <a:t>不是</a:t>
+            </a:r>
+            <a:r>
+              <a:rPr lang="en-US" altLang="zh-CN" sz="2000" dirty="0">
+                <a:latin typeface="华文楷体" panose="02010600040101010101" pitchFamily="2" charset="-122"/>
+                <a:ea typeface="华文楷体" panose="02010600040101010101" pitchFamily="2" charset="-122"/>
+              </a:rPr>
+              <a:t>Runnable</a:t>
+            </a:r>
+            <a:r>
+              <a:rPr lang="zh-CN" altLang="en-US" sz="2000" dirty="0">
+                <a:latin typeface="华文楷体" panose="02010600040101010101" pitchFamily="2" charset="-122"/>
+                <a:ea typeface="华文楷体" panose="02010600040101010101" pitchFamily="2" charset="-122"/>
+              </a:rPr>
+              <a:t>实例的</a:t>
+            </a:r>
+            <a:r>
+              <a:rPr lang="en-US" altLang="zh-CN" sz="2000" dirty="0" err="1">
+                <a:latin typeface="华文楷体" panose="02010600040101010101" pitchFamily="2" charset="-122"/>
+                <a:ea typeface="华文楷体" panose="02010600040101010101" pitchFamily="2" charset="-122"/>
+              </a:rPr>
+              <a:t>toString</a:t>
+            </a:r>
+            <a:r>
+              <a:rPr lang="zh-CN" altLang="en-US" sz="2000" dirty="0">
+                <a:latin typeface="华文楷体" panose="02010600040101010101" pitchFamily="2" charset="-122"/>
+                <a:ea typeface="华文楷体" panose="02010600040101010101" pitchFamily="2" charset="-122"/>
+              </a:rPr>
+              <a:t>方法</a:t>
+            </a:r>
+            <a:r>
+              <a:rPr lang="zh-CN" altLang="en-US" sz="2000" dirty="0" smtClean="0">
+                <a:latin typeface="华文楷体" panose="02010600040101010101" pitchFamily="2" charset="-122"/>
+                <a:ea typeface="华文楷体" panose="02010600040101010101" pitchFamily="2" charset="-122"/>
+              </a:rPr>
+              <a:t>。</a:t>
+            </a:r>
+            <a:endParaRPr lang="en-US" altLang="zh-CN" sz="2000" dirty="0" smtClean="0">
+              <a:latin typeface="华文楷体" panose="02010600040101010101" pitchFamily="2" charset="-122"/>
+              <a:ea typeface="华文楷体" panose="02010600040101010101" pitchFamily="2" charset="-122"/>
+            </a:endParaRPr>
+          </a:p>
+          <a:p>
+            <a:r>
+              <a:rPr lang="zh-CN" altLang="en-US" sz="2000" dirty="0" smtClean="0">
+                <a:latin typeface="华文楷体" panose="02010600040101010101" pitchFamily="2" charset="-122"/>
+                <a:ea typeface="华文楷体" panose="02010600040101010101" pitchFamily="2" charset="-122"/>
+              </a:rPr>
+              <a:t>在</a:t>
+            </a:r>
+            <a:r>
+              <a:rPr lang="en-US" altLang="zh-CN" sz="2000" dirty="0">
+                <a:latin typeface="华文楷体" panose="02010600040101010101" pitchFamily="2" charset="-122"/>
+                <a:ea typeface="华文楷体" panose="02010600040101010101" pitchFamily="2" charset="-122"/>
+              </a:rPr>
+              <a:t>lambda</a:t>
+            </a:r>
+            <a:r>
+              <a:rPr lang="zh-CN" altLang="en-US" sz="2000" dirty="0">
+                <a:latin typeface="华文楷体" panose="02010600040101010101" pitchFamily="2" charset="-122"/>
+                <a:ea typeface="华文楷体" panose="02010600040101010101" pitchFamily="2" charset="-122"/>
+              </a:rPr>
+              <a:t>表达式中使用</a:t>
+            </a:r>
+            <a:r>
+              <a:rPr lang="en-US" altLang="zh-CN" sz="2000" dirty="0">
+                <a:latin typeface="华文楷体" panose="02010600040101010101" pitchFamily="2" charset="-122"/>
+                <a:ea typeface="华文楷体" panose="02010600040101010101" pitchFamily="2" charset="-122"/>
+              </a:rPr>
+              <a:t>this</a:t>
+            </a:r>
+            <a:r>
+              <a:rPr lang="zh-CN" altLang="en-US" sz="2000" dirty="0">
+                <a:latin typeface="华文楷体" panose="02010600040101010101" pitchFamily="2" charset="-122"/>
+                <a:ea typeface="华文楷体" panose="02010600040101010101" pitchFamily="2" charset="-122"/>
+              </a:rPr>
+              <a:t>，与在其他地方使用</a:t>
+            </a:r>
+            <a:r>
+              <a:rPr lang="en-US" altLang="zh-CN" sz="2000" dirty="0">
+                <a:latin typeface="华文楷体" panose="02010600040101010101" pitchFamily="2" charset="-122"/>
+                <a:ea typeface="华文楷体" panose="02010600040101010101" pitchFamily="2" charset="-122"/>
+              </a:rPr>
+              <a:t>this</a:t>
+            </a:r>
+            <a:r>
+              <a:rPr lang="zh-CN" altLang="en-US" sz="2000" dirty="0">
+                <a:latin typeface="华文楷体" panose="02010600040101010101" pitchFamily="2" charset="-122"/>
+                <a:ea typeface="华文楷体" panose="02010600040101010101" pitchFamily="2" charset="-122"/>
+              </a:rPr>
+              <a:t>没有什么不同</a:t>
+            </a:r>
+            <a:r>
+              <a:rPr lang="zh-CN" altLang="en-US" sz="2000" dirty="0" smtClean="0">
+                <a:latin typeface="华文楷体" panose="02010600040101010101" pitchFamily="2" charset="-122"/>
+                <a:ea typeface="华文楷体" panose="02010600040101010101" pitchFamily="2" charset="-122"/>
+              </a:rPr>
+              <a:t>。</a:t>
+            </a:r>
+            <a:endParaRPr lang="en-US" altLang="zh-CN" sz="2000" dirty="0" smtClean="0">
+              <a:latin typeface="华文楷体" panose="02010600040101010101" pitchFamily="2" charset="-122"/>
+              <a:ea typeface="华文楷体" panose="02010600040101010101" pitchFamily="2" charset="-122"/>
+            </a:endParaRPr>
+          </a:p>
+          <a:p>
+            <a:r>
+              <a:rPr lang="en-US" altLang="zh-CN" sz="2000" dirty="0" smtClean="0">
+                <a:latin typeface="华文楷体" panose="02010600040101010101" pitchFamily="2" charset="-122"/>
+                <a:ea typeface="华文楷体" panose="02010600040101010101" pitchFamily="2" charset="-122"/>
+              </a:rPr>
+              <a:t>lambda</a:t>
+            </a:r>
+            <a:r>
+              <a:rPr lang="zh-CN" altLang="en-US" sz="2000" dirty="0">
+                <a:latin typeface="华文楷体" panose="02010600040101010101" pitchFamily="2" charset="-122"/>
+                <a:ea typeface="华文楷体" panose="02010600040101010101" pitchFamily="2" charset="-122"/>
+              </a:rPr>
+              <a:t>表达式的作用域被嵌套在</a:t>
+            </a:r>
+            <a:r>
+              <a:rPr lang="en-US" altLang="zh-CN" sz="2000" dirty="0" err="1">
+                <a:latin typeface="华文楷体" panose="02010600040101010101" pitchFamily="2" charset="-122"/>
+                <a:ea typeface="华文楷体" panose="02010600040101010101" pitchFamily="2" charset="-122"/>
+              </a:rPr>
+              <a:t>doWork</a:t>
+            </a:r>
+            <a:r>
+              <a:rPr lang="zh-CN" altLang="en-US" sz="2000" dirty="0">
+                <a:latin typeface="华文楷体" panose="02010600040101010101" pitchFamily="2" charset="-122"/>
+                <a:ea typeface="华文楷体" panose="02010600040101010101" pitchFamily="2" charset="-122"/>
+              </a:rPr>
+              <a:t>方法中，并且无论</a:t>
+            </a:r>
+            <a:r>
+              <a:rPr lang="en-US" altLang="zh-CN" sz="2000" dirty="0">
+                <a:latin typeface="华文楷体" panose="02010600040101010101" pitchFamily="2" charset="-122"/>
+                <a:ea typeface="华文楷体" panose="02010600040101010101" pitchFamily="2" charset="-122"/>
+              </a:rPr>
+              <a:t>this</a:t>
+            </a:r>
+            <a:r>
+              <a:rPr lang="zh-CN" altLang="en-US" sz="2000" dirty="0">
+                <a:latin typeface="华文楷体" panose="02010600040101010101" pitchFamily="2" charset="-122"/>
+                <a:ea typeface="华文楷体" panose="02010600040101010101" pitchFamily="2" charset="-122"/>
+              </a:rPr>
+              <a:t>位于方法的何处，其意义都是一样的。</a:t>
+            </a:r>
           </a:p>
         </p:txBody>
       </p:sp>
@@ -10604,7 +15427,24 @@
           <a:bodyPr/>
           <a:lstStyle/>
           <a:p>
-            <a:endParaRPr lang="zh-CN" altLang="en-US" dirty="0"/>
+            <a:r>
+              <a:rPr lang="en-US" altLang="zh-CN" dirty="0">
+                <a:latin typeface="华文楷体" panose="02010600040101010101" pitchFamily="2" charset="-122"/>
+                <a:ea typeface="华文楷体" panose="02010600040101010101" pitchFamily="2" charset="-122"/>
+              </a:rPr>
+              <a:t>1.7	</a:t>
+            </a:r>
+            <a:r>
+              <a:rPr lang="zh-CN" altLang="en-US" dirty="0">
+                <a:latin typeface="华文楷体" panose="02010600040101010101" pitchFamily="2" charset="-122"/>
+                <a:ea typeface="华文楷体" panose="02010600040101010101" pitchFamily="2" charset="-122"/>
+              </a:rPr>
+              <a:t>默认为法</a:t>
+            </a:r>
+            <a:endParaRPr lang="zh-CN" altLang="en-US" dirty="0">
+              <a:latin typeface="华文楷体" panose="02010600040101010101" pitchFamily="2" charset="-122"/>
+              <a:ea typeface="华文楷体" panose="02010600040101010101" pitchFamily="2" charset="-122"/>
+            </a:endParaRPr>
           </a:p>
         </p:txBody>
       </p:sp>
@@ -10625,7 +15465,10 @@
           </a:bodyPr>
           <a:lstStyle/>
           <a:p>
-            <a:endParaRPr lang="zh-CN" altLang="en-US" sz="2000" dirty="0"/>
+            <a:endParaRPr lang="zh-CN" altLang="en-US" sz="2000" dirty="0">
+              <a:latin typeface="华文楷体" panose="02010600040101010101" pitchFamily="2" charset="-122"/>
+              <a:ea typeface="华文楷体" panose="02010600040101010101" pitchFamily="2" charset="-122"/>
+            </a:endParaRPr>
           </a:p>
         </p:txBody>
       </p:sp>
@@ -18132,14 +22975,7 @@
                 <a:latin typeface="华文楷体" panose="02010600040101010101" pitchFamily="2" charset="-122"/>
                 <a:ea typeface="华文楷体" panose="02010600040101010101" pitchFamily="2" charset="-122"/>
               </a:rPr>
-              <a:t>    else if </a:t>
-            </a:r>
-            <a:r>
-              <a:rPr lang="en-US" altLang="zh-CN" dirty="0" smtClean="0">
-                <a:latin typeface="华文楷体" panose="02010600040101010101" pitchFamily="2" charset="-122"/>
-                <a:ea typeface="华文楷体" panose="02010600040101010101" pitchFamily="2" charset="-122"/>
-              </a:rPr>
-              <a:t>(</a:t>
+              <a:t>    else if (</a:t>
             </a:r>
             <a:r>
               <a:rPr lang="en-US" altLang="zh-CN" dirty="0" err="1" smtClean="0">
@@ -18453,10 +23289,6 @@
               </a:rPr>
               <a:t>();  }</a:t>
             </a:r>
-            <a:endParaRPr lang="en-US" altLang="zh-CN" dirty="0">
-              <a:latin typeface="华文楷体" panose="02010600040101010101" pitchFamily="2" charset="-122"/>
-              <a:ea typeface="华文楷体" panose="02010600040101010101" pitchFamily="2" charset="-122"/>
-            </a:endParaRPr>
           </a:p>
         </p:txBody>
       </p:sp>
